--- a/Conducteur/Scénarios_Conducteur.pptx
+++ b/Conducteur/Scénarios_Conducteur.pptx
@@ -5,14 +5,17 @@
     <p:sldMasterId id="2147483648" r:id="rId1"/>
   </p:sldMasterIdLst>
   <p:notesMasterIdLst>
-    <p:notesMasterId r:id="rId7"/>
+    <p:notesMasterId r:id="rId10"/>
   </p:notesMasterIdLst>
   <p:sldIdLst>
     <p:sldId id="256" r:id="rId2"/>
     <p:sldId id="257" r:id="rId3"/>
     <p:sldId id="258" r:id="rId4"/>
     <p:sldId id="259" r:id="rId5"/>
-    <p:sldId id="260" r:id="rId6"/>
+    <p:sldId id="261" r:id="rId6"/>
+    <p:sldId id="262" r:id="rId7"/>
+    <p:sldId id="263" r:id="rId8"/>
+    <p:sldId id="260" r:id="rId9"/>
   </p:sldIdLst>
   <p:sldSz cx="9144000" cy="6858000" type="screen4x3"/>
   <p:notesSz cx="6858000" cy="9144000"/>
@@ -114,6 +117,4665 @@
 </p:presentation>
 </file>
 
+<file path=ppt/diagrams/colors1.xml><?xml version="1.0" encoding="utf-8"?>
+<dgm:colorsDef xmlns:dgm="http://schemas.openxmlformats.org/drawingml/2006/diagram" xmlns:a="http://schemas.openxmlformats.org/drawingml/2006/main" uniqueId="urn:microsoft.com/office/officeart/2005/8/colors/accent1_2">
+  <dgm:title val=""/>
+  <dgm:desc val=""/>
+  <dgm:catLst>
+    <dgm:cat type="accent1" pri="11200"/>
+  </dgm:catLst>
+  <dgm:styleLbl name="node0">
+    <dgm:fillClrLst meth="repeat">
+      <a:schemeClr val="accent1"/>
+    </dgm:fillClrLst>
+    <dgm:linClrLst meth="repeat">
+      <a:schemeClr val="lt1"/>
+    </dgm:linClrLst>
+    <dgm:effectClrLst/>
+    <dgm:txLinClrLst/>
+    <dgm:txFillClrLst/>
+    <dgm:txEffectClrLst/>
+  </dgm:styleLbl>
+  <dgm:styleLbl name="alignNode1">
+    <dgm:fillClrLst meth="repeat">
+      <a:schemeClr val="accent1"/>
+    </dgm:fillClrLst>
+    <dgm:linClrLst meth="repeat">
+      <a:schemeClr val="accent1"/>
+    </dgm:linClrLst>
+    <dgm:effectClrLst/>
+    <dgm:txLinClrLst/>
+    <dgm:txFillClrLst/>
+    <dgm:txEffectClrLst/>
+  </dgm:styleLbl>
+  <dgm:styleLbl name="node1">
+    <dgm:fillClrLst meth="repeat">
+      <a:schemeClr val="accent1"/>
+    </dgm:fillClrLst>
+    <dgm:linClrLst meth="repeat">
+      <a:schemeClr val="lt1"/>
+    </dgm:linClrLst>
+    <dgm:effectClrLst/>
+    <dgm:txLinClrLst/>
+    <dgm:txFillClrLst/>
+    <dgm:txEffectClrLst/>
+  </dgm:styleLbl>
+  <dgm:styleLbl name="lnNode1">
+    <dgm:fillClrLst meth="repeat">
+      <a:schemeClr val="accent1"/>
+    </dgm:fillClrLst>
+    <dgm:linClrLst meth="repeat">
+      <a:schemeClr val="lt1"/>
+    </dgm:linClrLst>
+    <dgm:effectClrLst/>
+    <dgm:txLinClrLst/>
+    <dgm:txFillClrLst/>
+    <dgm:txEffectClrLst/>
+  </dgm:styleLbl>
+  <dgm:styleLbl name="vennNode1">
+    <dgm:fillClrLst meth="repeat">
+      <a:schemeClr val="accent1">
+        <a:alpha val="50000"/>
+      </a:schemeClr>
+    </dgm:fillClrLst>
+    <dgm:linClrLst meth="repeat">
+      <a:schemeClr val="lt1"/>
+    </dgm:linClrLst>
+    <dgm:effectClrLst/>
+    <dgm:txLinClrLst/>
+    <dgm:txFillClrLst/>
+    <dgm:txEffectClrLst/>
+  </dgm:styleLbl>
+  <dgm:styleLbl name="node2">
+    <dgm:fillClrLst meth="repeat">
+      <a:schemeClr val="accent1"/>
+    </dgm:fillClrLst>
+    <dgm:linClrLst meth="repeat">
+      <a:schemeClr val="lt1"/>
+    </dgm:linClrLst>
+    <dgm:effectClrLst/>
+    <dgm:txLinClrLst/>
+    <dgm:txFillClrLst/>
+    <dgm:txEffectClrLst/>
+  </dgm:styleLbl>
+  <dgm:styleLbl name="node3">
+    <dgm:fillClrLst meth="repeat">
+      <a:schemeClr val="accent1"/>
+    </dgm:fillClrLst>
+    <dgm:linClrLst meth="repeat">
+      <a:schemeClr val="lt1"/>
+    </dgm:linClrLst>
+    <dgm:effectClrLst/>
+    <dgm:txLinClrLst/>
+    <dgm:txFillClrLst/>
+    <dgm:txEffectClrLst/>
+  </dgm:styleLbl>
+  <dgm:styleLbl name="node4">
+    <dgm:fillClrLst meth="repeat">
+      <a:schemeClr val="accent1"/>
+    </dgm:fillClrLst>
+    <dgm:linClrLst meth="repeat">
+      <a:schemeClr val="lt1"/>
+    </dgm:linClrLst>
+    <dgm:effectClrLst/>
+    <dgm:txLinClrLst/>
+    <dgm:txFillClrLst/>
+    <dgm:txEffectClrLst/>
+  </dgm:styleLbl>
+  <dgm:styleLbl name="fgImgPlace1">
+    <dgm:fillClrLst meth="repeat">
+      <a:schemeClr val="accent1">
+        <a:tint val="50000"/>
+      </a:schemeClr>
+    </dgm:fillClrLst>
+    <dgm:linClrLst meth="repeat">
+      <a:schemeClr val="lt1"/>
+    </dgm:linClrLst>
+    <dgm:effectClrLst/>
+    <dgm:txLinClrLst/>
+    <dgm:txFillClrLst meth="repeat">
+      <a:schemeClr val="lt1"/>
+    </dgm:txFillClrLst>
+    <dgm:txEffectClrLst/>
+  </dgm:styleLbl>
+  <dgm:styleLbl name="alignImgPlace1">
+    <dgm:fillClrLst meth="repeat">
+      <a:schemeClr val="accent1">
+        <a:tint val="50000"/>
+      </a:schemeClr>
+    </dgm:fillClrLst>
+    <dgm:linClrLst meth="repeat">
+      <a:schemeClr val="lt1"/>
+    </dgm:linClrLst>
+    <dgm:effectClrLst/>
+    <dgm:txLinClrLst/>
+    <dgm:txFillClrLst meth="repeat">
+      <a:schemeClr val="lt1"/>
+    </dgm:txFillClrLst>
+    <dgm:txEffectClrLst/>
+  </dgm:styleLbl>
+  <dgm:styleLbl name="bgImgPlace1">
+    <dgm:fillClrLst meth="repeat">
+      <a:schemeClr val="accent1">
+        <a:tint val="50000"/>
+      </a:schemeClr>
+    </dgm:fillClrLst>
+    <dgm:linClrLst meth="repeat">
+      <a:schemeClr val="lt1"/>
+    </dgm:linClrLst>
+    <dgm:effectClrLst/>
+    <dgm:txLinClrLst/>
+    <dgm:txFillClrLst meth="repeat">
+      <a:schemeClr val="lt1"/>
+    </dgm:txFillClrLst>
+    <dgm:txEffectClrLst/>
+  </dgm:styleLbl>
+  <dgm:styleLbl name="sibTrans2D1">
+    <dgm:fillClrLst meth="repeat">
+      <a:schemeClr val="accent1">
+        <a:tint val="60000"/>
+      </a:schemeClr>
+    </dgm:fillClrLst>
+    <dgm:linClrLst meth="repeat">
+      <a:schemeClr val="accent1">
+        <a:tint val="60000"/>
+      </a:schemeClr>
+    </dgm:linClrLst>
+    <dgm:effectClrLst/>
+    <dgm:txLinClrLst/>
+    <dgm:txFillClrLst/>
+    <dgm:txEffectClrLst/>
+  </dgm:styleLbl>
+  <dgm:styleLbl name="fgSibTrans2D1">
+    <dgm:fillClrLst meth="repeat">
+      <a:schemeClr val="accent1">
+        <a:tint val="60000"/>
+      </a:schemeClr>
+    </dgm:fillClrLst>
+    <dgm:linClrLst meth="repeat">
+      <a:schemeClr val="accent1">
+        <a:tint val="60000"/>
+      </a:schemeClr>
+    </dgm:linClrLst>
+    <dgm:effectClrLst/>
+    <dgm:txLinClrLst/>
+    <dgm:txFillClrLst/>
+    <dgm:txEffectClrLst/>
+  </dgm:styleLbl>
+  <dgm:styleLbl name="bgSibTrans2D1">
+    <dgm:fillClrLst meth="repeat">
+      <a:schemeClr val="accent1">
+        <a:tint val="60000"/>
+      </a:schemeClr>
+    </dgm:fillClrLst>
+    <dgm:linClrLst meth="repeat">
+      <a:schemeClr val="accent1">
+        <a:tint val="60000"/>
+      </a:schemeClr>
+    </dgm:linClrLst>
+    <dgm:effectClrLst/>
+    <dgm:txLinClrLst/>
+    <dgm:txFillClrLst/>
+    <dgm:txEffectClrLst/>
+  </dgm:styleLbl>
+  <dgm:styleLbl name="sibTrans1D1">
+    <dgm:fillClrLst meth="repeat">
+      <a:schemeClr val="accent1"/>
+    </dgm:fillClrLst>
+    <dgm:linClrLst meth="repeat">
+      <a:schemeClr val="accent1"/>
+    </dgm:linClrLst>
+    <dgm:effectClrLst/>
+    <dgm:txLinClrLst/>
+    <dgm:txFillClrLst meth="repeat">
+      <a:schemeClr val="tx1"/>
+    </dgm:txFillClrLst>
+    <dgm:txEffectClrLst/>
+  </dgm:styleLbl>
+  <dgm:styleLbl name="callout">
+    <dgm:fillClrLst meth="repeat">
+      <a:schemeClr val="accent1"/>
+    </dgm:fillClrLst>
+    <dgm:linClrLst meth="repeat">
+      <a:schemeClr val="accent1">
+        <a:tint val="50000"/>
+      </a:schemeClr>
+    </dgm:linClrLst>
+    <dgm:effectClrLst/>
+    <dgm:txLinClrLst/>
+    <dgm:txFillClrLst meth="repeat">
+      <a:schemeClr val="tx1"/>
+    </dgm:txFillClrLst>
+    <dgm:txEffectClrLst/>
+  </dgm:styleLbl>
+  <dgm:styleLbl name="asst0">
+    <dgm:fillClrLst meth="repeat">
+      <a:schemeClr val="accent1"/>
+    </dgm:fillClrLst>
+    <dgm:linClrLst meth="repeat">
+      <a:schemeClr val="lt1"/>
+    </dgm:linClrLst>
+    <dgm:effectClrLst/>
+    <dgm:txLinClrLst/>
+    <dgm:txFillClrLst/>
+    <dgm:txEffectClrLst/>
+  </dgm:styleLbl>
+  <dgm:styleLbl name="asst1">
+    <dgm:fillClrLst meth="repeat">
+      <a:schemeClr val="accent1"/>
+    </dgm:fillClrLst>
+    <dgm:linClrLst meth="repeat">
+      <a:schemeClr val="lt1"/>
+    </dgm:linClrLst>
+    <dgm:effectClrLst/>
+    <dgm:txLinClrLst/>
+    <dgm:txFillClrLst/>
+    <dgm:txEffectClrLst/>
+  </dgm:styleLbl>
+  <dgm:styleLbl name="asst2">
+    <dgm:fillClrLst meth="repeat">
+      <a:schemeClr val="accent1"/>
+    </dgm:fillClrLst>
+    <dgm:linClrLst meth="repeat">
+      <a:schemeClr val="lt1"/>
+    </dgm:linClrLst>
+    <dgm:effectClrLst/>
+    <dgm:txLinClrLst/>
+    <dgm:txFillClrLst/>
+    <dgm:txEffectClrLst/>
+  </dgm:styleLbl>
+  <dgm:styleLbl name="asst3">
+    <dgm:fillClrLst meth="repeat">
+      <a:schemeClr val="accent1"/>
+    </dgm:fillClrLst>
+    <dgm:linClrLst meth="repeat">
+      <a:schemeClr val="lt1"/>
+    </dgm:linClrLst>
+    <dgm:effectClrLst/>
+    <dgm:txLinClrLst/>
+    <dgm:txFillClrLst/>
+    <dgm:txEffectClrLst/>
+  </dgm:styleLbl>
+  <dgm:styleLbl name="asst4">
+    <dgm:fillClrLst meth="repeat">
+      <a:schemeClr val="accent1"/>
+    </dgm:fillClrLst>
+    <dgm:linClrLst meth="repeat">
+      <a:schemeClr val="lt1"/>
+    </dgm:linClrLst>
+    <dgm:effectClrLst/>
+    <dgm:txLinClrLst/>
+    <dgm:txFillClrLst/>
+    <dgm:txEffectClrLst/>
+  </dgm:styleLbl>
+  <dgm:styleLbl name="parChTrans2D1">
+    <dgm:fillClrLst meth="repeat">
+      <a:schemeClr val="accent1">
+        <a:tint val="60000"/>
+      </a:schemeClr>
+    </dgm:fillClrLst>
+    <dgm:linClrLst meth="repeat">
+      <a:schemeClr val="accent1">
+        <a:tint val="60000"/>
+      </a:schemeClr>
+    </dgm:linClrLst>
+    <dgm:effectClrLst/>
+    <dgm:txLinClrLst/>
+    <dgm:txFillClrLst meth="repeat">
+      <a:schemeClr val="lt1"/>
+    </dgm:txFillClrLst>
+    <dgm:txEffectClrLst/>
+  </dgm:styleLbl>
+  <dgm:styleLbl name="parChTrans2D2">
+    <dgm:fillClrLst meth="repeat">
+      <a:schemeClr val="accent1"/>
+    </dgm:fillClrLst>
+    <dgm:linClrLst meth="repeat">
+      <a:schemeClr val="accent1"/>
+    </dgm:linClrLst>
+    <dgm:effectClrLst/>
+    <dgm:txLinClrLst/>
+    <dgm:txFillClrLst meth="repeat">
+      <a:schemeClr val="lt1"/>
+    </dgm:txFillClrLst>
+    <dgm:txEffectClrLst/>
+  </dgm:styleLbl>
+  <dgm:styleLbl name="parChTrans2D3">
+    <dgm:fillClrLst meth="repeat">
+      <a:schemeClr val="accent1"/>
+    </dgm:fillClrLst>
+    <dgm:linClrLst meth="repeat">
+      <a:schemeClr val="accent1"/>
+    </dgm:linClrLst>
+    <dgm:effectClrLst/>
+    <dgm:txLinClrLst/>
+    <dgm:txFillClrLst meth="repeat">
+      <a:schemeClr val="lt1"/>
+    </dgm:txFillClrLst>
+    <dgm:txEffectClrLst/>
+  </dgm:styleLbl>
+  <dgm:styleLbl name="parChTrans2D4">
+    <dgm:fillClrLst meth="repeat">
+      <a:schemeClr val="accent1"/>
+    </dgm:fillClrLst>
+    <dgm:linClrLst meth="repeat">
+      <a:schemeClr val="accent1"/>
+    </dgm:linClrLst>
+    <dgm:effectClrLst/>
+    <dgm:txLinClrLst/>
+    <dgm:txFillClrLst meth="repeat">
+      <a:schemeClr val="lt1"/>
+    </dgm:txFillClrLst>
+    <dgm:txEffectClrLst/>
+  </dgm:styleLbl>
+  <dgm:styleLbl name="parChTrans1D1">
+    <dgm:fillClrLst meth="repeat">
+      <a:schemeClr val="accent1"/>
+    </dgm:fillClrLst>
+    <dgm:linClrLst meth="repeat">
+      <a:schemeClr val="accent1">
+        <a:shade val="60000"/>
+      </a:schemeClr>
+    </dgm:linClrLst>
+    <dgm:effectClrLst/>
+    <dgm:txLinClrLst/>
+    <dgm:txFillClrLst meth="repeat">
+      <a:schemeClr val="tx1"/>
+    </dgm:txFillClrLst>
+    <dgm:txEffectClrLst/>
+  </dgm:styleLbl>
+  <dgm:styleLbl name="parChTrans1D2">
+    <dgm:fillClrLst meth="repeat">
+      <a:schemeClr val="accent1"/>
+    </dgm:fillClrLst>
+    <dgm:linClrLst meth="repeat">
+      <a:schemeClr val="accent1">
+        <a:shade val="60000"/>
+      </a:schemeClr>
+    </dgm:linClrLst>
+    <dgm:effectClrLst/>
+    <dgm:txLinClrLst/>
+    <dgm:txFillClrLst meth="repeat">
+      <a:schemeClr val="tx1"/>
+    </dgm:txFillClrLst>
+    <dgm:txEffectClrLst/>
+  </dgm:styleLbl>
+  <dgm:styleLbl name="parChTrans1D3">
+    <dgm:fillClrLst meth="repeat">
+      <a:schemeClr val="accent1"/>
+    </dgm:fillClrLst>
+    <dgm:linClrLst meth="repeat">
+      <a:schemeClr val="accent1">
+        <a:shade val="80000"/>
+      </a:schemeClr>
+    </dgm:linClrLst>
+    <dgm:effectClrLst/>
+    <dgm:txLinClrLst/>
+    <dgm:txFillClrLst meth="repeat">
+      <a:schemeClr val="tx1"/>
+    </dgm:txFillClrLst>
+    <dgm:txEffectClrLst/>
+  </dgm:styleLbl>
+  <dgm:styleLbl name="parChTrans1D4">
+    <dgm:fillClrLst meth="repeat">
+      <a:schemeClr val="accent1"/>
+    </dgm:fillClrLst>
+    <dgm:linClrLst meth="repeat">
+      <a:schemeClr val="accent1">
+        <a:shade val="80000"/>
+      </a:schemeClr>
+    </dgm:linClrLst>
+    <dgm:effectClrLst/>
+    <dgm:txLinClrLst/>
+    <dgm:txFillClrLst meth="repeat">
+      <a:schemeClr val="tx1"/>
+    </dgm:txFillClrLst>
+    <dgm:txEffectClrLst/>
+  </dgm:styleLbl>
+  <dgm:styleLbl name="fgAcc1">
+    <dgm:fillClrLst meth="repeat">
+      <a:schemeClr val="lt1">
+        <a:alpha val="90000"/>
+      </a:schemeClr>
+    </dgm:fillClrLst>
+    <dgm:linClrLst meth="repeat">
+      <a:schemeClr val="accent1"/>
+    </dgm:linClrLst>
+    <dgm:effectClrLst/>
+    <dgm:txLinClrLst/>
+    <dgm:txFillClrLst meth="repeat">
+      <a:schemeClr val="dk1"/>
+    </dgm:txFillClrLst>
+    <dgm:txEffectClrLst/>
+  </dgm:styleLbl>
+  <dgm:styleLbl name="conFgAcc1">
+    <dgm:fillClrLst meth="repeat">
+      <a:schemeClr val="lt1">
+        <a:alpha val="90000"/>
+      </a:schemeClr>
+    </dgm:fillClrLst>
+    <dgm:linClrLst meth="repeat">
+      <a:schemeClr val="accent1"/>
+    </dgm:linClrLst>
+    <dgm:effectClrLst/>
+    <dgm:txLinClrLst/>
+    <dgm:txFillClrLst meth="repeat">
+      <a:schemeClr val="dk1"/>
+    </dgm:txFillClrLst>
+    <dgm:txEffectClrLst/>
+  </dgm:styleLbl>
+  <dgm:styleLbl name="alignAcc1">
+    <dgm:fillClrLst meth="repeat">
+      <a:schemeClr val="lt1">
+        <a:alpha val="90000"/>
+      </a:schemeClr>
+    </dgm:fillClrLst>
+    <dgm:linClrLst meth="repeat">
+      <a:schemeClr val="accent1"/>
+    </dgm:linClrLst>
+    <dgm:effectClrLst/>
+    <dgm:txLinClrLst/>
+    <dgm:txFillClrLst meth="repeat">
+      <a:schemeClr val="dk1"/>
+    </dgm:txFillClrLst>
+    <dgm:txEffectClrLst/>
+  </dgm:styleLbl>
+  <dgm:styleLbl name="trAlignAcc1">
+    <dgm:fillClrLst meth="repeat">
+      <a:schemeClr val="lt1">
+        <a:alpha val="40000"/>
+      </a:schemeClr>
+    </dgm:fillClrLst>
+    <dgm:linClrLst meth="repeat">
+      <a:schemeClr val="accent1"/>
+    </dgm:linClrLst>
+    <dgm:effectClrLst/>
+    <dgm:txLinClrLst/>
+    <dgm:txFillClrLst meth="repeat">
+      <a:schemeClr val="dk1"/>
+    </dgm:txFillClrLst>
+    <dgm:txEffectClrLst/>
+  </dgm:styleLbl>
+  <dgm:styleLbl name="bgAcc1">
+    <dgm:fillClrLst meth="repeat">
+      <a:schemeClr val="lt1">
+        <a:alpha val="90000"/>
+      </a:schemeClr>
+    </dgm:fillClrLst>
+    <dgm:linClrLst meth="repeat">
+      <a:schemeClr val="accent1"/>
+    </dgm:linClrLst>
+    <dgm:effectClrLst/>
+    <dgm:txLinClrLst/>
+    <dgm:txFillClrLst meth="repeat">
+      <a:schemeClr val="dk1"/>
+    </dgm:txFillClrLst>
+    <dgm:txEffectClrLst/>
+  </dgm:styleLbl>
+  <dgm:styleLbl name="solidFgAcc1">
+    <dgm:fillClrLst meth="repeat">
+      <a:schemeClr val="lt1"/>
+    </dgm:fillClrLst>
+    <dgm:linClrLst meth="repeat">
+      <a:schemeClr val="accent1"/>
+    </dgm:linClrLst>
+    <dgm:effectClrLst/>
+    <dgm:txLinClrLst/>
+    <dgm:txFillClrLst meth="repeat">
+      <a:schemeClr val="dk1"/>
+    </dgm:txFillClrLst>
+    <dgm:txEffectClrLst/>
+  </dgm:styleLbl>
+  <dgm:styleLbl name="solidAlignAcc1">
+    <dgm:fillClrLst meth="repeat">
+      <a:schemeClr val="lt1"/>
+    </dgm:fillClrLst>
+    <dgm:linClrLst meth="repeat">
+      <a:schemeClr val="accent1"/>
+    </dgm:linClrLst>
+    <dgm:effectClrLst/>
+    <dgm:txLinClrLst/>
+    <dgm:txFillClrLst meth="repeat">
+      <a:schemeClr val="dk1"/>
+    </dgm:txFillClrLst>
+    <dgm:txEffectClrLst/>
+  </dgm:styleLbl>
+  <dgm:styleLbl name="solidBgAcc1">
+    <dgm:fillClrLst meth="repeat">
+      <a:schemeClr val="lt1"/>
+    </dgm:fillClrLst>
+    <dgm:linClrLst meth="repeat">
+      <a:schemeClr val="accent1"/>
+    </dgm:linClrLst>
+    <dgm:effectClrLst/>
+    <dgm:txLinClrLst/>
+    <dgm:txFillClrLst meth="repeat">
+      <a:schemeClr val="dk1"/>
+    </dgm:txFillClrLst>
+    <dgm:txEffectClrLst/>
+  </dgm:styleLbl>
+  <dgm:styleLbl name="fgAccFollowNode1">
+    <dgm:fillClrLst meth="repeat">
+      <a:schemeClr val="accent1">
+        <a:alpha val="90000"/>
+        <a:tint val="40000"/>
+      </a:schemeClr>
+    </dgm:fillClrLst>
+    <dgm:linClrLst meth="repeat">
+      <a:schemeClr val="accent1">
+        <a:alpha val="90000"/>
+        <a:tint val="40000"/>
+      </a:schemeClr>
+    </dgm:linClrLst>
+    <dgm:effectClrLst/>
+    <dgm:txLinClrLst/>
+    <dgm:txFillClrLst meth="repeat">
+      <a:schemeClr val="dk1"/>
+    </dgm:txFillClrLst>
+    <dgm:txEffectClrLst/>
+  </dgm:styleLbl>
+  <dgm:styleLbl name="alignAccFollowNode1">
+    <dgm:fillClrLst meth="repeat">
+      <a:schemeClr val="accent1">
+        <a:alpha val="90000"/>
+        <a:tint val="40000"/>
+      </a:schemeClr>
+    </dgm:fillClrLst>
+    <dgm:linClrLst meth="repeat">
+      <a:schemeClr val="accent1">
+        <a:alpha val="90000"/>
+        <a:tint val="40000"/>
+      </a:schemeClr>
+    </dgm:linClrLst>
+    <dgm:effectClrLst/>
+    <dgm:txLinClrLst/>
+    <dgm:txFillClrLst meth="repeat">
+      <a:schemeClr val="dk1"/>
+    </dgm:txFillClrLst>
+    <dgm:txEffectClrLst/>
+  </dgm:styleLbl>
+  <dgm:styleLbl name="bgAccFollowNode1">
+    <dgm:fillClrLst meth="repeat">
+      <a:schemeClr val="accent1">
+        <a:alpha val="90000"/>
+        <a:tint val="40000"/>
+      </a:schemeClr>
+    </dgm:fillClrLst>
+    <dgm:linClrLst meth="repeat">
+      <a:schemeClr val="accent1">
+        <a:alpha val="90000"/>
+        <a:tint val="40000"/>
+      </a:schemeClr>
+    </dgm:linClrLst>
+    <dgm:effectClrLst/>
+    <dgm:txLinClrLst/>
+    <dgm:txFillClrLst meth="repeat">
+      <a:schemeClr val="dk1"/>
+    </dgm:txFillClrLst>
+    <dgm:txEffectClrLst/>
+  </dgm:styleLbl>
+  <dgm:styleLbl name="fgAcc0">
+    <dgm:fillClrLst meth="repeat">
+      <a:schemeClr val="lt1">
+        <a:alpha val="90000"/>
+      </a:schemeClr>
+    </dgm:fillClrLst>
+    <dgm:linClrLst meth="repeat">
+      <a:schemeClr val="accent1"/>
+    </dgm:linClrLst>
+    <dgm:effectClrLst/>
+    <dgm:txLinClrLst/>
+    <dgm:txFillClrLst meth="repeat">
+      <a:schemeClr val="dk1"/>
+    </dgm:txFillClrLst>
+    <dgm:txEffectClrLst/>
+  </dgm:styleLbl>
+  <dgm:styleLbl name="fgAcc2">
+    <dgm:fillClrLst meth="repeat">
+      <a:schemeClr val="lt1">
+        <a:alpha val="90000"/>
+      </a:schemeClr>
+    </dgm:fillClrLst>
+    <dgm:linClrLst meth="repeat">
+      <a:schemeClr val="accent1"/>
+    </dgm:linClrLst>
+    <dgm:effectClrLst/>
+    <dgm:txLinClrLst/>
+    <dgm:txFillClrLst meth="repeat">
+      <a:schemeClr val="dk1"/>
+    </dgm:txFillClrLst>
+    <dgm:txEffectClrLst/>
+  </dgm:styleLbl>
+  <dgm:styleLbl name="fgAcc3">
+    <dgm:fillClrLst meth="repeat">
+      <a:schemeClr val="lt1">
+        <a:alpha val="90000"/>
+      </a:schemeClr>
+    </dgm:fillClrLst>
+    <dgm:linClrLst meth="repeat">
+      <a:schemeClr val="accent1"/>
+    </dgm:linClrLst>
+    <dgm:effectClrLst/>
+    <dgm:txLinClrLst/>
+    <dgm:txFillClrLst meth="repeat">
+      <a:schemeClr val="dk1"/>
+    </dgm:txFillClrLst>
+    <dgm:txEffectClrLst/>
+  </dgm:styleLbl>
+  <dgm:styleLbl name="fgAcc4">
+    <dgm:fillClrLst meth="repeat">
+      <a:schemeClr val="lt1">
+        <a:alpha val="90000"/>
+      </a:schemeClr>
+    </dgm:fillClrLst>
+    <dgm:linClrLst meth="repeat">
+      <a:schemeClr val="accent1"/>
+    </dgm:linClrLst>
+    <dgm:effectClrLst/>
+    <dgm:txLinClrLst/>
+    <dgm:txFillClrLst meth="repeat">
+      <a:schemeClr val="dk1"/>
+    </dgm:txFillClrLst>
+    <dgm:txEffectClrLst/>
+  </dgm:styleLbl>
+  <dgm:styleLbl name="bgShp">
+    <dgm:fillClrLst meth="repeat">
+      <a:schemeClr val="accent1">
+        <a:tint val="40000"/>
+      </a:schemeClr>
+    </dgm:fillClrLst>
+    <dgm:linClrLst meth="repeat">
+      <a:schemeClr val="accent1"/>
+    </dgm:linClrLst>
+    <dgm:effectClrLst/>
+    <dgm:txLinClrLst/>
+    <dgm:txFillClrLst meth="repeat">
+      <a:schemeClr val="dk1"/>
+    </dgm:txFillClrLst>
+    <dgm:txEffectClrLst/>
+  </dgm:styleLbl>
+  <dgm:styleLbl name="dkBgShp">
+    <dgm:fillClrLst meth="repeat">
+      <a:schemeClr val="accent1">
+        <a:shade val="80000"/>
+      </a:schemeClr>
+    </dgm:fillClrLst>
+    <dgm:linClrLst meth="repeat">
+      <a:schemeClr val="accent1"/>
+    </dgm:linClrLst>
+    <dgm:effectClrLst/>
+    <dgm:txLinClrLst/>
+    <dgm:txFillClrLst meth="repeat">
+      <a:schemeClr val="lt1"/>
+    </dgm:txFillClrLst>
+    <dgm:txEffectClrLst/>
+  </dgm:styleLbl>
+  <dgm:styleLbl name="trBgShp">
+    <dgm:fillClrLst meth="repeat">
+      <a:schemeClr val="accent1">
+        <a:tint val="50000"/>
+        <a:alpha val="40000"/>
+      </a:schemeClr>
+    </dgm:fillClrLst>
+    <dgm:linClrLst meth="repeat">
+      <a:schemeClr val="accent1"/>
+    </dgm:linClrLst>
+    <dgm:effectClrLst/>
+    <dgm:txLinClrLst/>
+    <dgm:txFillClrLst meth="repeat">
+      <a:schemeClr val="lt1"/>
+    </dgm:txFillClrLst>
+    <dgm:txEffectClrLst/>
+  </dgm:styleLbl>
+  <dgm:styleLbl name="fgShp">
+    <dgm:fillClrLst meth="repeat">
+      <a:schemeClr val="accent1">
+        <a:tint val="60000"/>
+      </a:schemeClr>
+    </dgm:fillClrLst>
+    <dgm:linClrLst meth="repeat">
+      <a:schemeClr val="lt1"/>
+    </dgm:linClrLst>
+    <dgm:effectClrLst/>
+    <dgm:txLinClrLst/>
+    <dgm:txFillClrLst meth="repeat">
+      <a:schemeClr val="dk1"/>
+    </dgm:txFillClrLst>
+    <dgm:txEffectClrLst/>
+  </dgm:styleLbl>
+  <dgm:styleLbl name="revTx">
+    <dgm:fillClrLst meth="repeat">
+      <a:schemeClr val="lt1">
+        <a:alpha val="0"/>
+      </a:schemeClr>
+    </dgm:fillClrLst>
+    <dgm:linClrLst meth="repeat">
+      <a:schemeClr val="dk1">
+        <a:alpha val="0"/>
+      </a:schemeClr>
+    </dgm:linClrLst>
+    <dgm:effectClrLst/>
+    <dgm:txLinClrLst/>
+    <dgm:txFillClrLst meth="repeat">
+      <a:schemeClr val="tx1"/>
+    </dgm:txFillClrLst>
+    <dgm:txEffectClrLst/>
+  </dgm:styleLbl>
+</dgm:colorsDef>
+</file>
+
+<file path=ppt/diagrams/data1.xml><?xml version="1.0" encoding="utf-8"?>
+<dgm:dataModel xmlns:dgm="http://schemas.openxmlformats.org/drawingml/2006/diagram" xmlns:a="http://schemas.openxmlformats.org/drawingml/2006/main">
+  <dgm:ptLst>
+    <dgm:pt modelId="{4DF45ADC-9F33-47F9-8C7C-C7FE0A7A78D6}" type="doc">
+      <dgm:prSet loTypeId="urn:microsoft.com/office/officeart/2005/8/layout/process5" loCatId="process" qsTypeId="urn:microsoft.com/office/officeart/2005/8/quickstyle/simple1" qsCatId="simple" csTypeId="urn:microsoft.com/office/officeart/2005/8/colors/accent1_2" csCatId="accent1" phldr="1"/>
+      <dgm:spPr/>
+      <dgm:t>
+        <a:bodyPr/>
+        <a:lstStyle/>
+        <a:p>
+          <a:endParaRPr lang="fr-FR"/>
+        </a:p>
+      </dgm:t>
+    </dgm:pt>
+    <dgm:pt modelId="{B9B3FAF0-50B3-4928-8750-A9EB5AEE47CE}">
+      <dgm:prSet phldrT="[Texte]"/>
+      <dgm:spPr/>
+      <dgm:t>
+        <a:bodyPr/>
+        <a:lstStyle/>
+        <a:p>
+          <a:r>
+            <a:rPr lang="fr-FR" dirty="0" smtClean="0"/>
+            <a:t>Ville départ</a:t>
+          </a:r>
+          <a:endParaRPr lang="fr-FR" dirty="0"/>
+        </a:p>
+      </dgm:t>
+    </dgm:pt>
+    <dgm:pt modelId="{B1867347-7E23-4191-8FF2-2117E12030FE}" type="parTrans" cxnId="{E3743DD8-8370-4E5E-93EF-3D195775256F}">
+      <dgm:prSet/>
+      <dgm:spPr/>
+      <dgm:t>
+        <a:bodyPr/>
+        <a:lstStyle/>
+        <a:p>
+          <a:endParaRPr lang="fr-FR"/>
+        </a:p>
+      </dgm:t>
+    </dgm:pt>
+    <dgm:pt modelId="{9771A65A-EB10-453A-BC55-6EFDD58C5251}" type="sibTrans" cxnId="{E3743DD8-8370-4E5E-93EF-3D195775256F}">
+      <dgm:prSet/>
+      <dgm:spPr/>
+      <dgm:t>
+        <a:bodyPr/>
+        <a:lstStyle/>
+        <a:p>
+          <a:endParaRPr lang="fr-FR"/>
+        </a:p>
+      </dgm:t>
+    </dgm:pt>
+    <dgm:pt modelId="{7CE07522-F214-4342-9471-9979998BB0AA}">
+      <dgm:prSet phldrT="[Texte]"/>
+      <dgm:spPr/>
+      <dgm:t>
+        <a:bodyPr/>
+        <a:lstStyle/>
+        <a:p>
+          <a:r>
+            <a:rPr lang="fr-FR" dirty="0" smtClean="0"/>
+            <a:t>Adresse départ</a:t>
+          </a:r>
+          <a:endParaRPr lang="fr-FR" dirty="0"/>
+        </a:p>
+      </dgm:t>
+    </dgm:pt>
+    <dgm:pt modelId="{C8FDB456-50F0-47AC-95A8-68304ED28CF5}" type="parTrans" cxnId="{2895ADB0-3F78-4E9B-8A32-7B5A9746FB78}">
+      <dgm:prSet/>
+      <dgm:spPr/>
+      <dgm:t>
+        <a:bodyPr/>
+        <a:lstStyle/>
+        <a:p>
+          <a:endParaRPr lang="fr-FR"/>
+        </a:p>
+      </dgm:t>
+    </dgm:pt>
+    <dgm:pt modelId="{E6A50530-C17E-4131-A8B6-9A96167692B8}" type="sibTrans" cxnId="{2895ADB0-3F78-4E9B-8A32-7B5A9746FB78}">
+      <dgm:prSet/>
+      <dgm:spPr/>
+      <dgm:t>
+        <a:bodyPr/>
+        <a:lstStyle/>
+        <a:p>
+          <a:endParaRPr lang="fr-FR"/>
+        </a:p>
+      </dgm:t>
+    </dgm:pt>
+    <dgm:pt modelId="{7CE64E0E-A7F5-445F-B1B1-C60C8DFCE8AC}">
+      <dgm:prSet phldrT="[Texte]"/>
+      <dgm:spPr/>
+      <dgm:t>
+        <a:bodyPr/>
+        <a:lstStyle/>
+        <a:p>
+          <a:r>
+            <a:rPr lang="fr-FR" dirty="0" smtClean="0"/>
+            <a:t>Ville arrivée</a:t>
+          </a:r>
+          <a:endParaRPr lang="fr-FR" dirty="0"/>
+        </a:p>
+      </dgm:t>
+    </dgm:pt>
+    <dgm:pt modelId="{0E52EF70-116B-4A24-9D84-A5D8F188A60D}" type="parTrans" cxnId="{352851F3-FF40-423F-9895-477122BC56BB}">
+      <dgm:prSet/>
+      <dgm:spPr/>
+      <dgm:t>
+        <a:bodyPr/>
+        <a:lstStyle/>
+        <a:p>
+          <a:endParaRPr lang="fr-FR"/>
+        </a:p>
+      </dgm:t>
+    </dgm:pt>
+    <dgm:pt modelId="{48416178-278E-4ADA-B5CE-CC215E110CFC}" type="sibTrans" cxnId="{352851F3-FF40-423F-9895-477122BC56BB}">
+      <dgm:prSet/>
+      <dgm:spPr/>
+      <dgm:t>
+        <a:bodyPr/>
+        <a:lstStyle/>
+        <a:p>
+          <a:endParaRPr lang="fr-FR"/>
+        </a:p>
+      </dgm:t>
+    </dgm:pt>
+    <dgm:pt modelId="{04B368AC-6A51-43D1-B6A2-CAC910B6E1AE}">
+      <dgm:prSet phldrT="[Texte]"/>
+      <dgm:spPr/>
+      <dgm:t>
+        <a:bodyPr/>
+        <a:lstStyle/>
+        <a:p>
+          <a:r>
+            <a:rPr lang="fr-FR" dirty="0" smtClean="0"/>
+            <a:t>Adresse arrivée</a:t>
+          </a:r>
+          <a:endParaRPr lang="fr-FR" dirty="0"/>
+        </a:p>
+      </dgm:t>
+    </dgm:pt>
+    <dgm:pt modelId="{3797FC6B-50F0-4893-A5BD-2EFDDBDBD0F5}" type="parTrans" cxnId="{2D48A979-8060-472E-A24B-87DB28B5099F}">
+      <dgm:prSet/>
+      <dgm:spPr/>
+      <dgm:t>
+        <a:bodyPr/>
+        <a:lstStyle/>
+        <a:p>
+          <a:endParaRPr lang="fr-FR"/>
+        </a:p>
+      </dgm:t>
+    </dgm:pt>
+    <dgm:pt modelId="{04CD45E7-878B-4CCB-A4DB-3A2B29E3E81A}" type="sibTrans" cxnId="{2D48A979-8060-472E-A24B-87DB28B5099F}">
+      <dgm:prSet/>
+      <dgm:spPr/>
+      <dgm:t>
+        <a:bodyPr/>
+        <a:lstStyle/>
+        <a:p>
+          <a:endParaRPr lang="fr-FR"/>
+        </a:p>
+      </dgm:t>
+    </dgm:pt>
+    <dgm:pt modelId="{62233025-EF81-4A2B-B238-79100E1E6D7F}">
+      <dgm:prSet phldrT="[Texte]"/>
+      <dgm:spPr/>
+      <dgm:t>
+        <a:bodyPr/>
+        <a:lstStyle/>
+        <a:p>
+          <a:r>
+            <a:rPr lang="fr-FR" dirty="0" smtClean="0"/>
+            <a:t>Ajout étapes (Correspondance)</a:t>
+          </a:r>
+          <a:endParaRPr lang="fr-FR" dirty="0"/>
+        </a:p>
+      </dgm:t>
+    </dgm:pt>
+    <dgm:pt modelId="{F7D60AC5-9D2E-4231-A7FC-DF221C2426EC}" type="parTrans" cxnId="{2691059F-5133-47CB-9567-6DC2BA14699A}">
+      <dgm:prSet/>
+      <dgm:spPr/>
+      <dgm:t>
+        <a:bodyPr/>
+        <a:lstStyle/>
+        <a:p>
+          <a:endParaRPr lang="fr-FR"/>
+        </a:p>
+      </dgm:t>
+    </dgm:pt>
+    <dgm:pt modelId="{2922DA3D-B50F-482F-8576-129B4DEE6C9F}" type="sibTrans" cxnId="{2691059F-5133-47CB-9567-6DC2BA14699A}">
+      <dgm:prSet/>
+      <dgm:spPr/>
+      <dgm:t>
+        <a:bodyPr/>
+        <a:lstStyle/>
+        <a:p>
+          <a:endParaRPr lang="fr-FR"/>
+        </a:p>
+      </dgm:t>
+    </dgm:pt>
+    <dgm:pt modelId="{E17EC514-29C8-4BC2-B1DD-9788DE762B99}">
+      <dgm:prSet phldrT="[Texte]"/>
+      <dgm:spPr/>
+      <dgm:t>
+        <a:bodyPr/>
+        <a:lstStyle/>
+        <a:p>
+          <a:r>
+            <a:rPr lang="fr-FR" dirty="0" smtClean="0"/>
+            <a:t>Proposition meilleur endroit</a:t>
+          </a:r>
+          <a:endParaRPr lang="fr-FR" dirty="0"/>
+        </a:p>
+      </dgm:t>
+    </dgm:pt>
+    <dgm:pt modelId="{AFF9B89D-8073-4142-B8D6-DD68623843E2}" type="parTrans" cxnId="{E0B00760-5FD9-467F-8B79-FDE8F5D6F86B}">
+      <dgm:prSet/>
+      <dgm:spPr/>
+      <dgm:t>
+        <a:bodyPr/>
+        <a:lstStyle/>
+        <a:p>
+          <a:endParaRPr lang="fr-FR"/>
+        </a:p>
+      </dgm:t>
+    </dgm:pt>
+    <dgm:pt modelId="{7ADEEEA7-9FDF-444B-9CE7-467A8E79B77A}" type="sibTrans" cxnId="{E0B00760-5FD9-467F-8B79-FDE8F5D6F86B}">
+      <dgm:prSet/>
+      <dgm:spPr/>
+      <dgm:t>
+        <a:bodyPr/>
+        <a:lstStyle/>
+        <a:p>
+          <a:endParaRPr lang="fr-FR"/>
+        </a:p>
+      </dgm:t>
+    </dgm:pt>
+    <dgm:pt modelId="{38288A73-B964-4536-BAB8-F89FEDBB4903}">
+      <dgm:prSet phldrT="[Texte]"/>
+      <dgm:spPr/>
+      <dgm:t>
+        <a:bodyPr/>
+        <a:lstStyle/>
+        <a:p>
+          <a:r>
+            <a:rPr lang="fr-FR" dirty="0" smtClean="0"/>
+            <a:t>Date &amp; heure départ</a:t>
+          </a:r>
+          <a:endParaRPr lang="fr-FR" dirty="0"/>
+        </a:p>
+      </dgm:t>
+    </dgm:pt>
+    <dgm:pt modelId="{272A15B4-B211-4F9B-BE33-1DA605FAE448}" type="parTrans" cxnId="{D6B53D9D-8FD5-4478-9633-482E409E31D1}">
+      <dgm:prSet/>
+      <dgm:spPr/>
+      <dgm:t>
+        <a:bodyPr/>
+        <a:lstStyle/>
+        <a:p>
+          <a:endParaRPr lang="fr-FR"/>
+        </a:p>
+      </dgm:t>
+    </dgm:pt>
+    <dgm:pt modelId="{25A6D9A4-8048-41A9-9538-0D3AB8A006DF}" type="sibTrans" cxnId="{D6B53D9D-8FD5-4478-9633-482E409E31D1}">
+      <dgm:prSet/>
+      <dgm:spPr/>
+      <dgm:t>
+        <a:bodyPr/>
+        <a:lstStyle/>
+        <a:p>
+          <a:endParaRPr lang="fr-FR"/>
+        </a:p>
+      </dgm:t>
+    </dgm:pt>
+    <dgm:pt modelId="{A2587484-E9D6-4794-B410-8E91CE49A485}">
+      <dgm:prSet phldrT="[Texte]"/>
+      <dgm:spPr/>
+      <dgm:t>
+        <a:bodyPr/>
+        <a:lstStyle/>
+        <a:p>
+          <a:r>
+            <a:rPr lang="fr-FR" dirty="0" smtClean="0"/>
+            <a:t>Nombre passagers (1 à 4)</a:t>
+          </a:r>
+          <a:endParaRPr lang="fr-FR" dirty="0"/>
+        </a:p>
+      </dgm:t>
+    </dgm:pt>
+    <dgm:pt modelId="{1E5A126D-769C-46FD-9268-611AD9AE479D}" type="parTrans" cxnId="{C86646DC-75B8-4B2E-82C1-C8E021902A75}">
+      <dgm:prSet/>
+      <dgm:spPr/>
+      <dgm:t>
+        <a:bodyPr/>
+        <a:lstStyle/>
+        <a:p>
+          <a:endParaRPr lang="fr-FR"/>
+        </a:p>
+      </dgm:t>
+    </dgm:pt>
+    <dgm:pt modelId="{33274056-AB39-48D0-B151-8CA8F74ABDD9}" type="sibTrans" cxnId="{C86646DC-75B8-4B2E-82C1-C8E021902A75}">
+      <dgm:prSet/>
+      <dgm:spPr/>
+      <dgm:t>
+        <a:bodyPr/>
+        <a:lstStyle/>
+        <a:p>
+          <a:endParaRPr lang="fr-FR"/>
+        </a:p>
+      </dgm:t>
+    </dgm:pt>
+    <dgm:pt modelId="{AF8E401C-2602-4B48-9F86-2D624B65A587}">
+      <dgm:prSet phldrT="[Texte]"/>
+      <dgm:spPr/>
+      <dgm:t>
+        <a:bodyPr/>
+        <a:lstStyle/>
+        <a:p>
+          <a:r>
+            <a:rPr lang="fr-FR" dirty="0" smtClean="0"/>
+            <a:t>Réservation automatique ou avec confirmation</a:t>
+          </a:r>
+          <a:endParaRPr lang="fr-FR" dirty="0"/>
+        </a:p>
+      </dgm:t>
+    </dgm:pt>
+    <dgm:pt modelId="{B70DAF12-194D-419D-ACB7-DB6BAC0F248B}" type="parTrans" cxnId="{533AF85D-3AEA-4130-A0A0-A2F57E3BEEA3}">
+      <dgm:prSet/>
+      <dgm:spPr/>
+      <dgm:t>
+        <a:bodyPr/>
+        <a:lstStyle/>
+        <a:p>
+          <a:endParaRPr lang="fr-FR"/>
+        </a:p>
+      </dgm:t>
+    </dgm:pt>
+    <dgm:pt modelId="{AE6E62C0-93B9-47B1-94D7-BE80051F1C5E}" type="sibTrans" cxnId="{533AF85D-3AEA-4130-A0A0-A2F57E3BEEA3}">
+      <dgm:prSet/>
+      <dgm:spPr/>
+      <dgm:t>
+        <a:bodyPr/>
+        <a:lstStyle/>
+        <a:p>
+          <a:endParaRPr lang="fr-FR"/>
+        </a:p>
+      </dgm:t>
+    </dgm:pt>
+    <dgm:pt modelId="{E8A7D225-8098-41A8-BF3D-87CC8EA3134C}">
+      <dgm:prSet phldrT="[Texte]"/>
+      <dgm:spPr/>
+      <dgm:t>
+        <a:bodyPr/>
+        <a:lstStyle/>
+        <a:p>
+          <a:r>
+            <a:rPr lang="fr-FR" dirty="0" smtClean="0"/>
+            <a:t>Recommandation prix (+/-)</a:t>
+          </a:r>
+          <a:endParaRPr lang="fr-FR" dirty="0"/>
+        </a:p>
+      </dgm:t>
+    </dgm:pt>
+    <dgm:pt modelId="{202CD0C0-79DB-4E6B-BEB5-13AA6010C0A2}" type="parTrans" cxnId="{6555D3F2-060F-4F82-9773-6891CAAB169C}">
+      <dgm:prSet/>
+      <dgm:spPr/>
+      <dgm:t>
+        <a:bodyPr/>
+        <a:lstStyle/>
+        <a:p>
+          <a:endParaRPr lang="fr-FR"/>
+        </a:p>
+      </dgm:t>
+    </dgm:pt>
+    <dgm:pt modelId="{72FEBD8F-0A83-496E-B0E9-4DE95DA4E4E1}" type="sibTrans" cxnId="{6555D3F2-060F-4F82-9773-6891CAAB169C}">
+      <dgm:prSet/>
+      <dgm:spPr/>
+      <dgm:t>
+        <a:bodyPr/>
+        <a:lstStyle/>
+        <a:p>
+          <a:endParaRPr lang="fr-FR"/>
+        </a:p>
+      </dgm:t>
+    </dgm:pt>
+    <dgm:pt modelId="{347DD142-16D3-40E1-A5B5-16FDD25B0EA8}">
+      <dgm:prSet phldrT="[Texte]"/>
+      <dgm:spPr/>
+      <dgm:t>
+        <a:bodyPr/>
+        <a:lstStyle/>
+        <a:p>
+          <a:r>
+            <a:rPr lang="fr-FR" dirty="0" smtClean="0"/>
+            <a:t>Trajet retour ?</a:t>
+          </a:r>
+          <a:endParaRPr lang="fr-FR" dirty="0"/>
+        </a:p>
+      </dgm:t>
+    </dgm:pt>
+    <dgm:pt modelId="{7E4D8F3C-C47F-4854-9B6B-DD64EFAA1AC6}" type="parTrans" cxnId="{E0B5C39F-B4FF-473A-9D04-B18DE88A1A35}">
+      <dgm:prSet/>
+      <dgm:spPr/>
+      <dgm:t>
+        <a:bodyPr/>
+        <a:lstStyle/>
+        <a:p>
+          <a:endParaRPr lang="fr-FR"/>
+        </a:p>
+      </dgm:t>
+    </dgm:pt>
+    <dgm:pt modelId="{8059150E-2DC4-4E4D-819A-428A03DB2213}" type="sibTrans" cxnId="{E0B5C39F-B4FF-473A-9D04-B18DE88A1A35}">
+      <dgm:prSet/>
+      <dgm:spPr/>
+      <dgm:t>
+        <a:bodyPr/>
+        <a:lstStyle/>
+        <a:p>
+          <a:endParaRPr lang="fr-FR"/>
+        </a:p>
+      </dgm:t>
+    </dgm:pt>
+    <dgm:pt modelId="{C4E67BB3-1FB9-4DC4-AB99-D1BBAB200F05}">
+      <dgm:prSet phldrT="[Texte]"/>
+      <dgm:spPr/>
+      <dgm:t>
+        <a:bodyPr/>
+        <a:lstStyle/>
+        <a:p>
+          <a:r>
+            <a:rPr lang="fr-FR" dirty="0" smtClean="0"/>
+            <a:t>Proposition assurance</a:t>
+          </a:r>
+          <a:endParaRPr lang="fr-FR" dirty="0"/>
+        </a:p>
+      </dgm:t>
+    </dgm:pt>
+    <dgm:pt modelId="{2E30B37E-537C-48AA-AD17-48B295901687}" type="parTrans" cxnId="{26225EF4-7BF6-4DD3-8565-D08EA391E562}">
+      <dgm:prSet/>
+      <dgm:spPr/>
+      <dgm:t>
+        <a:bodyPr/>
+        <a:lstStyle/>
+        <a:p>
+          <a:endParaRPr lang="fr-FR"/>
+        </a:p>
+      </dgm:t>
+    </dgm:pt>
+    <dgm:pt modelId="{87C25A92-DBC6-40C1-A544-FAB08A764A32}" type="sibTrans" cxnId="{26225EF4-7BF6-4DD3-8565-D08EA391E562}">
+      <dgm:prSet/>
+      <dgm:spPr/>
+      <dgm:t>
+        <a:bodyPr/>
+        <a:lstStyle/>
+        <a:p>
+          <a:endParaRPr lang="fr-FR"/>
+        </a:p>
+      </dgm:t>
+    </dgm:pt>
+    <dgm:pt modelId="{56DBBA82-F9F6-4AEB-9AC2-035D038F8819}">
+      <dgm:prSet phldrT="[Texte]"/>
+      <dgm:spPr/>
+      <dgm:t>
+        <a:bodyPr/>
+        <a:lstStyle/>
+        <a:p>
+          <a:r>
+            <a:rPr lang="fr-FR" dirty="0" smtClean="0"/>
+            <a:t>Message conducteur</a:t>
+          </a:r>
+          <a:endParaRPr lang="fr-FR" dirty="0"/>
+        </a:p>
+      </dgm:t>
+    </dgm:pt>
+    <dgm:pt modelId="{413305EE-C331-4A34-B83D-FA7BCDBB1A6B}" type="parTrans" cxnId="{BABE4140-AFCD-4607-B174-C92A520ECA48}">
+      <dgm:prSet/>
+      <dgm:spPr/>
+      <dgm:t>
+        <a:bodyPr/>
+        <a:lstStyle/>
+        <a:p>
+          <a:endParaRPr lang="fr-FR"/>
+        </a:p>
+      </dgm:t>
+    </dgm:pt>
+    <dgm:pt modelId="{7DABDA19-E2BC-4D10-A2C3-767D4080F136}" type="sibTrans" cxnId="{BABE4140-AFCD-4607-B174-C92A520ECA48}">
+      <dgm:prSet/>
+      <dgm:spPr/>
+      <dgm:t>
+        <a:bodyPr/>
+        <a:lstStyle/>
+        <a:p>
+          <a:endParaRPr lang="fr-FR"/>
+        </a:p>
+      </dgm:t>
+    </dgm:pt>
+    <dgm:pt modelId="{6C34BAD3-10EB-4E3A-B08C-6C4A3C66BBBE}" type="pres">
+      <dgm:prSet presAssocID="{4DF45ADC-9F33-47F9-8C7C-C7FE0A7A78D6}" presName="diagram" presStyleCnt="0">
+        <dgm:presLayoutVars>
+          <dgm:dir/>
+          <dgm:resizeHandles val="exact"/>
+        </dgm:presLayoutVars>
+      </dgm:prSet>
+      <dgm:spPr/>
+    </dgm:pt>
+    <dgm:pt modelId="{FAA7F7C8-5C1B-4781-8003-0D5FCB46600B}" type="pres">
+      <dgm:prSet presAssocID="{B9B3FAF0-50B3-4928-8750-A9EB5AEE47CE}" presName="node" presStyleLbl="node1" presStyleIdx="0" presStyleCnt="13">
+        <dgm:presLayoutVars>
+          <dgm:bulletEnabled val="1"/>
+        </dgm:presLayoutVars>
+      </dgm:prSet>
+      <dgm:spPr/>
+    </dgm:pt>
+    <dgm:pt modelId="{F290DCA8-4C96-495D-A16F-807178EF9D88}" type="pres">
+      <dgm:prSet presAssocID="{9771A65A-EB10-453A-BC55-6EFDD58C5251}" presName="sibTrans" presStyleLbl="sibTrans2D1" presStyleIdx="0" presStyleCnt="12"/>
+      <dgm:spPr/>
+    </dgm:pt>
+    <dgm:pt modelId="{3113E322-59DD-4C49-9231-B60F01DAF49D}" type="pres">
+      <dgm:prSet presAssocID="{9771A65A-EB10-453A-BC55-6EFDD58C5251}" presName="connectorText" presStyleLbl="sibTrans2D1" presStyleIdx="0" presStyleCnt="12"/>
+      <dgm:spPr/>
+    </dgm:pt>
+    <dgm:pt modelId="{652A5B30-BBDF-4E69-B1E5-68BB540438A5}" type="pres">
+      <dgm:prSet presAssocID="{7CE07522-F214-4342-9471-9979998BB0AA}" presName="node" presStyleLbl="node1" presStyleIdx="1" presStyleCnt="13">
+        <dgm:presLayoutVars>
+          <dgm:bulletEnabled val="1"/>
+        </dgm:presLayoutVars>
+      </dgm:prSet>
+      <dgm:spPr/>
+    </dgm:pt>
+    <dgm:pt modelId="{2DAE175B-08EB-433D-8F0F-DA0B2066372F}" type="pres">
+      <dgm:prSet presAssocID="{E6A50530-C17E-4131-A8B6-9A96167692B8}" presName="sibTrans" presStyleLbl="sibTrans2D1" presStyleIdx="1" presStyleCnt="12"/>
+      <dgm:spPr/>
+    </dgm:pt>
+    <dgm:pt modelId="{147DF701-7C71-45E8-9510-B700975209EB}" type="pres">
+      <dgm:prSet presAssocID="{E6A50530-C17E-4131-A8B6-9A96167692B8}" presName="connectorText" presStyleLbl="sibTrans2D1" presStyleIdx="1" presStyleCnt="12"/>
+      <dgm:spPr/>
+    </dgm:pt>
+    <dgm:pt modelId="{8B029983-BBA8-4956-A4AC-3AA290006FAC}" type="pres">
+      <dgm:prSet presAssocID="{7CE64E0E-A7F5-445F-B1B1-C60C8DFCE8AC}" presName="node" presStyleLbl="node1" presStyleIdx="2" presStyleCnt="13">
+        <dgm:presLayoutVars>
+          <dgm:bulletEnabled val="1"/>
+        </dgm:presLayoutVars>
+      </dgm:prSet>
+      <dgm:spPr/>
+    </dgm:pt>
+    <dgm:pt modelId="{1715A48F-4D9B-4FBA-9EF2-60E9644AAE20}" type="pres">
+      <dgm:prSet presAssocID="{48416178-278E-4ADA-B5CE-CC215E110CFC}" presName="sibTrans" presStyleLbl="sibTrans2D1" presStyleIdx="2" presStyleCnt="12"/>
+      <dgm:spPr/>
+    </dgm:pt>
+    <dgm:pt modelId="{323FB184-743B-44D0-B8E1-1EB260B0E872}" type="pres">
+      <dgm:prSet presAssocID="{48416178-278E-4ADA-B5CE-CC215E110CFC}" presName="connectorText" presStyleLbl="sibTrans2D1" presStyleIdx="2" presStyleCnt="12"/>
+      <dgm:spPr/>
+    </dgm:pt>
+    <dgm:pt modelId="{F5CD9A80-017C-4404-B373-1A2D9D9E55BF}" type="pres">
+      <dgm:prSet presAssocID="{04B368AC-6A51-43D1-B6A2-CAC910B6E1AE}" presName="node" presStyleLbl="node1" presStyleIdx="3" presStyleCnt="13">
+        <dgm:presLayoutVars>
+          <dgm:bulletEnabled val="1"/>
+        </dgm:presLayoutVars>
+      </dgm:prSet>
+      <dgm:spPr/>
+    </dgm:pt>
+    <dgm:pt modelId="{F2C9B886-D49F-49FC-AEB3-64FD09F51CCB}" type="pres">
+      <dgm:prSet presAssocID="{04CD45E7-878B-4CCB-A4DB-3A2B29E3E81A}" presName="sibTrans" presStyleLbl="sibTrans2D1" presStyleIdx="3" presStyleCnt="12"/>
+      <dgm:spPr/>
+    </dgm:pt>
+    <dgm:pt modelId="{5CE22588-6E64-4A76-A4E4-048C1045856A}" type="pres">
+      <dgm:prSet presAssocID="{04CD45E7-878B-4CCB-A4DB-3A2B29E3E81A}" presName="connectorText" presStyleLbl="sibTrans2D1" presStyleIdx="3" presStyleCnt="12"/>
+      <dgm:spPr/>
+    </dgm:pt>
+    <dgm:pt modelId="{6D6F384D-7341-48DE-9B35-E8850919D0F6}" type="pres">
+      <dgm:prSet presAssocID="{62233025-EF81-4A2B-B238-79100E1E6D7F}" presName="node" presStyleLbl="node1" presStyleIdx="4" presStyleCnt="13">
+        <dgm:presLayoutVars>
+          <dgm:bulletEnabled val="1"/>
+        </dgm:presLayoutVars>
+      </dgm:prSet>
+      <dgm:spPr/>
+      <dgm:t>
+        <a:bodyPr/>
+        <a:lstStyle/>
+        <a:p>
+          <a:endParaRPr lang="fr-FR"/>
+        </a:p>
+      </dgm:t>
+    </dgm:pt>
+    <dgm:pt modelId="{359440D3-A699-4A69-81B7-4C3394CBAD1F}" type="pres">
+      <dgm:prSet presAssocID="{2922DA3D-B50F-482F-8576-129B4DEE6C9F}" presName="sibTrans" presStyleLbl="sibTrans2D1" presStyleIdx="4" presStyleCnt="12"/>
+      <dgm:spPr/>
+    </dgm:pt>
+    <dgm:pt modelId="{DCC1D03D-B587-4057-B27A-A4801DF05975}" type="pres">
+      <dgm:prSet presAssocID="{2922DA3D-B50F-482F-8576-129B4DEE6C9F}" presName="connectorText" presStyleLbl="sibTrans2D1" presStyleIdx="4" presStyleCnt="12"/>
+      <dgm:spPr/>
+    </dgm:pt>
+    <dgm:pt modelId="{C6ABDF08-E778-40C7-9587-0A5DAF731020}" type="pres">
+      <dgm:prSet presAssocID="{E17EC514-29C8-4BC2-B1DD-9788DE762B99}" presName="node" presStyleLbl="node1" presStyleIdx="5" presStyleCnt="13">
+        <dgm:presLayoutVars>
+          <dgm:bulletEnabled val="1"/>
+        </dgm:presLayoutVars>
+      </dgm:prSet>
+      <dgm:spPr/>
+      <dgm:t>
+        <a:bodyPr/>
+        <a:lstStyle/>
+        <a:p>
+          <a:endParaRPr lang="fr-FR"/>
+        </a:p>
+      </dgm:t>
+    </dgm:pt>
+    <dgm:pt modelId="{BBA89D2C-88A4-4720-AA12-00595D696F8C}" type="pres">
+      <dgm:prSet presAssocID="{7ADEEEA7-9FDF-444B-9CE7-467A8E79B77A}" presName="sibTrans" presStyleLbl="sibTrans2D1" presStyleIdx="5" presStyleCnt="12"/>
+      <dgm:spPr/>
+    </dgm:pt>
+    <dgm:pt modelId="{DAAC436B-4FC5-45D6-9F2C-5D2B209A7F81}" type="pres">
+      <dgm:prSet presAssocID="{7ADEEEA7-9FDF-444B-9CE7-467A8E79B77A}" presName="connectorText" presStyleLbl="sibTrans2D1" presStyleIdx="5" presStyleCnt="12"/>
+      <dgm:spPr/>
+    </dgm:pt>
+    <dgm:pt modelId="{B4CCAFC4-7DCB-4145-B547-E02DC86CA89A}" type="pres">
+      <dgm:prSet presAssocID="{38288A73-B964-4536-BAB8-F89FEDBB4903}" presName="node" presStyleLbl="node1" presStyleIdx="6" presStyleCnt="13">
+        <dgm:presLayoutVars>
+          <dgm:bulletEnabled val="1"/>
+        </dgm:presLayoutVars>
+      </dgm:prSet>
+      <dgm:spPr/>
+    </dgm:pt>
+    <dgm:pt modelId="{59448DA7-0340-4538-B7DE-D13C7D1A1802}" type="pres">
+      <dgm:prSet presAssocID="{25A6D9A4-8048-41A9-9538-0D3AB8A006DF}" presName="sibTrans" presStyleLbl="sibTrans2D1" presStyleIdx="6" presStyleCnt="12"/>
+      <dgm:spPr/>
+    </dgm:pt>
+    <dgm:pt modelId="{3E2F4D3A-CEE6-43E6-8007-3572BA99B940}" type="pres">
+      <dgm:prSet presAssocID="{25A6D9A4-8048-41A9-9538-0D3AB8A006DF}" presName="connectorText" presStyleLbl="sibTrans2D1" presStyleIdx="6" presStyleCnt="12"/>
+      <dgm:spPr/>
+    </dgm:pt>
+    <dgm:pt modelId="{FF3AD0EB-F2F2-4626-A5A5-1CBB004D5EE6}" type="pres">
+      <dgm:prSet presAssocID="{A2587484-E9D6-4794-B410-8E91CE49A485}" presName="node" presStyleLbl="node1" presStyleIdx="7" presStyleCnt="13">
+        <dgm:presLayoutVars>
+          <dgm:bulletEnabled val="1"/>
+        </dgm:presLayoutVars>
+      </dgm:prSet>
+      <dgm:spPr/>
+      <dgm:t>
+        <a:bodyPr/>
+        <a:lstStyle/>
+        <a:p>
+          <a:endParaRPr lang="fr-FR"/>
+        </a:p>
+      </dgm:t>
+    </dgm:pt>
+    <dgm:pt modelId="{F919AA09-CEB8-4003-81C4-5DE1D1BEAADD}" type="pres">
+      <dgm:prSet presAssocID="{33274056-AB39-48D0-B151-8CA8F74ABDD9}" presName="sibTrans" presStyleLbl="sibTrans2D1" presStyleIdx="7" presStyleCnt="12"/>
+      <dgm:spPr/>
+    </dgm:pt>
+    <dgm:pt modelId="{AFC1A31D-751B-4B58-A222-D03D88EB8CA4}" type="pres">
+      <dgm:prSet presAssocID="{33274056-AB39-48D0-B151-8CA8F74ABDD9}" presName="connectorText" presStyleLbl="sibTrans2D1" presStyleIdx="7" presStyleCnt="12"/>
+      <dgm:spPr/>
+    </dgm:pt>
+    <dgm:pt modelId="{9DD3FCCC-C5A7-4CCC-B606-494E5494D0EF}" type="pres">
+      <dgm:prSet presAssocID="{AF8E401C-2602-4B48-9F86-2D624B65A587}" presName="node" presStyleLbl="node1" presStyleIdx="8" presStyleCnt="13">
+        <dgm:presLayoutVars>
+          <dgm:bulletEnabled val="1"/>
+        </dgm:presLayoutVars>
+      </dgm:prSet>
+      <dgm:spPr/>
+      <dgm:t>
+        <a:bodyPr/>
+        <a:lstStyle/>
+        <a:p>
+          <a:endParaRPr lang="fr-FR"/>
+        </a:p>
+      </dgm:t>
+    </dgm:pt>
+    <dgm:pt modelId="{03889614-C7A1-4B03-82FF-851859E19CAF}" type="pres">
+      <dgm:prSet presAssocID="{AE6E62C0-93B9-47B1-94D7-BE80051F1C5E}" presName="sibTrans" presStyleLbl="sibTrans2D1" presStyleIdx="8" presStyleCnt="12"/>
+      <dgm:spPr/>
+    </dgm:pt>
+    <dgm:pt modelId="{D04E1C35-8676-46B3-B57E-56B5A97FD72B}" type="pres">
+      <dgm:prSet presAssocID="{AE6E62C0-93B9-47B1-94D7-BE80051F1C5E}" presName="connectorText" presStyleLbl="sibTrans2D1" presStyleIdx="8" presStyleCnt="12"/>
+      <dgm:spPr/>
+    </dgm:pt>
+    <dgm:pt modelId="{48BECE7F-788B-4C75-BA46-106ECE96F0CE}" type="pres">
+      <dgm:prSet presAssocID="{E8A7D225-8098-41A8-BF3D-87CC8EA3134C}" presName="node" presStyleLbl="node1" presStyleIdx="9" presStyleCnt="13">
+        <dgm:presLayoutVars>
+          <dgm:bulletEnabled val="1"/>
+        </dgm:presLayoutVars>
+      </dgm:prSet>
+      <dgm:spPr/>
+    </dgm:pt>
+    <dgm:pt modelId="{6217E127-F263-4AB8-92F7-E09EDD0322A9}" type="pres">
+      <dgm:prSet presAssocID="{72FEBD8F-0A83-496E-B0E9-4DE95DA4E4E1}" presName="sibTrans" presStyleLbl="sibTrans2D1" presStyleIdx="9" presStyleCnt="12"/>
+      <dgm:spPr/>
+    </dgm:pt>
+    <dgm:pt modelId="{57AA0C0E-C0E2-4745-BAC0-05ECABF1E649}" type="pres">
+      <dgm:prSet presAssocID="{72FEBD8F-0A83-496E-B0E9-4DE95DA4E4E1}" presName="connectorText" presStyleLbl="sibTrans2D1" presStyleIdx="9" presStyleCnt="12"/>
+      <dgm:spPr/>
+    </dgm:pt>
+    <dgm:pt modelId="{C38D81B7-06FB-486B-A336-9CBC640821E8}" type="pres">
+      <dgm:prSet presAssocID="{347DD142-16D3-40E1-A5B5-16FDD25B0EA8}" presName="node" presStyleLbl="node1" presStyleIdx="10" presStyleCnt="13">
+        <dgm:presLayoutVars>
+          <dgm:bulletEnabled val="1"/>
+        </dgm:presLayoutVars>
+      </dgm:prSet>
+      <dgm:spPr/>
+      <dgm:t>
+        <a:bodyPr/>
+        <a:lstStyle/>
+        <a:p>
+          <a:endParaRPr lang="fr-FR"/>
+        </a:p>
+      </dgm:t>
+    </dgm:pt>
+    <dgm:pt modelId="{ADC7F966-B884-4BAD-88CD-FD7834EBADBD}" type="pres">
+      <dgm:prSet presAssocID="{8059150E-2DC4-4E4D-819A-428A03DB2213}" presName="sibTrans" presStyleLbl="sibTrans2D1" presStyleIdx="10" presStyleCnt="12"/>
+      <dgm:spPr/>
+    </dgm:pt>
+    <dgm:pt modelId="{650A456C-B483-42B9-826C-5CE44F2AA5B2}" type="pres">
+      <dgm:prSet presAssocID="{8059150E-2DC4-4E4D-819A-428A03DB2213}" presName="connectorText" presStyleLbl="sibTrans2D1" presStyleIdx="10" presStyleCnt="12"/>
+      <dgm:spPr/>
+    </dgm:pt>
+    <dgm:pt modelId="{03BF4627-490D-43F0-8758-F239292C9CF9}" type="pres">
+      <dgm:prSet presAssocID="{C4E67BB3-1FB9-4DC4-AB99-D1BBAB200F05}" presName="node" presStyleLbl="node1" presStyleIdx="11" presStyleCnt="13">
+        <dgm:presLayoutVars>
+          <dgm:bulletEnabled val="1"/>
+        </dgm:presLayoutVars>
+      </dgm:prSet>
+      <dgm:spPr/>
+    </dgm:pt>
+    <dgm:pt modelId="{6FDC4853-6F8A-4AE4-9C89-AE1A8B8EB19F}" type="pres">
+      <dgm:prSet presAssocID="{87C25A92-DBC6-40C1-A544-FAB08A764A32}" presName="sibTrans" presStyleLbl="sibTrans2D1" presStyleIdx="11" presStyleCnt="12"/>
+      <dgm:spPr/>
+    </dgm:pt>
+    <dgm:pt modelId="{6E2CC5EF-6D69-464E-AB04-BFD07A5B7507}" type="pres">
+      <dgm:prSet presAssocID="{87C25A92-DBC6-40C1-A544-FAB08A764A32}" presName="connectorText" presStyleLbl="sibTrans2D1" presStyleIdx="11" presStyleCnt="12"/>
+      <dgm:spPr/>
+    </dgm:pt>
+    <dgm:pt modelId="{2A1CCF0C-5003-42FC-9BCD-4ECD722E8E2A}" type="pres">
+      <dgm:prSet presAssocID="{56DBBA82-F9F6-4AEB-9AC2-035D038F8819}" presName="node" presStyleLbl="node1" presStyleIdx="12" presStyleCnt="13">
+        <dgm:presLayoutVars>
+          <dgm:bulletEnabled val="1"/>
+        </dgm:presLayoutVars>
+      </dgm:prSet>
+      <dgm:spPr/>
+    </dgm:pt>
+  </dgm:ptLst>
+  <dgm:cxnLst>
+    <dgm:cxn modelId="{4E13AC14-927F-4061-BC46-749A37BD00C9}" type="presOf" srcId="{9771A65A-EB10-453A-BC55-6EFDD58C5251}" destId="{3113E322-59DD-4C49-9231-B60F01DAF49D}" srcOrd="1" destOrd="0" presId="urn:microsoft.com/office/officeart/2005/8/layout/process5"/>
+    <dgm:cxn modelId="{6B9D2014-2DDC-40E9-905D-1FDCBA9EC2F5}" type="presOf" srcId="{347DD142-16D3-40E1-A5B5-16FDD25B0EA8}" destId="{C38D81B7-06FB-486B-A336-9CBC640821E8}" srcOrd="0" destOrd="0" presId="urn:microsoft.com/office/officeart/2005/8/layout/process5"/>
+    <dgm:cxn modelId="{038FD120-078A-47CB-9E54-F575C9549F00}" type="presOf" srcId="{2922DA3D-B50F-482F-8576-129B4DEE6C9F}" destId="{359440D3-A699-4A69-81B7-4C3394CBAD1F}" srcOrd="0" destOrd="0" presId="urn:microsoft.com/office/officeart/2005/8/layout/process5"/>
+    <dgm:cxn modelId="{E0B5C39F-B4FF-473A-9D04-B18DE88A1A35}" srcId="{4DF45ADC-9F33-47F9-8C7C-C7FE0A7A78D6}" destId="{347DD142-16D3-40E1-A5B5-16FDD25B0EA8}" srcOrd="10" destOrd="0" parTransId="{7E4D8F3C-C47F-4854-9B6B-DD64EFAA1AC6}" sibTransId="{8059150E-2DC4-4E4D-819A-428A03DB2213}"/>
+    <dgm:cxn modelId="{7D637BF8-52DC-40A0-920E-52CA73239FAE}" type="presOf" srcId="{E8A7D225-8098-41A8-BF3D-87CC8EA3134C}" destId="{48BECE7F-788B-4C75-BA46-106ECE96F0CE}" srcOrd="0" destOrd="0" presId="urn:microsoft.com/office/officeart/2005/8/layout/process5"/>
+    <dgm:cxn modelId="{A84513DD-041E-4630-B5EE-C7B90730B590}" type="presOf" srcId="{E6A50530-C17E-4131-A8B6-9A96167692B8}" destId="{2DAE175B-08EB-433D-8F0F-DA0B2066372F}" srcOrd="0" destOrd="0" presId="urn:microsoft.com/office/officeart/2005/8/layout/process5"/>
+    <dgm:cxn modelId="{FEF28E91-8E85-4903-A8E0-E8778618B67C}" type="presOf" srcId="{7CE64E0E-A7F5-445F-B1B1-C60C8DFCE8AC}" destId="{8B029983-BBA8-4956-A4AC-3AA290006FAC}" srcOrd="0" destOrd="0" presId="urn:microsoft.com/office/officeart/2005/8/layout/process5"/>
+    <dgm:cxn modelId="{AC47575D-0FFB-4AA2-9AEC-C4D1FBACA1DB}" type="presOf" srcId="{2922DA3D-B50F-482F-8576-129B4DEE6C9F}" destId="{DCC1D03D-B587-4057-B27A-A4801DF05975}" srcOrd="1" destOrd="0" presId="urn:microsoft.com/office/officeart/2005/8/layout/process5"/>
+    <dgm:cxn modelId="{E0B00760-5FD9-467F-8B79-FDE8F5D6F86B}" srcId="{4DF45ADC-9F33-47F9-8C7C-C7FE0A7A78D6}" destId="{E17EC514-29C8-4BC2-B1DD-9788DE762B99}" srcOrd="5" destOrd="0" parTransId="{AFF9B89D-8073-4142-B8D6-DD68623843E2}" sibTransId="{7ADEEEA7-9FDF-444B-9CE7-467A8E79B77A}"/>
+    <dgm:cxn modelId="{352851F3-FF40-423F-9895-477122BC56BB}" srcId="{4DF45ADC-9F33-47F9-8C7C-C7FE0A7A78D6}" destId="{7CE64E0E-A7F5-445F-B1B1-C60C8DFCE8AC}" srcOrd="2" destOrd="0" parTransId="{0E52EF70-116B-4A24-9D84-A5D8F188A60D}" sibTransId="{48416178-278E-4ADA-B5CE-CC215E110CFC}"/>
+    <dgm:cxn modelId="{393F2765-4D56-4922-B4F3-63AB57ECDD5D}" type="presOf" srcId="{48416178-278E-4ADA-B5CE-CC215E110CFC}" destId="{323FB184-743B-44D0-B8E1-1EB260B0E872}" srcOrd="1" destOrd="0" presId="urn:microsoft.com/office/officeart/2005/8/layout/process5"/>
+    <dgm:cxn modelId="{26225EF4-7BF6-4DD3-8565-D08EA391E562}" srcId="{4DF45ADC-9F33-47F9-8C7C-C7FE0A7A78D6}" destId="{C4E67BB3-1FB9-4DC4-AB99-D1BBAB200F05}" srcOrd="11" destOrd="0" parTransId="{2E30B37E-537C-48AA-AD17-48B295901687}" sibTransId="{87C25A92-DBC6-40C1-A544-FAB08A764A32}"/>
+    <dgm:cxn modelId="{7C1F29EB-BFBA-4732-BCE1-A74CD2E27034}" type="presOf" srcId="{38288A73-B964-4536-BAB8-F89FEDBB4903}" destId="{B4CCAFC4-7DCB-4145-B547-E02DC86CA89A}" srcOrd="0" destOrd="0" presId="urn:microsoft.com/office/officeart/2005/8/layout/process5"/>
+    <dgm:cxn modelId="{C86646DC-75B8-4B2E-82C1-C8E021902A75}" srcId="{4DF45ADC-9F33-47F9-8C7C-C7FE0A7A78D6}" destId="{A2587484-E9D6-4794-B410-8E91CE49A485}" srcOrd="7" destOrd="0" parTransId="{1E5A126D-769C-46FD-9268-611AD9AE479D}" sibTransId="{33274056-AB39-48D0-B151-8CA8F74ABDD9}"/>
+    <dgm:cxn modelId="{1B93A99E-74A3-49C6-81BA-5762F6CE7823}" type="presOf" srcId="{25A6D9A4-8048-41A9-9538-0D3AB8A006DF}" destId="{3E2F4D3A-CEE6-43E6-8007-3572BA99B940}" srcOrd="1" destOrd="0" presId="urn:microsoft.com/office/officeart/2005/8/layout/process5"/>
+    <dgm:cxn modelId="{B0150558-4FD2-4079-AC87-4CB432B0DE5F}" type="presOf" srcId="{04CD45E7-878B-4CCB-A4DB-3A2B29E3E81A}" destId="{F2C9B886-D49F-49FC-AEB3-64FD09F51CCB}" srcOrd="0" destOrd="0" presId="urn:microsoft.com/office/officeart/2005/8/layout/process5"/>
+    <dgm:cxn modelId="{EE8E038D-9FD7-4099-ADE7-4308EB8681E6}" type="presOf" srcId="{7ADEEEA7-9FDF-444B-9CE7-467A8E79B77A}" destId="{BBA89D2C-88A4-4720-AA12-00595D696F8C}" srcOrd="0" destOrd="0" presId="urn:microsoft.com/office/officeart/2005/8/layout/process5"/>
+    <dgm:cxn modelId="{D6B53D9D-8FD5-4478-9633-482E409E31D1}" srcId="{4DF45ADC-9F33-47F9-8C7C-C7FE0A7A78D6}" destId="{38288A73-B964-4536-BAB8-F89FEDBB4903}" srcOrd="6" destOrd="0" parTransId="{272A15B4-B211-4F9B-BE33-1DA605FAE448}" sibTransId="{25A6D9A4-8048-41A9-9538-0D3AB8A006DF}"/>
+    <dgm:cxn modelId="{F39CDF0B-8047-4282-B287-AB2B3CB75BA5}" type="presOf" srcId="{04B368AC-6A51-43D1-B6A2-CAC910B6E1AE}" destId="{F5CD9A80-017C-4404-B373-1A2D9D9E55BF}" srcOrd="0" destOrd="0" presId="urn:microsoft.com/office/officeart/2005/8/layout/process5"/>
+    <dgm:cxn modelId="{2895ADB0-3F78-4E9B-8A32-7B5A9746FB78}" srcId="{4DF45ADC-9F33-47F9-8C7C-C7FE0A7A78D6}" destId="{7CE07522-F214-4342-9471-9979998BB0AA}" srcOrd="1" destOrd="0" parTransId="{C8FDB456-50F0-47AC-95A8-68304ED28CF5}" sibTransId="{E6A50530-C17E-4131-A8B6-9A96167692B8}"/>
+    <dgm:cxn modelId="{46BF6728-774B-490F-B9B5-996A82144C43}" type="presOf" srcId="{7ADEEEA7-9FDF-444B-9CE7-467A8E79B77A}" destId="{DAAC436B-4FC5-45D6-9F2C-5D2B209A7F81}" srcOrd="1" destOrd="0" presId="urn:microsoft.com/office/officeart/2005/8/layout/process5"/>
+    <dgm:cxn modelId="{4F38BDA4-7F7F-4F6C-8E3B-AD69B7B6982B}" type="presOf" srcId="{AE6E62C0-93B9-47B1-94D7-BE80051F1C5E}" destId="{03889614-C7A1-4B03-82FF-851859E19CAF}" srcOrd="0" destOrd="0" presId="urn:microsoft.com/office/officeart/2005/8/layout/process5"/>
+    <dgm:cxn modelId="{FB36D37B-9460-43D6-95D5-8D6FCFF7EE94}" type="presOf" srcId="{33274056-AB39-48D0-B151-8CA8F74ABDD9}" destId="{F919AA09-CEB8-4003-81C4-5DE1D1BEAADD}" srcOrd="0" destOrd="0" presId="urn:microsoft.com/office/officeart/2005/8/layout/process5"/>
+    <dgm:cxn modelId="{1D913C34-F0CF-4FBA-888F-E15FAA3CF3C3}" type="presOf" srcId="{33274056-AB39-48D0-B151-8CA8F74ABDD9}" destId="{AFC1A31D-751B-4B58-A222-D03D88EB8CA4}" srcOrd="1" destOrd="0" presId="urn:microsoft.com/office/officeart/2005/8/layout/process5"/>
+    <dgm:cxn modelId="{A4201156-EBD7-4A57-B082-4A6CA9DE44F6}" type="presOf" srcId="{E17EC514-29C8-4BC2-B1DD-9788DE762B99}" destId="{C6ABDF08-E778-40C7-9587-0A5DAF731020}" srcOrd="0" destOrd="0" presId="urn:microsoft.com/office/officeart/2005/8/layout/process5"/>
+    <dgm:cxn modelId="{ACD8B9E7-AC34-4461-AAE0-146DDABDCD0A}" type="presOf" srcId="{8059150E-2DC4-4E4D-819A-428A03DB2213}" destId="{650A456C-B483-42B9-826C-5CE44F2AA5B2}" srcOrd="1" destOrd="0" presId="urn:microsoft.com/office/officeart/2005/8/layout/process5"/>
+    <dgm:cxn modelId="{4F1952B2-9A1E-45AE-9B53-B7B25D97A28B}" type="presOf" srcId="{AE6E62C0-93B9-47B1-94D7-BE80051F1C5E}" destId="{D04E1C35-8676-46B3-B57E-56B5A97FD72B}" srcOrd="1" destOrd="0" presId="urn:microsoft.com/office/officeart/2005/8/layout/process5"/>
+    <dgm:cxn modelId="{A8DB43B7-43FB-4EC7-B5F3-F891159F02BC}" type="presOf" srcId="{72FEBD8F-0A83-496E-B0E9-4DE95DA4E4E1}" destId="{6217E127-F263-4AB8-92F7-E09EDD0322A9}" srcOrd="0" destOrd="0" presId="urn:microsoft.com/office/officeart/2005/8/layout/process5"/>
+    <dgm:cxn modelId="{533AF85D-3AEA-4130-A0A0-A2F57E3BEEA3}" srcId="{4DF45ADC-9F33-47F9-8C7C-C7FE0A7A78D6}" destId="{AF8E401C-2602-4B48-9F86-2D624B65A587}" srcOrd="8" destOrd="0" parTransId="{B70DAF12-194D-419D-ACB7-DB6BAC0F248B}" sibTransId="{AE6E62C0-93B9-47B1-94D7-BE80051F1C5E}"/>
+    <dgm:cxn modelId="{2691059F-5133-47CB-9567-6DC2BA14699A}" srcId="{4DF45ADC-9F33-47F9-8C7C-C7FE0A7A78D6}" destId="{62233025-EF81-4A2B-B238-79100E1E6D7F}" srcOrd="4" destOrd="0" parTransId="{F7D60AC5-9D2E-4231-A7FC-DF221C2426EC}" sibTransId="{2922DA3D-B50F-482F-8576-129B4DEE6C9F}"/>
+    <dgm:cxn modelId="{AB94008C-1D82-4842-8B71-E45F88C67A9C}" type="presOf" srcId="{4DF45ADC-9F33-47F9-8C7C-C7FE0A7A78D6}" destId="{6C34BAD3-10EB-4E3A-B08C-6C4A3C66BBBE}" srcOrd="0" destOrd="0" presId="urn:microsoft.com/office/officeart/2005/8/layout/process5"/>
+    <dgm:cxn modelId="{F9176525-04C0-4386-BA4C-433F9BD577D8}" type="presOf" srcId="{C4E67BB3-1FB9-4DC4-AB99-D1BBAB200F05}" destId="{03BF4627-490D-43F0-8758-F239292C9CF9}" srcOrd="0" destOrd="0" presId="urn:microsoft.com/office/officeart/2005/8/layout/process5"/>
+    <dgm:cxn modelId="{9044D1F3-DF63-44B4-8477-52AD83CF7B07}" type="presOf" srcId="{62233025-EF81-4A2B-B238-79100E1E6D7F}" destId="{6D6F384D-7341-48DE-9B35-E8850919D0F6}" srcOrd="0" destOrd="0" presId="urn:microsoft.com/office/officeart/2005/8/layout/process5"/>
+    <dgm:cxn modelId="{DAE7AA64-DEEC-4126-9A26-B669FEB49777}" type="presOf" srcId="{87C25A92-DBC6-40C1-A544-FAB08A764A32}" destId="{6FDC4853-6F8A-4AE4-9C89-AE1A8B8EB19F}" srcOrd="0" destOrd="0" presId="urn:microsoft.com/office/officeart/2005/8/layout/process5"/>
+    <dgm:cxn modelId="{E980AC06-0790-4541-B5E7-AF830F5821A3}" type="presOf" srcId="{A2587484-E9D6-4794-B410-8E91CE49A485}" destId="{FF3AD0EB-F2F2-4626-A5A5-1CBB004D5EE6}" srcOrd="0" destOrd="0" presId="urn:microsoft.com/office/officeart/2005/8/layout/process5"/>
+    <dgm:cxn modelId="{E302E0FD-E4D8-4F9D-80EF-CD13A522435D}" type="presOf" srcId="{72FEBD8F-0A83-496E-B0E9-4DE95DA4E4E1}" destId="{57AA0C0E-C0E2-4745-BAC0-05ECABF1E649}" srcOrd="1" destOrd="0" presId="urn:microsoft.com/office/officeart/2005/8/layout/process5"/>
+    <dgm:cxn modelId="{DDD518C3-655B-42F1-845B-B7C9102C1470}" type="presOf" srcId="{8059150E-2DC4-4E4D-819A-428A03DB2213}" destId="{ADC7F966-B884-4BAD-88CD-FD7834EBADBD}" srcOrd="0" destOrd="0" presId="urn:microsoft.com/office/officeart/2005/8/layout/process5"/>
+    <dgm:cxn modelId="{815A7276-C82F-4418-8DE7-338A8CCC2801}" type="presOf" srcId="{25A6D9A4-8048-41A9-9538-0D3AB8A006DF}" destId="{59448DA7-0340-4538-B7DE-D13C7D1A1802}" srcOrd="0" destOrd="0" presId="urn:microsoft.com/office/officeart/2005/8/layout/process5"/>
+    <dgm:cxn modelId="{04B88B06-192C-42F5-B4BF-2BE84731BD36}" type="presOf" srcId="{AF8E401C-2602-4B48-9F86-2D624B65A587}" destId="{9DD3FCCC-C5A7-4CCC-B606-494E5494D0EF}" srcOrd="0" destOrd="0" presId="urn:microsoft.com/office/officeart/2005/8/layout/process5"/>
+    <dgm:cxn modelId="{E3743DD8-8370-4E5E-93EF-3D195775256F}" srcId="{4DF45ADC-9F33-47F9-8C7C-C7FE0A7A78D6}" destId="{B9B3FAF0-50B3-4928-8750-A9EB5AEE47CE}" srcOrd="0" destOrd="0" parTransId="{B1867347-7E23-4191-8FF2-2117E12030FE}" sibTransId="{9771A65A-EB10-453A-BC55-6EFDD58C5251}"/>
+    <dgm:cxn modelId="{F8BEDE86-ACF1-4FB4-8FBE-15C07BF6DA65}" type="presOf" srcId="{B9B3FAF0-50B3-4928-8750-A9EB5AEE47CE}" destId="{FAA7F7C8-5C1B-4781-8003-0D5FCB46600B}" srcOrd="0" destOrd="0" presId="urn:microsoft.com/office/officeart/2005/8/layout/process5"/>
+    <dgm:cxn modelId="{5F59C938-2F0E-49CF-B6A2-8E30C7D0499D}" type="presOf" srcId="{87C25A92-DBC6-40C1-A544-FAB08A764A32}" destId="{6E2CC5EF-6D69-464E-AB04-BFD07A5B7507}" srcOrd="1" destOrd="0" presId="urn:microsoft.com/office/officeart/2005/8/layout/process5"/>
+    <dgm:cxn modelId="{3563EBAB-8A4F-4099-A4B1-E804258C6D61}" type="presOf" srcId="{48416178-278E-4ADA-B5CE-CC215E110CFC}" destId="{1715A48F-4D9B-4FBA-9EF2-60E9644AAE20}" srcOrd="0" destOrd="0" presId="urn:microsoft.com/office/officeart/2005/8/layout/process5"/>
+    <dgm:cxn modelId="{F37410ED-DCEA-481C-922A-928568836894}" type="presOf" srcId="{04CD45E7-878B-4CCB-A4DB-3A2B29E3E81A}" destId="{5CE22588-6E64-4A76-A4E4-048C1045856A}" srcOrd="1" destOrd="0" presId="urn:microsoft.com/office/officeart/2005/8/layout/process5"/>
+    <dgm:cxn modelId="{7C999066-5705-44C8-9E3F-A55D19077BCB}" type="presOf" srcId="{56DBBA82-F9F6-4AEB-9AC2-035D038F8819}" destId="{2A1CCF0C-5003-42FC-9BCD-4ECD722E8E2A}" srcOrd="0" destOrd="0" presId="urn:microsoft.com/office/officeart/2005/8/layout/process5"/>
+    <dgm:cxn modelId="{B8DD91CA-D88E-4308-A18C-7049C94EC06C}" type="presOf" srcId="{7CE07522-F214-4342-9471-9979998BB0AA}" destId="{652A5B30-BBDF-4E69-B1E5-68BB540438A5}" srcOrd="0" destOrd="0" presId="urn:microsoft.com/office/officeart/2005/8/layout/process5"/>
+    <dgm:cxn modelId="{7CD52056-1A37-47DE-8DF3-CCBFCE78534E}" type="presOf" srcId="{9771A65A-EB10-453A-BC55-6EFDD58C5251}" destId="{F290DCA8-4C96-495D-A16F-807178EF9D88}" srcOrd="0" destOrd="0" presId="urn:microsoft.com/office/officeart/2005/8/layout/process5"/>
+    <dgm:cxn modelId="{91C589B9-5274-4720-9455-C4C14A4A30E1}" type="presOf" srcId="{E6A50530-C17E-4131-A8B6-9A96167692B8}" destId="{147DF701-7C71-45E8-9510-B700975209EB}" srcOrd="1" destOrd="0" presId="urn:microsoft.com/office/officeart/2005/8/layout/process5"/>
+    <dgm:cxn modelId="{6555D3F2-060F-4F82-9773-6891CAAB169C}" srcId="{4DF45ADC-9F33-47F9-8C7C-C7FE0A7A78D6}" destId="{E8A7D225-8098-41A8-BF3D-87CC8EA3134C}" srcOrd="9" destOrd="0" parTransId="{202CD0C0-79DB-4E6B-BEB5-13AA6010C0A2}" sibTransId="{72FEBD8F-0A83-496E-B0E9-4DE95DA4E4E1}"/>
+    <dgm:cxn modelId="{BABE4140-AFCD-4607-B174-C92A520ECA48}" srcId="{4DF45ADC-9F33-47F9-8C7C-C7FE0A7A78D6}" destId="{56DBBA82-F9F6-4AEB-9AC2-035D038F8819}" srcOrd="12" destOrd="0" parTransId="{413305EE-C331-4A34-B83D-FA7BCDBB1A6B}" sibTransId="{7DABDA19-E2BC-4D10-A2C3-767D4080F136}"/>
+    <dgm:cxn modelId="{2D48A979-8060-472E-A24B-87DB28B5099F}" srcId="{4DF45ADC-9F33-47F9-8C7C-C7FE0A7A78D6}" destId="{04B368AC-6A51-43D1-B6A2-CAC910B6E1AE}" srcOrd="3" destOrd="0" parTransId="{3797FC6B-50F0-4893-A5BD-2EFDDBDBD0F5}" sibTransId="{04CD45E7-878B-4CCB-A4DB-3A2B29E3E81A}"/>
+    <dgm:cxn modelId="{9B96D1DD-7E5A-4F0F-9CB2-6124B9FBCA7A}" type="presParOf" srcId="{6C34BAD3-10EB-4E3A-B08C-6C4A3C66BBBE}" destId="{FAA7F7C8-5C1B-4781-8003-0D5FCB46600B}" srcOrd="0" destOrd="0" presId="urn:microsoft.com/office/officeart/2005/8/layout/process5"/>
+    <dgm:cxn modelId="{E113A93D-9420-4C85-9ED9-20CD86341FB8}" type="presParOf" srcId="{6C34BAD3-10EB-4E3A-B08C-6C4A3C66BBBE}" destId="{F290DCA8-4C96-495D-A16F-807178EF9D88}" srcOrd="1" destOrd="0" presId="urn:microsoft.com/office/officeart/2005/8/layout/process5"/>
+    <dgm:cxn modelId="{5FF23992-7EE3-4904-AD67-33D0A1984050}" type="presParOf" srcId="{F290DCA8-4C96-495D-A16F-807178EF9D88}" destId="{3113E322-59DD-4C49-9231-B60F01DAF49D}" srcOrd="0" destOrd="0" presId="urn:microsoft.com/office/officeart/2005/8/layout/process5"/>
+    <dgm:cxn modelId="{66C6AA61-890B-45DA-8CED-A931ACCF1C10}" type="presParOf" srcId="{6C34BAD3-10EB-4E3A-B08C-6C4A3C66BBBE}" destId="{652A5B30-BBDF-4E69-B1E5-68BB540438A5}" srcOrd="2" destOrd="0" presId="urn:microsoft.com/office/officeart/2005/8/layout/process5"/>
+    <dgm:cxn modelId="{5930071A-F69D-4BC6-A92F-5F7BF7BA4B36}" type="presParOf" srcId="{6C34BAD3-10EB-4E3A-B08C-6C4A3C66BBBE}" destId="{2DAE175B-08EB-433D-8F0F-DA0B2066372F}" srcOrd="3" destOrd="0" presId="urn:microsoft.com/office/officeart/2005/8/layout/process5"/>
+    <dgm:cxn modelId="{9C6A1EAC-1DD6-48AD-82D7-3DB7977A3229}" type="presParOf" srcId="{2DAE175B-08EB-433D-8F0F-DA0B2066372F}" destId="{147DF701-7C71-45E8-9510-B700975209EB}" srcOrd="0" destOrd="0" presId="urn:microsoft.com/office/officeart/2005/8/layout/process5"/>
+    <dgm:cxn modelId="{7EF0C553-9AA8-4DFA-94A1-887C55EBE98A}" type="presParOf" srcId="{6C34BAD3-10EB-4E3A-B08C-6C4A3C66BBBE}" destId="{8B029983-BBA8-4956-A4AC-3AA290006FAC}" srcOrd="4" destOrd="0" presId="urn:microsoft.com/office/officeart/2005/8/layout/process5"/>
+    <dgm:cxn modelId="{4DB3EC06-62B1-42F7-B21E-1B3F7A21487C}" type="presParOf" srcId="{6C34BAD3-10EB-4E3A-B08C-6C4A3C66BBBE}" destId="{1715A48F-4D9B-4FBA-9EF2-60E9644AAE20}" srcOrd="5" destOrd="0" presId="urn:microsoft.com/office/officeart/2005/8/layout/process5"/>
+    <dgm:cxn modelId="{7BBDC252-0395-4C51-8F8E-F9084C808745}" type="presParOf" srcId="{1715A48F-4D9B-4FBA-9EF2-60E9644AAE20}" destId="{323FB184-743B-44D0-B8E1-1EB260B0E872}" srcOrd="0" destOrd="0" presId="urn:microsoft.com/office/officeart/2005/8/layout/process5"/>
+    <dgm:cxn modelId="{08449998-CC6C-4A53-9D45-BE7232382BB4}" type="presParOf" srcId="{6C34BAD3-10EB-4E3A-B08C-6C4A3C66BBBE}" destId="{F5CD9A80-017C-4404-B373-1A2D9D9E55BF}" srcOrd="6" destOrd="0" presId="urn:microsoft.com/office/officeart/2005/8/layout/process5"/>
+    <dgm:cxn modelId="{C06874BC-5C92-4827-9654-2B1DC8BC765B}" type="presParOf" srcId="{6C34BAD3-10EB-4E3A-B08C-6C4A3C66BBBE}" destId="{F2C9B886-D49F-49FC-AEB3-64FD09F51CCB}" srcOrd="7" destOrd="0" presId="urn:microsoft.com/office/officeart/2005/8/layout/process5"/>
+    <dgm:cxn modelId="{6F62AE5A-D142-4E4F-B1CF-7FA8C4ADE84C}" type="presParOf" srcId="{F2C9B886-D49F-49FC-AEB3-64FD09F51CCB}" destId="{5CE22588-6E64-4A76-A4E4-048C1045856A}" srcOrd="0" destOrd="0" presId="urn:microsoft.com/office/officeart/2005/8/layout/process5"/>
+    <dgm:cxn modelId="{34496B04-0D88-48AA-85FC-A3AB9CD80EB7}" type="presParOf" srcId="{6C34BAD3-10EB-4E3A-B08C-6C4A3C66BBBE}" destId="{6D6F384D-7341-48DE-9B35-E8850919D0F6}" srcOrd="8" destOrd="0" presId="urn:microsoft.com/office/officeart/2005/8/layout/process5"/>
+    <dgm:cxn modelId="{9379B952-5D49-4026-A022-87EA4827A05E}" type="presParOf" srcId="{6C34BAD3-10EB-4E3A-B08C-6C4A3C66BBBE}" destId="{359440D3-A699-4A69-81B7-4C3394CBAD1F}" srcOrd="9" destOrd="0" presId="urn:microsoft.com/office/officeart/2005/8/layout/process5"/>
+    <dgm:cxn modelId="{03538D4C-EF0A-481F-9E74-442138E6C5E1}" type="presParOf" srcId="{359440D3-A699-4A69-81B7-4C3394CBAD1F}" destId="{DCC1D03D-B587-4057-B27A-A4801DF05975}" srcOrd="0" destOrd="0" presId="urn:microsoft.com/office/officeart/2005/8/layout/process5"/>
+    <dgm:cxn modelId="{730F3D4A-EABD-4E72-8F00-213C21E0EAF0}" type="presParOf" srcId="{6C34BAD3-10EB-4E3A-B08C-6C4A3C66BBBE}" destId="{C6ABDF08-E778-40C7-9587-0A5DAF731020}" srcOrd="10" destOrd="0" presId="urn:microsoft.com/office/officeart/2005/8/layout/process5"/>
+    <dgm:cxn modelId="{5E09F932-5F41-486D-8A3B-6571A203015B}" type="presParOf" srcId="{6C34BAD3-10EB-4E3A-B08C-6C4A3C66BBBE}" destId="{BBA89D2C-88A4-4720-AA12-00595D696F8C}" srcOrd="11" destOrd="0" presId="urn:microsoft.com/office/officeart/2005/8/layout/process5"/>
+    <dgm:cxn modelId="{74D12116-EB6E-471E-AFCA-AEF8108202F2}" type="presParOf" srcId="{BBA89D2C-88A4-4720-AA12-00595D696F8C}" destId="{DAAC436B-4FC5-45D6-9F2C-5D2B209A7F81}" srcOrd="0" destOrd="0" presId="urn:microsoft.com/office/officeart/2005/8/layout/process5"/>
+    <dgm:cxn modelId="{86184A7B-5232-4E5C-B32B-369BB10D6028}" type="presParOf" srcId="{6C34BAD3-10EB-4E3A-B08C-6C4A3C66BBBE}" destId="{B4CCAFC4-7DCB-4145-B547-E02DC86CA89A}" srcOrd="12" destOrd="0" presId="urn:microsoft.com/office/officeart/2005/8/layout/process5"/>
+    <dgm:cxn modelId="{35AF4C70-02CB-4861-A7C4-8412226E9D3A}" type="presParOf" srcId="{6C34BAD3-10EB-4E3A-B08C-6C4A3C66BBBE}" destId="{59448DA7-0340-4538-B7DE-D13C7D1A1802}" srcOrd="13" destOrd="0" presId="urn:microsoft.com/office/officeart/2005/8/layout/process5"/>
+    <dgm:cxn modelId="{87DCC526-E2C1-48DF-A49C-83A52A0D8356}" type="presParOf" srcId="{59448DA7-0340-4538-B7DE-D13C7D1A1802}" destId="{3E2F4D3A-CEE6-43E6-8007-3572BA99B940}" srcOrd="0" destOrd="0" presId="urn:microsoft.com/office/officeart/2005/8/layout/process5"/>
+    <dgm:cxn modelId="{78950517-18C7-4501-A1B8-4A1D0ECB88ED}" type="presParOf" srcId="{6C34BAD3-10EB-4E3A-B08C-6C4A3C66BBBE}" destId="{FF3AD0EB-F2F2-4626-A5A5-1CBB004D5EE6}" srcOrd="14" destOrd="0" presId="urn:microsoft.com/office/officeart/2005/8/layout/process5"/>
+    <dgm:cxn modelId="{0D5F5EDE-1342-4C81-A0D8-EDE4A587293F}" type="presParOf" srcId="{6C34BAD3-10EB-4E3A-B08C-6C4A3C66BBBE}" destId="{F919AA09-CEB8-4003-81C4-5DE1D1BEAADD}" srcOrd="15" destOrd="0" presId="urn:microsoft.com/office/officeart/2005/8/layout/process5"/>
+    <dgm:cxn modelId="{F79C00C1-F79B-47C6-9EF6-99D35075E3E2}" type="presParOf" srcId="{F919AA09-CEB8-4003-81C4-5DE1D1BEAADD}" destId="{AFC1A31D-751B-4B58-A222-D03D88EB8CA4}" srcOrd="0" destOrd="0" presId="urn:microsoft.com/office/officeart/2005/8/layout/process5"/>
+    <dgm:cxn modelId="{D405B7D1-FF7B-4384-9D1D-7D6DE4FC36A9}" type="presParOf" srcId="{6C34BAD3-10EB-4E3A-B08C-6C4A3C66BBBE}" destId="{9DD3FCCC-C5A7-4CCC-B606-494E5494D0EF}" srcOrd="16" destOrd="0" presId="urn:microsoft.com/office/officeart/2005/8/layout/process5"/>
+    <dgm:cxn modelId="{6AE958B2-EEDA-4B39-BA53-DF39E406D1D5}" type="presParOf" srcId="{6C34BAD3-10EB-4E3A-B08C-6C4A3C66BBBE}" destId="{03889614-C7A1-4B03-82FF-851859E19CAF}" srcOrd="17" destOrd="0" presId="urn:microsoft.com/office/officeart/2005/8/layout/process5"/>
+    <dgm:cxn modelId="{8D6F334A-70B4-4718-85C9-052A853CE1A4}" type="presParOf" srcId="{03889614-C7A1-4B03-82FF-851859E19CAF}" destId="{D04E1C35-8676-46B3-B57E-56B5A97FD72B}" srcOrd="0" destOrd="0" presId="urn:microsoft.com/office/officeart/2005/8/layout/process5"/>
+    <dgm:cxn modelId="{973CB3CB-7C78-4318-B6FD-AC23A4D2BE93}" type="presParOf" srcId="{6C34BAD3-10EB-4E3A-B08C-6C4A3C66BBBE}" destId="{48BECE7F-788B-4C75-BA46-106ECE96F0CE}" srcOrd="18" destOrd="0" presId="urn:microsoft.com/office/officeart/2005/8/layout/process5"/>
+    <dgm:cxn modelId="{B653342E-A38C-4EEB-A9AE-EC5D38D0149A}" type="presParOf" srcId="{6C34BAD3-10EB-4E3A-B08C-6C4A3C66BBBE}" destId="{6217E127-F263-4AB8-92F7-E09EDD0322A9}" srcOrd="19" destOrd="0" presId="urn:microsoft.com/office/officeart/2005/8/layout/process5"/>
+    <dgm:cxn modelId="{BD7B0743-34CC-4E4A-BF3B-D64CA046654D}" type="presParOf" srcId="{6217E127-F263-4AB8-92F7-E09EDD0322A9}" destId="{57AA0C0E-C0E2-4745-BAC0-05ECABF1E649}" srcOrd="0" destOrd="0" presId="urn:microsoft.com/office/officeart/2005/8/layout/process5"/>
+    <dgm:cxn modelId="{B2CABAF2-FACC-4A1C-A344-84751FB9D3C1}" type="presParOf" srcId="{6C34BAD3-10EB-4E3A-B08C-6C4A3C66BBBE}" destId="{C38D81B7-06FB-486B-A336-9CBC640821E8}" srcOrd="20" destOrd="0" presId="urn:microsoft.com/office/officeart/2005/8/layout/process5"/>
+    <dgm:cxn modelId="{7E5D676F-728A-4F7C-A6B4-D6495D50BCE4}" type="presParOf" srcId="{6C34BAD3-10EB-4E3A-B08C-6C4A3C66BBBE}" destId="{ADC7F966-B884-4BAD-88CD-FD7834EBADBD}" srcOrd="21" destOrd="0" presId="urn:microsoft.com/office/officeart/2005/8/layout/process5"/>
+    <dgm:cxn modelId="{DE5CE504-D29F-433D-915F-BE50FA634D3B}" type="presParOf" srcId="{ADC7F966-B884-4BAD-88CD-FD7834EBADBD}" destId="{650A456C-B483-42B9-826C-5CE44F2AA5B2}" srcOrd="0" destOrd="0" presId="urn:microsoft.com/office/officeart/2005/8/layout/process5"/>
+    <dgm:cxn modelId="{14A1E659-E831-4FEF-8C43-D49F9862D998}" type="presParOf" srcId="{6C34BAD3-10EB-4E3A-B08C-6C4A3C66BBBE}" destId="{03BF4627-490D-43F0-8758-F239292C9CF9}" srcOrd="22" destOrd="0" presId="urn:microsoft.com/office/officeart/2005/8/layout/process5"/>
+    <dgm:cxn modelId="{1FCBA59D-E23C-4E1A-8480-4000BDB9D4D8}" type="presParOf" srcId="{6C34BAD3-10EB-4E3A-B08C-6C4A3C66BBBE}" destId="{6FDC4853-6F8A-4AE4-9C89-AE1A8B8EB19F}" srcOrd="23" destOrd="0" presId="urn:microsoft.com/office/officeart/2005/8/layout/process5"/>
+    <dgm:cxn modelId="{F1110DE4-349D-41F9-B866-B6778C07C6CC}" type="presParOf" srcId="{6FDC4853-6F8A-4AE4-9C89-AE1A8B8EB19F}" destId="{6E2CC5EF-6D69-464E-AB04-BFD07A5B7507}" srcOrd="0" destOrd="0" presId="urn:microsoft.com/office/officeart/2005/8/layout/process5"/>
+    <dgm:cxn modelId="{14D1614E-C80F-467B-8B7B-97B5B10E21E5}" type="presParOf" srcId="{6C34BAD3-10EB-4E3A-B08C-6C4A3C66BBBE}" destId="{2A1CCF0C-5003-42FC-9BCD-4ECD722E8E2A}" srcOrd="24" destOrd="0" presId="urn:microsoft.com/office/officeart/2005/8/layout/process5"/>
+  </dgm:cxnLst>
+  <dgm:bg/>
+  <dgm:whole/>
+  <dgm:extLst>
+    <a:ext uri="http://schemas.microsoft.com/office/drawing/2008/diagram">
+      <dsp:dataModelExt xmlns:dsp="http://schemas.microsoft.com/office/drawing/2008/diagram" relId="rId8" minVer="http://schemas.openxmlformats.org/drawingml/2006/diagram"/>
+    </a:ext>
+  </dgm:extLst>
+</dgm:dataModel>
+</file>
+
+<file path=ppt/diagrams/drawing1.xml><?xml version="1.0" encoding="utf-8"?>
+<dsp:drawing xmlns:dgm="http://schemas.openxmlformats.org/drawingml/2006/diagram" xmlns:dsp="http://schemas.microsoft.com/office/drawing/2008/diagram" xmlns:a="http://schemas.openxmlformats.org/drawingml/2006/main">
+  <dsp:spTree>
+    <dsp:nvGrpSpPr>
+      <dsp:cNvPr id="0" name=""/>
+      <dsp:cNvGrpSpPr/>
+    </dsp:nvGrpSpPr>
+    <dsp:grpSpPr/>
+    <dsp:sp modelId="{FAA7F7C8-5C1B-4781-8003-0D5FCB46600B}">
+      <dsp:nvSpPr>
+        <dsp:cNvPr id="0" name=""/>
+        <dsp:cNvSpPr/>
+      </dsp:nvSpPr>
+      <dsp:spPr>
+        <a:xfrm>
+          <a:off x="485274" y="1283"/>
+          <a:ext cx="1399442" cy="839665"/>
+        </a:xfrm>
+        <a:prstGeom prst="roundRect">
+          <a:avLst>
+            <a:gd name="adj" fmla="val 10000"/>
+          </a:avLst>
+        </a:prstGeom>
+        <a:solidFill>
+          <a:schemeClr val="accent1">
+            <a:hueOff val="0"/>
+            <a:satOff val="0"/>
+            <a:lumOff val="0"/>
+            <a:alphaOff val="0"/>
+          </a:schemeClr>
+        </a:solidFill>
+        <a:ln w="25400" cap="flat" cmpd="sng" algn="ctr">
+          <a:solidFill>
+            <a:schemeClr val="lt1">
+              <a:hueOff val="0"/>
+              <a:satOff val="0"/>
+              <a:lumOff val="0"/>
+              <a:alphaOff val="0"/>
+            </a:schemeClr>
+          </a:solidFill>
+          <a:prstDash val="solid"/>
+        </a:ln>
+        <a:effectLst/>
+      </dsp:spPr>
+      <dsp:style>
+        <a:lnRef idx="2">
+          <a:scrgbClr r="0" g="0" b="0"/>
+        </a:lnRef>
+        <a:fillRef idx="1">
+          <a:scrgbClr r="0" g="0" b="0"/>
+        </a:fillRef>
+        <a:effectRef idx="0">
+          <a:scrgbClr r="0" g="0" b="0"/>
+        </a:effectRef>
+        <a:fontRef idx="minor">
+          <a:schemeClr val="lt1"/>
+        </a:fontRef>
+      </dsp:style>
+      <dsp:txBody>
+        <a:bodyPr spcFirstLastPara="0" vert="horz" wrap="square" lIns="49530" tIns="49530" rIns="49530" bIns="49530" numCol="1" spcCol="1270" anchor="ctr" anchorCtr="0">
+          <a:noAutofit/>
+        </a:bodyPr>
+        <a:lstStyle/>
+        <a:p>
+          <a:pPr lvl="0" algn="ctr" defTabSz="577850">
+            <a:lnSpc>
+              <a:spcPct val="90000"/>
+            </a:lnSpc>
+            <a:spcBef>
+              <a:spcPct val="0"/>
+            </a:spcBef>
+            <a:spcAft>
+              <a:spcPct val="35000"/>
+            </a:spcAft>
+          </a:pPr>
+          <a:r>
+            <a:rPr lang="fr-FR" sz="1300" kern="1200" dirty="0" smtClean="0"/>
+            <a:t>Ville départ</a:t>
+          </a:r>
+          <a:endParaRPr lang="fr-FR" sz="1300" kern="1200" dirty="0"/>
+        </a:p>
+      </dsp:txBody>
+      <dsp:txXfrm>
+        <a:off x="509867" y="25876"/>
+        <a:ext cx="1350256" cy="790479"/>
+      </dsp:txXfrm>
+    </dsp:sp>
+    <dsp:sp modelId="{F290DCA8-4C96-495D-A16F-807178EF9D88}">
+      <dsp:nvSpPr>
+        <dsp:cNvPr id="0" name=""/>
+        <dsp:cNvSpPr/>
+      </dsp:nvSpPr>
+      <dsp:spPr>
+        <a:xfrm>
+          <a:off x="2007867" y="247585"/>
+          <a:ext cx="296681" cy="347061"/>
+        </a:xfrm>
+        <a:prstGeom prst="rightArrow">
+          <a:avLst>
+            <a:gd name="adj1" fmla="val 60000"/>
+            <a:gd name="adj2" fmla="val 50000"/>
+          </a:avLst>
+        </a:prstGeom>
+        <a:solidFill>
+          <a:schemeClr val="accent1">
+            <a:tint val="60000"/>
+            <a:hueOff val="0"/>
+            <a:satOff val="0"/>
+            <a:lumOff val="0"/>
+            <a:alphaOff val="0"/>
+          </a:schemeClr>
+        </a:solidFill>
+        <a:ln>
+          <a:noFill/>
+        </a:ln>
+        <a:effectLst/>
+      </dsp:spPr>
+      <dsp:style>
+        <a:lnRef idx="0">
+          <a:scrgbClr r="0" g="0" b="0"/>
+        </a:lnRef>
+        <a:fillRef idx="1">
+          <a:scrgbClr r="0" g="0" b="0"/>
+        </a:fillRef>
+        <a:effectRef idx="0">
+          <a:scrgbClr r="0" g="0" b="0"/>
+        </a:effectRef>
+        <a:fontRef idx="minor">
+          <a:schemeClr val="lt1"/>
+        </a:fontRef>
+      </dsp:style>
+      <dsp:txBody>
+        <a:bodyPr spcFirstLastPara="0" vert="horz" wrap="square" lIns="0" tIns="0" rIns="0" bIns="0" numCol="1" spcCol="1270" anchor="ctr" anchorCtr="0">
+          <a:noAutofit/>
+        </a:bodyPr>
+        <a:lstStyle/>
+        <a:p>
+          <a:pPr lvl="0" algn="ctr" defTabSz="488950">
+            <a:lnSpc>
+              <a:spcPct val="90000"/>
+            </a:lnSpc>
+            <a:spcBef>
+              <a:spcPct val="0"/>
+            </a:spcBef>
+            <a:spcAft>
+              <a:spcPct val="35000"/>
+            </a:spcAft>
+          </a:pPr>
+          <a:endParaRPr lang="fr-FR" sz="1100" kern="1200"/>
+        </a:p>
+      </dsp:txBody>
+      <dsp:txXfrm>
+        <a:off x="2007867" y="316997"/>
+        <a:ext cx="207677" cy="208237"/>
+      </dsp:txXfrm>
+    </dsp:sp>
+    <dsp:sp modelId="{652A5B30-BBDF-4E69-B1E5-68BB540438A5}">
+      <dsp:nvSpPr>
+        <dsp:cNvPr id="0" name=""/>
+        <dsp:cNvSpPr/>
+      </dsp:nvSpPr>
+      <dsp:spPr>
+        <a:xfrm>
+          <a:off x="2444493" y="1283"/>
+          <a:ext cx="1399442" cy="839665"/>
+        </a:xfrm>
+        <a:prstGeom prst="roundRect">
+          <a:avLst>
+            <a:gd name="adj" fmla="val 10000"/>
+          </a:avLst>
+        </a:prstGeom>
+        <a:solidFill>
+          <a:schemeClr val="accent1">
+            <a:hueOff val="0"/>
+            <a:satOff val="0"/>
+            <a:lumOff val="0"/>
+            <a:alphaOff val="0"/>
+          </a:schemeClr>
+        </a:solidFill>
+        <a:ln w="25400" cap="flat" cmpd="sng" algn="ctr">
+          <a:solidFill>
+            <a:schemeClr val="lt1">
+              <a:hueOff val="0"/>
+              <a:satOff val="0"/>
+              <a:lumOff val="0"/>
+              <a:alphaOff val="0"/>
+            </a:schemeClr>
+          </a:solidFill>
+          <a:prstDash val="solid"/>
+        </a:ln>
+        <a:effectLst/>
+      </dsp:spPr>
+      <dsp:style>
+        <a:lnRef idx="2">
+          <a:scrgbClr r="0" g="0" b="0"/>
+        </a:lnRef>
+        <a:fillRef idx="1">
+          <a:scrgbClr r="0" g="0" b="0"/>
+        </a:fillRef>
+        <a:effectRef idx="0">
+          <a:scrgbClr r="0" g="0" b="0"/>
+        </a:effectRef>
+        <a:fontRef idx="minor">
+          <a:schemeClr val="lt1"/>
+        </a:fontRef>
+      </dsp:style>
+      <dsp:txBody>
+        <a:bodyPr spcFirstLastPara="0" vert="horz" wrap="square" lIns="49530" tIns="49530" rIns="49530" bIns="49530" numCol="1" spcCol="1270" anchor="ctr" anchorCtr="0">
+          <a:noAutofit/>
+        </a:bodyPr>
+        <a:lstStyle/>
+        <a:p>
+          <a:pPr lvl="0" algn="ctr" defTabSz="577850">
+            <a:lnSpc>
+              <a:spcPct val="90000"/>
+            </a:lnSpc>
+            <a:spcBef>
+              <a:spcPct val="0"/>
+            </a:spcBef>
+            <a:spcAft>
+              <a:spcPct val="35000"/>
+            </a:spcAft>
+          </a:pPr>
+          <a:r>
+            <a:rPr lang="fr-FR" sz="1300" kern="1200" dirty="0" smtClean="0"/>
+            <a:t>Adresse départ</a:t>
+          </a:r>
+          <a:endParaRPr lang="fr-FR" sz="1300" kern="1200" dirty="0"/>
+        </a:p>
+      </dsp:txBody>
+      <dsp:txXfrm>
+        <a:off x="2469086" y="25876"/>
+        <a:ext cx="1350256" cy="790479"/>
+      </dsp:txXfrm>
+    </dsp:sp>
+    <dsp:sp modelId="{2DAE175B-08EB-433D-8F0F-DA0B2066372F}">
+      <dsp:nvSpPr>
+        <dsp:cNvPr id="0" name=""/>
+        <dsp:cNvSpPr/>
+      </dsp:nvSpPr>
+      <dsp:spPr>
+        <a:xfrm>
+          <a:off x="3967086" y="247585"/>
+          <a:ext cx="296681" cy="347061"/>
+        </a:xfrm>
+        <a:prstGeom prst="rightArrow">
+          <a:avLst>
+            <a:gd name="adj1" fmla="val 60000"/>
+            <a:gd name="adj2" fmla="val 50000"/>
+          </a:avLst>
+        </a:prstGeom>
+        <a:solidFill>
+          <a:schemeClr val="accent1">
+            <a:tint val="60000"/>
+            <a:hueOff val="0"/>
+            <a:satOff val="0"/>
+            <a:lumOff val="0"/>
+            <a:alphaOff val="0"/>
+          </a:schemeClr>
+        </a:solidFill>
+        <a:ln>
+          <a:noFill/>
+        </a:ln>
+        <a:effectLst/>
+      </dsp:spPr>
+      <dsp:style>
+        <a:lnRef idx="0">
+          <a:scrgbClr r="0" g="0" b="0"/>
+        </a:lnRef>
+        <a:fillRef idx="1">
+          <a:scrgbClr r="0" g="0" b="0"/>
+        </a:fillRef>
+        <a:effectRef idx="0">
+          <a:scrgbClr r="0" g="0" b="0"/>
+        </a:effectRef>
+        <a:fontRef idx="minor">
+          <a:schemeClr val="lt1"/>
+        </a:fontRef>
+      </dsp:style>
+      <dsp:txBody>
+        <a:bodyPr spcFirstLastPara="0" vert="horz" wrap="square" lIns="0" tIns="0" rIns="0" bIns="0" numCol="1" spcCol="1270" anchor="ctr" anchorCtr="0">
+          <a:noAutofit/>
+        </a:bodyPr>
+        <a:lstStyle/>
+        <a:p>
+          <a:pPr lvl="0" algn="ctr" defTabSz="488950">
+            <a:lnSpc>
+              <a:spcPct val="90000"/>
+            </a:lnSpc>
+            <a:spcBef>
+              <a:spcPct val="0"/>
+            </a:spcBef>
+            <a:spcAft>
+              <a:spcPct val="35000"/>
+            </a:spcAft>
+          </a:pPr>
+          <a:endParaRPr lang="fr-FR" sz="1100" kern="1200"/>
+        </a:p>
+      </dsp:txBody>
+      <dsp:txXfrm>
+        <a:off x="3967086" y="316997"/>
+        <a:ext cx="207677" cy="208237"/>
+      </dsp:txXfrm>
+    </dsp:sp>
+    <dsp:sp modelId="{8B029983-BBA8-4956-A4AC-3AA290006FAC}">
+      <dsp:nvSpPr>
+        <dsp:cNvPr id="0" name=""/>
+        <dsp:cNvSpPr/>
+      </dsp:nvSpPr>
+      <dsp:spPr>
+        <a:xfrm>
+          <a:off x="4403712" y="1283"/>
+          <a:ext cx="1399442" cy="839665"/>
+        </a:xfrm>
+        <a:prstGeom prst="roundRect">
+          <a:avLst>
+            <a:gd name="adj" fmla="val 10000"/>
+          </a:avLst>
+        </a:prstGeom>
+        <a:solidFill>
+          <a:schemeClr val="accent1">
+            <a:hueOff val="0"/>
+            <a:satOff val="0"/>
+            <a:lumOff val="0"/>
+            <a:alphaOff val="0"/>
+          </a:schemeClr>
+        </a:solidFill>
+        <a:ln w="25400" cap="flat" cmpd="sng" algn="ctr">
+          <a:solidFill>
+            <a:schemeClr val="lt1">
+              <a:hueOff val="0"/>
+              <a:satOff val="0"/>
+              <a:lumOff val="0"/>
+              <a:alphaOff val="0"/>
+            </a:schemeClr>
+          </a:solidFill>
+          <a:prstDash val="solid"/>
+        </a:ln>
+        <a:effectLst/>
+      </dsp:spPr>
+      <dsp:style>
+        <a:lnRef idx="2">
+          <a:scrgbClr r="0" g="0" b="0"/>
+        </a:lnRef>
+        <a:fillRef idx="1">
+          <a:scrgbClr r="0" g="0" b="0"/>
+        </a:fillRef>
+        <a:effectRef idx="0">
+          <a:scrgbClr r="0" g="0" b="0"/>
+        </a:effectRef>
+        <a:fontRef idx="minor">
+          <a:schemeClr val="lt1"/>
+        </a:fontRef>
+      </dsp:style>
+      <dsp:txBody>
+        <a:bodyPr spcFirstLastPara="0" vert="horz" wrap="square" lIns="49530" tIns="49530" rIns="49530" bIns="49530" numCol="1" spcCol="1270" anchor="ctr" anchorCtr="0">
+          <a:noAutofit/>
+        </a:bodyPr>
+        <a:lstStyle/>
+        <a:p>
+          <a:pPr lvl="0" algn="ctr" defTabSz="577850">
+            <a:lnSpc>
+              <a:spcPct val="90000"/>
+            </a:lnSpc>
+            <a:spcBef>
+              <a:spcPct val="0"/>
+            </a:spcBef>
+            <a:spcAft>
+              <a:spcPct val="35000"/>
+            </a:spcAft>
+          </a:pPr>
+          <a:r>
+            <a:rPr lang="fr-FR" sz="1300" kern="1200" dirty="0" smtClean="0"/>
+            <a:t>Ville arrivée</a:t>
+          </a:r>
+          <a:endParaRPr lang="fr-FR" sz="1300" kern="1200" dirty="0"/>
+        </a:p>
+      </dsp:txBody>
+      <dsp:txXfrm>
+        <a:off x="4428305" y="25876"/>
+        <a:ext cx="1350256" cy="790479"/>
+      </dsp:txXfrm>
+    </dsp:sp>
+    <dsp:sp modelId="{1715A48F-4D9B-4FBA-9EF2-60E9644AAE20}">
+      <dsp:nvSpPr>
+        <dsp:cNvPr id="0" name=""/>
+        <dsp:cNvSpPr/>
+      </dsp:nvSpPr>
+      <dsp:spPr>
+        <a:xfrm>
+          <a:off x="5926305" y="247585"/>
+          <a:ext cx="296681" cy="347061"/>
+        </a:xfrm>
+        <a:prstGeom prst="rightArrow">
+          <a:avLst>
+            <a:gd name="adj1" fmla="val 60000"/>
+            <a:gd name="adj2" fmla="val 50000"/>
+          </a:avLst>
+        </a:prstGeom>
+        <a:solidFill>
+          <a:schemeClr val="accent1">
+            <a:tint val="60000"/>
+            <a:hueOff val="0"/>
+            <a:satOff val="0"/>
+            <a:lumOff val="0"/>
+            <a:alphaOff val="0"/>
+          </a:schemeClr>
+        </a:solidFill>
+        <a:ln>
+          <a:noFill/>
+        </a:ln>
+        <a:effectLst/>
+      </dsp:spPr>
+      <dsp:style>
+        <a:lnRef idx="0">
+          <a:scrgbClr r="0" g="0" b="0"/>
+        </a:lnRef>
+        <a:fillRef idx="1">
+          <a:scrgbClr r="0" g="0" b="0"/>
+        </a:fillRef>
+        <a:effectRef idx="0">
+          <a:scrgbClr r="0" g="0" b="0"/>
+        </a:effectRef>
+        <a:fontRef idx="minor">
+          <a:schemeClr val="lt1"/>
+        </a:fontRef>
+      </dsp:style>
+      <dsp:txBody>
+        <a:bodyPr spcFirstLastPara="0" vert="horz" wrap="square" lIns="0" tIns="0" rIns="0" bIns="0" numCol="1" spcCol="1270" anchor="ctr" anchorCtr="0">
+          <a:noAutofit/>
+        </a:bodyPr>
+        <a:lstStyle/>
+        <a:p>
+          <a:pPr lvl="0" algn="ctr" defTabSz="488950">
+            <a:lnSpc>
+              <a:spcPct val="90000"/>
+            </a:lnSpc>
+            <a:spcBef>
+              <a:spcPct val="0"/>
+            </a:spcBef>
+            <a:spcAft>
+              <a:spcPct val="35000"/>
+            </a:spcAft>
+          </a:pPr>
+          <a:endParaRPr lang="fr-FR" sz="1100" kern="1200"/>
+        </a:p>
+      </dsp:txBody>
+      <dsp:txXfrm>
+        <a:off x="5926305" y="316997"/>
+        <a:ext cx="207677" cy="208237"/>
+      </dsp:txXfrm>
+    </dsp:sp>
+    <dsp:sp modelId="{F5CD9A80-017C-4404-B373-1A2D9D9E55BF}">
+      <dsp:nvSpPr>
+        <dsp:cNvPr id="0" name=""/>
+        <dsp:cNvSpPr/>
+      </dsp:nvSpPr>
+      <dsp:spPr>
+        <a:xfrm>
+          <a:off x="6362931" y="1283"/>
+          <a:ext cx="1399442" cy="839665"/>
+        </a:xfrm>
+        <a:prstGeom prst="roundRect">
+          <a:avLst>
+            <a:gd name="adj" fmla="val 10000"/>
+          </a:avLst>
+        </a:prstGeom>
+        <a:solidFill>
+          <a:schemeClr val="accent1">
+            <a:hueOff val="0"/>
+            <a:satOff val="0"/>
+            <a:lumOff val="0"/>
+            <a:alphaOff val="0"/>
+          </a:schemeClr>
+        </a:solidFill>
+        <a:ln w="25400" cap="flat" cmpd="sng" algn="ctr">
+          <a:solidFill>
+            <a:schemeClr val="lt1">
+              <a:hueOff val="0"/>
+              <a:satOff val="0"/>
+              <a:lumOff val="0"/>
+              <a:alphaOff val="0"/>
+            </a:schemeClr>
+          </a:solidFill>
+          <a:prstDash val="solid"/>
+        </a:ln>
+        <a:effectLst/>
+      </dsp:spPr>
+      <dsp:style>
+        <a:lnRef idx="2">
+          <a:scrgbClr r="0" g="0" b="0"/>
+        </a:lnRef>
+        <a:fillRef idx="1">
+          <a:scrgbClr r="0" g="0" b="0"/>
+        </a:fillRef>
+        <a:effectRef idx="0">
+          <a:scrgbClr r="0" g="0" b="0"/>
+        </a:effectRef>
+        <a:fontRef idx="minor">
+          <a:schemeClr val="lt1"/>
+        </a:fontRef>
+      </dsp:style>
+      <dsp:txBody>
+        <a:bodyPr spcFirstLastPara="0" vert="horz" wrap="square" lIns="49530" tIns="49530" rIns="49530" bIns="49530" numCol="1" spcCol="1270" anchor="ctr" anchorCtr="0">
+          <a:noAutofit/>
+        </a:bodyPr>
+        <a:lstStyle/>
+        <a:p>
+          <a:pPr lvl="0" algn="ctr" defTabSz="577850">
+            <a:lnSpc>
+              <a:spcPct val="90000"/>
+            </a:lnSpc>
+            <a:spcBef>
+              <a:spcPct val="0"/>
+            </a:spcBef>
+            <a:spcAft>
+              <a:spcPct val="35000"/>
+            </a:spcAft>
+          </a:pPr>
+          <a:r>
+            <a:rPr lang="fr-FR" sz="1300" kern="1200" dirty="0" smtClean="0"/>
+            <a:t>Adresse arrivée</a:t>
+          </a:r>
+          <a:endParaRPr lang="fr-FR" sz="1300" kern="1200" dirty="0"/>
+        </a:p>
+      </dsp:txBody>
+      <dsp:txXfrm>
+        <a:off x="6387524" y="25876"/>
+        <a:ext cx="1350256" cy="790479"/>
+      </dsp:txXfrm>
+    </dsp:sp>
+    <dsp:sp modelId="{F2C9B886-D49F-49FC-AEB3-64FD09F51CCB}">
+      <dsp:nvSpPr>
+        <dsp:cNvPr id="0" name=""/>
+        <dsp:cNvSpPr/>
+      </dsp:nvSpPr>
+      <dsp:spPr>
+        <a:xfrm rot="5400000">
+          <a:off x="6914311" y="938910"/>
+          <a:ext cx="296681" cy="347061"/>
+        </a:xfrm>
+        <a:prstGeom prst="rightArrow">
+          <a:avLst>
+            <a:gd name="adj1" fmla="val 60000"/>
+            <a:gd name="adj2" fmla="val 50000"/>
+          </a:avLst>
+        </a:prstGeom>
+        <a:solidFill>
+          <a:schemeClr val="accent1">
+            <a:tint val="60000"/>
+            <a:hueOff val="0"/>
+            <a:satOff val="0"/>
+            <a:lumOff val="0"/>
+            <a:alphaOff val="0"/>
+          </a:schemeClr>
+        </a:solidFill>
+        <a:ln>
+          <a:noFill/>
+        </a:ln>
+        <a:effectLst/>
+      </dsp:spPr>
+      <dsp:style>
+        <a:lnRef idx="0">
+          <a:scrgbClr r="0" g="0" b="0"/>
+        </a:lnRef>
+        <a:fillRef idx="1">
+          <a:scrgbClr r="0" g="0" b="0"/>
+        </a:fillRef>
+        <a:effectRef idx="0">
+          <a:scrgbClr r="0" g="0" b="0"/>
+        </a:effectRef>
+        <a:fontRef idx="minor">
+          <a:schemeClr val="lt1"/>
+        </a:fontRef>
+      </dsp:style>
+      <dsp:txBody>
+        <a:bodyPr spcFirstLastPara="0" vert="horz" wrap="square" lIns="0" tIns="0" rIns="0" bIns="0" numCol="1" spcCol="1270" anchor="ctr" anchorCtr="0">
+          <a:noAutofit/>
+        </a:bodyPr>
+        <a:lstStyle/>
+        <a:p>
+          <a:pPr lvl="0" algn="ctr" defTabSz="488950">
+            <a:lnSpc>
+              <a:spcPct val="90000"/>
+            </a:lnSpc>
+            <a:spcBef>
+              <a:spcPct val="0"/>
+            </a:spcBef>
+            <a:spcAft>
+              <a:spcPct val="35000"/>
+            </a:spcAft>
+          </a:pPr>
+          <a:endParaRPr lang="fr-FR" sz="1100" kern="1200"/>
+        </a:p>
+      </dsp:txBody>
+      <dsp:txXfrm rot="-5400000">
+        <a:off x="6958533" y="964100"/>
+        <a:ext cx="208237" cy="207677"/>
+      </dsp:txXfrm>
+    </dsp:sp>
+    <dsp:sp modelId="{6D6F384D-7341-48DE-9B35-E8850919D0F6}">
+      <dsp:nvSpPr>
+        <dsp:cNvPr id="0" name=""/>
+        <dsp:cNvSpPr/>
+      </dsp:nvSpPr>
+      <dsp:spPr>
+        <a:xfrm>
+          <a:off x="6362931" y="1400726"/>
+          <a:ext cx="1399442" cy="839665"/>
+        </a:xfrm>
+        <a:prstGeom prst="roundRect">
+          <a:avLst>
+            <a:gd name="adj" fmla="val 10000"/>
+          </a:avLst>
+        </a:prstGeom>
+        <a:solidFill>
+          <a:schemeClr val="accent1">
+            <a:hueOff val="0"/>
+            <a:satOff val="0"/>
+            <a:lumOff val="0"/>
+            <a:alphaOff val="0"/>
+          </a:schemeClr>
+        </a:solidFill>
+        <a:ln w="25400" cap="flat" cmpd="sng" algn="ctr">
+          <a:solidFill>
+            <a:schemeClr val="lt1">
+              <a:hueOff val="0"/>
+              <a:satOff val="0"/>
+              <a:lumOff val="0"/>
+              <a:alphaOff val="0"/>
+            </a:schemeClr>
+          </a:solidFill>
+          <a:prstDash val="solid"/>
+        </a:ln>
+        <a:effectLst/>
+      </dsp:spPr>
+      <dsp:style>
+        <a:lnRef idx="2">
+          <a:scrgbClr r="0" g="0" b="0"/>
+        </a:lnRef>
+        <a:fillRef idx="1">
+          <a:scrgbClr r="0" g="0" b="0"/>
+        </a:fillRef>
+        <a:effectRef idx="0">
+          <a:scrgbClr r="0" g="0" b="0"/>
+        </a:effectRef>
+        <a:fontRef idx="minor">
+          <a:schemeClr val="lt1"/>
+        </a:fontRef>
+      </dsp:style>
+      <dsp:txBody>
+        <a:bodyPr spcFirstLastPara="0" vert="horz" wrap="square" lIns="49530" tIns="49530" rIns="49530" bIns="49530" numCol="1" spcCol="1270" anchor="ctr" anchorCtr="0">
+          <a:noAutofit/>
+        </a:bodyPr>
+        <a:lstStyle/>
+        <a:p>
+          <a:pPr lvl="0" algn="ctr" defTabSz="577850">
+            <a:lnSpc>
+              <a:spcPct val="90000"/>
+            </a:lnSpc>
+            <a:spcBef>
+              <a:spcPct val="0"/>
+            </a:spcBef>
+            <a:spcAft>
+              <a:spcPct val="35000"/>
+            </a:spcAft>
+          </a:pPr>
+          <a:r>
+            <a:rPr lang="fr-FR" sz="1300" kern="1200" dirty="0" smtClean="0"/>
+            <a:t>Ajout étapes (Correspondance)</a:t>
+          </a:r>
+          <a:endParaRPr lang="fr-FR" sz="1300" kern="1200" dirty="0"/>
+        </a:p>
+      </dsp:txBody>
+      <dsp:txXfrm>
+        <a:off x="6387524" y="1425319"/>
+        <a:ext cx="1350256" cy="790479"/>
+      </dsp:txXfrm>
+    </dsp:sp>
+    <dsp:sp modelId="{359440D3-A699-4A69-81B7-4C3394CBAD1F}">
+      <dsp:nvSpPr>
+        <dsp:cNvPr id="0" name=""/>
+        <dsp:cNvSpPr/>
+      </dsp:nvSpPr>
+      <dsp:spPr>
+        <a:xfrm rot="10800000">
+          <a:off x="5943098" y="1647028"/>
+          <a:ext cx="296681" cy="347061"/>
+        </a:xfrm>
+        <a:prstGeom prst="rightArrow">
+          <a:avLst>
+            <a:gd name="adj1" fmla="val 60000"/>
+            <a:gd name="adj2" fmla="val 50000"/>
+          </a:avLst>
+        </a:prstGeom>
+        <a:solidFill>
+          <a:schemeClr val="accent1">
+            <a:tint val="60000"/>
+            <a:hueOff val="0"/>
+            <a:satOff val="0"/>
+            <a:lumOff val="0"/>
+            <a:alphaOff val="0"/>
+          </a:schemeClr>
+        </a:solidFill>
+        <a:ln>
+          <a:noFill/>
+        </a:ln>
+        <a:effectLst/>
+      </dsp:spPr>
+      <dsp:style>
+        <a:lnRef idx="0">
+          <a:scrgbClr r="0" g="0" b="0"/>
+        </a:lnRef>
+        <a:fillRef idx="1">
+          <a:scrgbClr r="0" g="0" b="0"/>
+        </a:fillRef>
+        <a:effectRef idx="0">
+          <a:scrgbClr r="0" g="0" b="0"/>
+        </a:effectRef>
+        <a:fontRef idx="minor">
+          <a:schemeClr val="lt1"/>
+        </a:fontRef>
+      </dsp:style>
+      <dsp:txBody>
+        <a:bodyPr spcFirstLastPara="0" vert="horz" wrap="square" lIns="0" tIns="0" rIns="0" bIns="0" numCol="1" spcCol="1270" anchor="ctr" anchorCtr="0">
+          <a:noAutofit/>
+        </a:bodyPr>
+        <a:lstStyle/>
+        <a:p>
+          <a:pPr lvl="0" algn="ctr" defTabSz="488950">
+            <a:lnSpc>
+              <a:spcPct val="90000"/>
+            </a:lnSpc>
+            <a:spcBef>
+              <a:spcPct val="0"/>
+            </a:spcBef>
+            <a:spcAft>
+              <a:spcPct val="35000"/>
+            </a:spcAft>
+          </a:pPr>
+          <a:endParaRPr lang="fr-FR" sz="1100" kern="1200"/>
+        </a:p>
+      </dsp:txBody>
+      <dsp:txXfrm rot="10800000">
+        <a:off x="6032102" y="1716440"/>
+        <a:ext cx="207677" cy="208237"/>
+      </dsp:txXfrm>
+    </dsp:sp>
+    <dsp:sp modelId="{C6ABDF08-E778-40C7-9587-0A5DAF731020}">
+      <dsp:nvSpPr>
+        <dsp:cNvPr id="0" name=""/>
+        <dsp:cNvSpPr/>
+      </dsp:nvSpPr>
+      <dsp:spPr>
+        <a:xfrm>
+          <a:off x="4403712" y="1400726"/>
+          <a:ext cx="1399442" cy="839665"/>
+        </a:xfrm>
+        <a:prstGeom prst="roundRect">
+          <a:avLst>
+            <a:gd name="adj" fmla="val 10000"/>
+          </a:avLst>
+        </a:prstGeom>
+        <a:solidFill>
+          <a:schemeClr val="accent1">
+            <a:hueOff val="0"/>
+            <a:satOff val="0"/>
+            <a:lumOff val="0"/>
+            <a:alphaOff val="0"/>
+          </a:schemeClr>
+        </a:solidFill>
+        <a:ln w="25400" cap="flat" cmpd="sng" algn="ctr">
+          <a:solidFill>
+            <a:schemeClr val="lt1">
+              <a:hueOff val="0"/>
+              <a:satOff val="0"/>
+              <a:lumOff val="0"/>
+              <a:alphaOff val="0"/>
+            </a:schemeClr>
+          </a:solidFill>
+          <a:prstDash val="solid"/>
+        </a:ln>
+        <a:effectLst/>
+      </dsp:spPr>
+      <dsp:style>
+        <a:lnRef idx="2">
+          <a:scrgbClr r="0" g="0" b="0"/>
+        </a:lnRef>
+        <a:fillRef idx="1">
+          <a:scrgbClr r="0" g="0" b="0"/>
+        </a:fillRef>
+        <a:effectRef idx="0">
+          <a:scrgbClr r="0" g="0" b="0"/>
+        </a:effectRef>
+        <a:fontRef idx="minor">
+          <a:schemeClr val="lt1"/>
+        </a:fontRef>
+      </dsp:style>
+      <dsp:txBody>
+        <a:bodyPr spcFirstLastPara="0" vert="horz" wrap="square" lIns="49530" tIns="49530" rIns="49530" bIns="49530" numCol="1" spcCol="1270" anchor="ctr" anchorCtr="0">
+          <a:noAutofit/>
+        </a:bodyPr>
+        <a:lstStyle/>
+        <a:p>
+          <a:pPr lvl="0" algn="ctr" defTabSz="577850">
+            <a:lnSpc>
+              <a:spcPct val="90000"/>
+            </a:lnSpc>
+            <a:spcBef>
+              <a:spcPct val="0"/>
+            </a:spcBef>
+            <a:spcAft>
+              <a:spcPct val="35000"/>
+            </a:spcAft>
+          </a:pPr>
+          <a:r>
+            <a:rPr lang="fr-FR" sz="1300" kern="1200" dirty="0" smtClean="0"/>
+            <a:t>Proposition meilleur endroit</a:t>
+          </a:r>
+          <a:endParaRPr lang="fr-FR" sz="1300" kern="1200" dirty="0"/>
+        </a:p>
+      </dsp:txBody>
+      <dsp:txXfrm>
+        <a:off x="4428305" y="1425319"/>
+        <a:ext cx="1350256" cy="790479"/>
+      </dsp:txXfrm>
+    </dsp:sp>
+    <dsp:sp modelId="{BBA89D2C-88A4-4720-AA12-00595D696F8C}">
+      <dsp:nvSpPr>
+        <dsp:cNvPr id="0" name=""/>
+        <dsp:cNvSpPr/>
+      </dsp:nvSpPr>
+      <dsp:spPr>
+        <a:xfrm rot="10800000">
+          <a:off x="3983879" y="1647028"/>
+          <a:ext cx="296681" cy="347061"/>
+        </a:xfrm>
+        <a:prstGeom prst="rightArrow">
+          <a:avLst>
+            <a:gd name="adj1" fmla="val 60000"/>
+            <a:gd name="adj2" fmla="val 50000"/>
+          </a:avLst>
+        </a:prstGeom>
+        <a:solidFill>
+          <a:schemeClr val="accent1">
+            <a:tint val="60000"/>
+            <a:hueOff val="0"/>
+            <a:satOff val="0"/>
+            <a:lumOff val="0"/>
+            <a:alphaOff val="0"/>
+          </a:schemeClr>
+        </a:solidFill>
+        <a:ln>
+          <a:noFill/>
+        </a:ln>
+        <a:effectLst/>
+      </dsp:spPr>
+      <dsp:style>
+        <a:lnRef idx="0">
+          <a:scrgbClr r="0" g="0" b="0"/>
+        </a:lnRef>
+        <a:fillRef idx="1">
+          <a:scrgbClr r="0" g="0" b="0"/>
+        </a:fillRef>
+        <a:effectRef idx="0">
+          <a:scrgbClr r="0" g="0" b="0"/>
+        </a:effectRef>
+        <a:fontRef idx="minor">
+          <a:schemeClr val="lt1"/>
+        </a:fontRef>
+      </dsp:style>
+      <dsp:txBody>
+        <a:bodyPr spcFirstLastPara="0" vert="horz" wrap="square" lIns="0" tIns="0" rIns="0" bIns="0" numCol="1" spcCol="1270" anchor="ctr" anchorCtr="0">
+          <a:noAutofit/>
+        </a:bodyPr>
+        <a:lstStyle/>
+        <a:p>
+          <a:pPr lvl="0" algn="ctr" defTabSz="488950">
+            <a:lnSpc>
+              <a:spcPct val="90000"/>
+            </a:lnSpc>
+            <a:spcBef>
+              <a:spcPct val="0"/>
+            </a:spcBef>
+            <a:spcAft>
+              <a:spcPct val="35000"/>
+            </a:spcAft>
+          </a:pPr>
+          <a:endParaRPr lang="fr-FR" sz="1100" kern="1200"/>
+        </a:p>
+      </dsp:txBody>
+      <dsp:txXfrm rot="10800000">
+        <a:off x="4072883" y="1716440"/>
+        <a:ext cx="207677" cy="208237"/>
+      </dsp:txXfrm>
+    </dsp:sp>
+    <dsp:sp modelId="{B4CCAFC4-7DCB-4145-B547-E02DC86CA89A}">
+      <dsp:nvSpPr>
+        <dsp:cNvPr id="0" name=""/>
+        <dsp:cNvSpPr/>
+      </dsp:nvSpPr>
+      <dsp:spPr>
+        <a:xfrm>
+          <a:off x="2444493" y="1400726"/>
+          <a:ext cx="1399442" cy="839665"/>
+        </a:xfrm>
+        <a:prstGeom prst="roundRect">
+          <a:avLst>
+            <a:gd name="adj" fmla="val 10000"/>
+          </a:avLst>
+        </a:prstGeom>
+        <a:solidFill>
+          <a:schemeClr val="accent1">
+            <a:hueOff val="0"/>
+            <a:satOff val="0"/>
+            <a:lumOff val="0"/>
+            <a:alphaOff val="0"/>
+          </a:schemeClr>
+        </a:solidFill>
+        <a:ln w="25400" cap="flat" cmpd="sng" algn="ctr">
+          <a:solidFill>
+            <a:schemeClr val="lt1">
+              <a:hueOff val="0"/>
+              <a:satOff val="0"/>
+              <a:lumOff val="0"/>
+              <a:alphaOff val="0"/>
+            </a:schemeClr>
+          </a:solidFill>
+          <a:prstDash val="solid"/>
+        </a:ln>
+        <a:effectLst/>
+      </dsp:spPr>
+      <dsp:style>
+        <a:lnRef idx="2">
+          <a:scrgbClr r="0" g="0" b="0"/>
+        </a:lnRef>
+        <a:fillRef idx="1">
+          <a:scrgbClr r="0" g="0" b="0"/>
+        </a:fillRef>
+        <a:effectRef idx="0">
+          <a:scrgbClr r="0" g="0" b="0"/>
+        </a:effectRef>
+        <a:fontRef idx="minor">
+          <a:schemeClr val="lt1"/>
+        </a:fontRef>
+      </dsp:style>
+      <dsp:txBody>
+        <a:bodyPr spcFirstLastPara="0" vert="horz" wrap="square" lIns="49530" tIns="49530" rIns="49530" bIns="49530" numCol="1" spcCol="1270" anchor="ctr" anchorCtr="0">
+          <a:noAutofit/>
+        </a:bodyPr>
+        <a:lstStyle/>
+        <a:p>
+          <a:pPr lvl="0" algn="ctr" defTabSz="577850">
+            <a:lnSpc>
+              <a:spcPct val="90000"/>
+            </a:lnSpc>
+            <a:spcBef>
+              <a:spcPct val="0"/>
+            </a:spcBef>
+            <a:spcAft>
+              <a:spcPct val="35000"/>
+            </a:spcAft>
+          </a:pPr>
+          <a:r>
+            <a:rPr lang="fr-FR" sz="1300" kern="1200" dirty="0" smtClean="0"/>
+            <a:t>Date &amp; heure départ</a:t>
+          </a:r>
+          <a:endParaRPr lang="fr-FR" sz="1300" kern="1200" dirty="0"/>
+        </a:p>
+      </dsp:txBody>
+      <dsp:txXfrm>
+        <a:off x="2469086" y="1425319"/>
+        <a:ext cx="1350256" cy="790479"/>
+      </dsp:txXfrm>
+    </dsp:sp>
+    <dsp:sp modelId="{59448DA7-0340-4538-B7DE-D13C7D1A1802}">
+      <dsp:nvSpPr>
+        <dsp:cNvPr id="0" name=""/>
+        <dsp:cNvSpPr/>
+      </dsp:nvSpPr>
+      <dsp:spPr>
+        <a:xfrm rot="10800000">
+          <a:off x="2024660" y="1647028"/>
+          <a:ext cx="296681" cy="347061"/>
+        </a:xfrm>
+        <a:prstGeom prst="rightArrow">
+          <a:avLst>
+            <a:gd name="adj1" fmla="val 60000"/>
+            <a:gd name="adj2" fmla="val 50000"/>
+          </a:avLst>
+        </a:prstGeom>
+        <a:solidFill>
+          <a:schemeClr val="accent1">
+            <a:tint val="60000"/>
+            <a:hueOff val="0"/>
+            <a:satOff val="0"/>
+            <a:lumOff val="0"/>
+            <a:alphaOff val="0"/>
+          </a:schemeClr>
+        </a:solidFill>
+        <a:ln>
+          <a:noFill/>
+        </a:ln>
+        <a:effectLst/>
+      </dsp:spPr>
+      <dsp:style>
+        <a:lnRef idx="0">
+          <a:scrgbClr r="0" g="0" b="0"/>
+        </a:lnRef>
+        <a:fillRef idx="1">
+          <a:scrgbClr r="0" g="0" b="0"/>
+        </a:fillRef>
+        <a:effectRef idx="0">
+          <a:scrgbClr r="0" g="0" b="0"/>
+        </a:effectRef>
+        <a:fontRef idx="minor">
+          <a:schemeClr val="lt1"/>
+        </a:fontRef>
+      </dsp:style>
+      <dsp:txBody>
+        <a:bodyPr spcFirstLastPara="0" vert="horz" wrap="square" lIns="0" tIns="0" rIns="0" bIns="0" numCol="1" spcCol="1270" anchor="ctr" anchorCtr="0">
+          <a:noAutofit/>
+        </a:bodyPr>
+        <a:lstStyle/>
+        <a:p>
+          <a:pPr lvl="0" algn="ctr" defTabSz="488950">
+            <a:lnSpc>
+              <a:spcPct val="90000"/>
+            </a:lnSpc>
+            <a:spcBef>
+              <a:spcPct val="0"/>
+            </a:spcBef>
+            <a:spcAft>
+              <a:spcPct val="35000"/>
+            </a:spcAft>
+          </a:pPr>
+          <a:endParaRPr lang="fr-FR" sz="1100" kern="1200"/>
+        </a:p>
+      </dsp:txBody>
+      <dsp:txXfrm rot="10800000">
+        <a:off x="2113664" y="1716440"/>
+        <a:ext cx="207677" cy="208237"/>
+      </dsp:txXfrm>
+    </dsp:sp>
+    <dsp:sp modelId="{FF3AD0EB-F2F2-4626-A5A5-1CBB004D5EE6}">
+      <dsp:nvSpPr>
+        <dsp:cNvPr id="0" name=""/>
+        <dsp:cNvSpPr/>
+      </dsp:nvSpPr>
+      <dsp:spPr>
+        <a:xfrm>
+          <a:off x="485274" y="1400726"/>
+          <a:ext cx="1399442" cy="839665"/>
+        </a:xfrm>
+        <a:prstGeom prst="roundRect">
+          <a:avLst>
+            <a:gd name="adj" fmla="val 10000"/>
+          </a:avLst>
+        </a:prstGeom>
+        <a:solidFill>
+          <a:schemeClr val="accent1">
+            <a:hueOff val="0"/>
+            <a:satOff val="0"/>
+            <a:lumOff val="0"/>
+            <a:alphaOff val="0"/>
+          </a:schemeClr>
+        </a:solidFill>
+        <a:ln w="25400" cap="flat" cmpd="sng" algn="ctr">
+          <a:solidFill>
+            <a:schemeClr val="lt1">
+              <a:hueOff val="0"/>
+              <a:satOff val="0"/>
+              <a:lumOff val="0"/>
+              <a:alphaOff val="0"/>
+            </a:schemeClr>
+          </a:solidFill>
+          <a:prstDash val="solid"/>
+        </a:ln>
+        <a:effectLst/>
+      </dsp:spPr>
+      <dsp:style>
+        <a:lnRef idx="2">
+          <a:scrgbClr r="0" g="0" b="0"/>
+        </a:lnRef>
+        <a:fillRef idx="1">
+          <a:scrgbClr r="0" g="0" b="0"/>
+        </a:fillRef>
+        <a:effectRef idx="0">
+          <a:scrgbClr r="0" g="0" b="0"/>
+        </a:effectRef>
+        <a:fontRef idx="minor">
+          <a:schemeClr val="lt1"/>
+        </a:fontRef>
+      </dsp:style>
+      <dsp:txBody>
+        <a:bodyPr spcFirstLastPara="0" vert="horz" wrap="square" lIns="49530" tIns="49530" rIns="49530" bIns="49530" numCol="1" spcCol="1270" anchor="ctr" anchorCtr="0">
+          <a:noAutofit/>
+        </a:bodyPr>
+        <a:lstStyle/>
+        <a:p>
+          <a:pPr lvl="0" algn="ctr" defTabSz="577850">
+            <a:lnSpc>
+              <a:spcPct val="90000"/>
+            </a:lnSpc>
+            <a:spcBef>
+              <a:spcPct val="0"/>
+            </a:spcBef>
+            <a:spcAft>
+              <a:spcPct val="35000"/>
+            </a:spcAft>
+          </a:pPr>
+          <a:r>
+            <a:rPr lang="fr-FR" sz="1300" kern="1200" dirty="0" smtClean="0"/>
+            <a:t>Nombre passagers (1 à 4)</a:t>
+          </a:r>
+          <a:endParaRPr lang="fr-FR" sz="1300" kern="1200" dirty="0"/>
+        </a:p>
+      </dsp:txBody>
+      <dsp:txXfrm>
+        <a:off x="509867" y="1425319"/>
+        <a:ext cx="1350256" cy="790479"/>
+      </dsp:txXfrm>
+    </dsp:sp>
+    <dsp:sp modelId="{F919AA09-CEB8-4003-81C4-5DE1D1BEAADD}">
+      <dsp:nvSpPr>
+        <dsp:cNvPr id="0" name=""/>
+        <dsp:cNvSpPr/>
+      </dsp:nvSpPr>
+      <dsp:spPr>
+        <a:xfrm rot="5400000">
+          <a:off x="1036654" y="2338352"/>
+          <a:ext cx="296681" cy="347061"/>
+        </a:xfrm>
+        <a:prstGeom prst="rightArrow">
+          <a:avLst>
+            <a:gd name="adj1" fmla="val 60000"/>
+            <a:gd name="adj2" fmla="val 50000"/>
+          </a:avLst>
+        </a:prstGeom>
+        <a:solidFill>
+          <a:schemeClr val="accent1">
+            <a:tint val="60000"/>
+            <a:hueOff val="0"/>
+            <a:satOff val="0"/>
+            <a:lumOff val="0"/>
+            <a:alphaOff val="0"/>
+          </a:schemeClr>
+        </a:solidFill>
+        <a:ln>
+          <a:noFill/>
+        </a:ln>
+        <a:effectLst/>
+      </dsp:spPr>
+      <dsp:style>
+        <a:lnRef idx="0">
+          <a:scrgbClr r="0" g="0" b="0"/>
+        </a:lnRef>
+        <a:fillRef idx="1">
+          <a:scrgbClr r="0" g="0" b="0"/>
+        </a:fillRef>
+        <a:effectRef idx="0">
+          <a:scrgbClr r="0" g="0" b="0"/>
+        </a:effectRef>
+        <a:fontRef idx="minor">
+          <a:schemeClr val="lt1"/>
+        </a:fontRef>
+      </dsp:style>
+      <dsp:txBody>
+        <a:bodyPr spcFirstLastPara="0" vert="horz" wrap="square" lIns="0" tIns="0" rIns="0" bIns="0" numCol="1" spcCol="1270" anchor="ctr" anchorCtr="0">
+          <a:noAutofit/>
+        </a:bodyPr>
+        <a:lstStyle/>
+        <a:p>
+          <a:pPr lvl="0" algn="ctr" defTabSz="488950">
+            <a:lnSpc>
+              <a:spcPct val="90000"/>
+            </a:lnSpc>
+            <a:spcBef>
+              <a:spcPct val="0"/>
+            </a:spcBef>
+            <a:spcAft>
+              <a:spcPct val="35000"/>
+            </a:spcAft>
+          </a:pPr>
+          <a:endParaRPr lang="fr-FR" sz="1100" kern="1200"/>
+        </a:p>
+      </dsp:txBody>
+      <dsp:txXfrm rot="-5400000">
+        <a:off x="1080876" y="2363542"/>
+        <a:ext cx="208237" cy="207677"/>
+      </dsp:txXfrm>
+    </dsp:sp>
+    <dsp:sp modelId="{9DD3FCCC-C5A7-4CCC-B606-494E5494D0EF}">
+      <dsp:nvSpPr>
+        <dsp:cNvPr id="0" name=""/>
+        <dsp:cNvSpPr/>
+      </dsp:nvSpPr>
+      <dsp:spPr>
+        <a:xfrm>
+          <a:off x="485274" y="2800168"/>
+          <a:ext cx="1399442" cy="839665"/>
+        </a:xfrm>
+        <a:prstGeom prst="roundRect">
+          <a:avLst>
+            <a:gd name="adj" fmla="val 10000"/>
+          </a:avLst>
+        </a:prstGeom>
+        <a:solidFill>
+          <a:schemeClr val="accent1">
+            <a:hueOff val="0"/>
+            <a:satOff val="0"/>
+            <a:lumOff val="0"/>
+            <a:alphaOff val="0"/>
+          </a:schemeClr>
+        </a:solidFill>
+        <a:ln w="25400" cap="flat" cmpd="sng" algn="ctr">
+          <a:solidFill>
+            <a:schemeClr val="lt1">
+              <a:hueOff val="0"/>
+              <a:satOff val="0"/>
+              <a:lumOff val="0"/>
+              <a:alphaOff val="0"/>
+            </a:schemeClr>
+          </a:solidFill>
+          <a:prstDash val="solid"/>
+        </a:ln>
+        <a:effectLst/>
+      </dsp:spPr>
+      <dsp:style>
+        <a:lnRef idx="2">
+          <a:scrgbClr r="0" g="0" b="0"/>
+        </a:lnRef>
+        <a:fillRef idx="1">
+          <a:scrgbClr r="0" g="0" b="0"/>
+        </a:fillRef>
+        <a:effectRef idx="0">
+          <a:scrgbClr r="0" g="0" b="0"/>
+        </a:effectRef>
+        <a:fontRef idx="minor">
+          <a:schemeClr val="lt1"/>
+        </a:fontRef>
+      </dsp:style>
+      <dsp:txBody>
+        <a:bodyPr spcFirstLastPara="0" vert="horz" wrap="square" lIns="49530" tIns="49530" rIns="49530" bIns="49530" numCol="1" spcCol="1270" anchor="ctr" anchorCtr="0">
+          <a:noAutofit/>
+        </a:bodyPr>
+        <a:lstStyle/>
+        <a:p>
+          <a:pPr lvl="0" algn="ctr" defTabSz="577850">
+            <a:lnSpc>
+              <a:spcPct val="90000"/>
+            </a:lnSpc>
+            <a:spcBef>
+              <a:spcPct val="0"/>
+            </a:spcBef>
+            <a:spcAft>
+              <a:spcPct val="35000"/>
+            </a:spcAft>
+          </a:pPr>
+          <a:r>
+            <a:rPr lang="fr-FR" sz="1300" kern="1200" dirty="0" smtClean="0"/>
+            <a:t>Réservation automatique ou avec confirmation</a:t>
+          </a:r>
+          <a:endParaRPr lang="fr-FR" sz="1300" kern="1200" dirty="0"/>
+        </a:p>
+      </dsp:txBody>
+      <dsp:txXfrm>
+        <a:off x="509867" y="2824761"/>
+        <a:ext cx="1350256" cy="790479"/>
+      </dsp:txXfrm>
+    </dsp:sp>
+    <dsp:sp modelId="{03889614-C7A1-4B03-82FF-851859E19CAF}">
+      <dsp:nvSpPr>
+        <dsp:cNvPr id="0" name=""/>
+        <dsp:cNvSpPr/>
+      </dsp:nvSpPr>
+      <dsp:spPr>
+        <a:xfrm>
+          <a:off x="2007867" y="3046470"/>
+          <a:ext cx="296681" cy="347061"/>
+        </a:xfrm>
+        <a:prstGeom prst="rightArrow">
+          <a:avLst>
+            <a:gd name="adj1" fmla="val 60000"/>
+            <a:gd name="adj2" fmla="val 50000"/>
+          </a:avLst>
+        </a:prstGeom>
+        <a:solidFill>
+          <a:schemeClr val="accent1">
+            <a:tint val="60000"/>
+            <a:hueOff val="0"/>
+            <a:satOff val="0"/>
+            <a:lumOff val="0"/>
+            <a:alphaOff val="0"/>
+          </a:schemeClr>
+        </a:solidFill>
+        <a:ln>
+          <a:noFill/>
+        </a:ln>
+        <a:effectLst/>
+      </dsp:spPr>
+      <dsp:style>
+        <a:lnRef idx="0">
+          <a:scrgbClr r="0" g="0" b="0"/>
+        </a:lnRef>
+        <a:fillRef idx="1">
+          <a:scrgbClr r="0" g="0" b="0"/>
+        </a:fillRef>
+        <a:effectRef idx="0">
+          <a:scrgbClr r="0" g="0" b="0"/>
+        </a:effectRef>
+        <a:fontRef idx="minor">
+          <a:schemeClr val="lt1"/>
+        </a:fontRef>
+      </dsp:style>
+      <dsp:txBody>
+        <a:bodyPr spcFirstLastPara="0" vert="horz" wrap="square" lIns="0" tIns="0" rIns="0" bIns="0" numCol="1" spcCol="1270" anchor="ctr" anchorCtr="0">
+          <a:noAutofit/>
+        </a:bodyPr>
+        <a:lstStyle/>
+        <a:p>
+          <a:pPr lvl="0" algn="ctr" defTabSz="488950">
+            <a:lnSpc>
+              <a:spcPct val="90000"/>
+            </a:lnSpc>
+            <a:spcBef>
+              <a:spcPct val="0"/>
+            </a:spcBef>
+            <a:spcAft>
+              <a:spcPct val="35000"/>
+            </a:spcAft>
+          </a:pPr>
+          <a:endParaRPr lang="fr-FR" sz="1100" kern="1200"/>
+        </a:p>
+      </dsp:txBody>
+      <dsp:txXfrm>
+        <a:off x="2007867" y="3115882"/>
+        <a:ext cx="207677" cy="208237"/>
+      </dsp:txXfrm>
+    </dsp:sp>
+    <dsp:sp modelId="{48BECE7F-788B-4C75-BA46-106ECE96F0CE}">
+      <dsp:nvSpPr>
+        <dsp:cNvPr id="0" name=""/>
+        <dsp:cNvSpPr/>
+      </dsp:nvSpPr>
+      <dsp:spPr>
+        <a:xfrm>
+          <a:off x="2444493" y="2800168"/>
+          <a:ext cx="1399442" cy="839665"/>
+        </a:xfrm>
+        <a:prstGeom prst="roundRect">
+          <a:avLst>
+            <a:gd name="adj" fmla="val 10000"/>
+          </a:avLst>
+        </a:prstGeom>
+        <a:solidFill>
+          <a:schemeClr val="accent1">
+            <a:hueOff val="0"/>
+            <a:satOff val="0"/>
+            <a:lumOff val="0"/>
+            <a:alphaOff val="0"/>
+          </a:schemeClr>
+        </a:solidFill>
+        <a:ln w="25400" cap="flat" cmpd="sng" algn="ctr">
+          <a:solidFill>
+            <a:schemeClr val="lt1">
+              <a:hueOff val="0"/>
+              <a:satOff val="0"/>
+              <a:lumOff val="0"/>
+              <a:alphaOff val="0"/>
+            </a:schemeClr>
+          </a:solidFill>
+          <a:prstDash val="solid"/>
+        </a:ln>
+        <a:effectLst/>
+      </dsp:spPr>
+      <dsp:style>
+        <a:lnRef idx="2">
+          <a:scrgbClr r="0" g="0" b="0"/>
+        </a:lnRef>
+        <a:fillRef idx="1">
+          <a:scrgbClr r="0" g="0" b="0"/>
+        </a:fillRef>
+        <a:effectRef idx="0">
+          <a:scrgbClr r="0" g="0" b="0"/>
+        </a:effectRef>
+        <a:fontRef idx="minor">
+          <a:schemeClr val="lt1"/>
+        </a:fontRef>
+      </dsp:style>
+      <dsp:txBody>
+        <a:bodyPr spcFirstLastPara="0" vert="horz" wrap="square" lIns="49530" tIns="49530" rIns="49530" bIns="49530" numCol="1" spcCol="1270" anchor="ctr" anchorCtr="0">
+          <a:noAutofit/>
+        </a:bodyPr>
+        <a:lstStyle/>
+        <a:p>
+          <a:pPr lvl="0" algn="ctr" defTabSz="577850">
+            <a:lnSpc>
+              <a:spcPct val="90000"/>
+            </a:lnSpc>
+            <a:spcBef>
+              <a:spcPct val="0"/>
+            </a:spcBef>
+            <a:spcAft>
+              <a:spcPct val="35000"/>
+            </a:spcAft>
+          </a:pPr>
+          <a:r>
+            <a:rPr lang="fr-FR" sz="1300" kern="1200" dirty="0" smtClean="0"/>
+            <a:t>Recommandation prix (+/-)</a:t>
+          </a:r>
+          <a:endParaRPr lang="fr-FR" sz="1300" kern="1200" dirty="0"/>
+        </a:p>
+      </dsp:txBody>
+      <dsp:txXfrm>
+        <a:off x="2469086" y="2824761"/>
+        <a:ext cx="1350256" cy="790479"/>
+      </dsp:txXfrm>
+    </dsp:sp>
+    <dsp:sp modelId="{6217E127-F263-4AB8-92F7-E09EDD0322A9}">
+      <dsp:nvSpPr>
+        <dsp:cNvPr id="0" name=""/>
+        <dsp:cNvSpPr/>
+      </dsp:nvSpPr>
+      <dsp:spPr>
+        <a:xfrm>
+          <a:off x="3967086" y="3046470"/>
+          <a:ext cx="296681" cy="347061"/>
+        </a:xfrm>
+        <a:prstGeom prst="rightArrow">
+          <a:avLst>
+            <a:gd name="adj1" fmla="val 60000"/>
+            <a:gd name="adj2" fmla="val 50000"/>
+          </a:avLst>
+        </a:prstGeom>
+        <a:solidFill>
+          <a:schemeClr val="accent1">
+            <a:tint val="60000"/>
+            <a:hueOff val="0"/>
+            <a:satOff val="0"/>
+            <a:lumOff val="0"/>
+            <a:alphaOff val="0"/>
+          </a:schemeClr>
+        </a:solidFill>
+        <a:ln>
+          <a:noFill/>
+        </a:ln>
+        <a:effectLst/>
+      </dsp:spPr>
+      <dsp:style>
+        <a:lnRef idx="0">
+          <a:scrgbClr r="0" g="0" b="0"/>
+        </a:lnRef>
+        <a:fillRef idx="1">
+          <a:scrgbClr r="0" g="0" b="0"/>
+        </a:fillRef>
+        <a:effectRef idx="0">
+          <a:scrgbClr r="0" g="0" b="0"/>
+        </a:effectRef>
+        <a:fontRef idx="minor">
+          <a:schemeClr val="lt1"/>
+        </a:fontRef>
+      </dsp:style>
+      <dsp:txBody>
+        <a:bodyPr spcFirstLastPara="0" vert="horz" wrap="square" lIns="0" tIns="0" rIns="0" bIns="0" numCol="1" spcCol="1270" anchor="ctr" anchorCtr="0">
+          <a:noAutofit/>
+        </a:bodyPr>
+        <a:lstStyle/>
+        <a:p>
+          <a:pPr lvl="0" algn="ctr" defTabSz="488950">
+            <a:lnSpc>
+              <a:spcPct val="90000"/>
+            </a:lnSpc>
+            <a:spcBef>
+              <a:spcPct val="0"/>
+            </a:spcBef>
+            <a:spcAft>
+              <a:spcPct val="35000"/>
+            </a:spcAft>
+          </a:pPr>
+          <a:endParaRPr lang="fr-FR" sz="1100" kern="1200"/>
+        </a:p>
+      </dsp:txBody>
+      <dsp:txXfrm>
+        <a:off x="3967086" y="3115882"/>
+        <a:ext cx="207677" cy="208237"/>
+      </dsp:txXfrm>
+    </dsp:sp>
+    <dsp:sp modelId="{C38D81B7-06FB-486B-A336-9CBC640821E8}">
+      <dsp:nvSpPr>
+        <dsp:cNvPr id="0" name=""/>
+        <dsp:cNvSpPr/>
+      </dsp:nvSpPr>
+      <dsp:spPr>
+        <a:xfrm>
+          <a:off x="4403712" y="2800168"/>
+          <a:ext cx="1399442" cy="839665"/>
+        </a:xfrm>
+        <a:prstGeom prst="roundRect">
+          <a:avLst>
+            <a:gd name="adj" fmla="val 10000"/>
+          </a:avLst>
+        </a:prstGeom>
+        <a:solidFill>
+          <a:schemeClr val="accent1">
+            <a:hueOff val="0"/>
+            <a:satOff val="0"/>
+            <a:lumOff val="0"/>
+            <a:alphaOff val="0"/>
+          </a:schemeClr>
+        </a:solidFill>
+        <a:ln w="25400" cap="flat" cmpd="sng" algn="ctr">
+          <a:solidFill>
+            <a:schemeClr val="lt1">
+              <a:hueOff val="0"/>
+              <a:satOff val="0"/>
+              <a:lumOff val="0"/>
+              <a:alphaOff val="0"/>
+            </a:schemeClr>
+          </a:solidFill>
+          <a:prstDash val="solid"/>
+        </a:ln>
+        <a:effectLst/>
+      </dsp:spPr>
+      <dsp:style>
+        <a:lnRef idx="2">
+          <a:scrgbClr r="0" g="0" b="0"/>
+        </a:lnRef>
+        <a:fillRef idx="1">
+          <a:scrgbClr r="0" g="0" b="0"/>
+        </a:fillRef>
+        <a:effectRef idx="0">
+          <a:scrgbClr r="0" g="0" b="0"/>
+        </a:effectRef>
+        <a:fontRef idx="minor">
+          <a:schemeClr val="lt1"/>
+        </a:fontRef>
+      </dsp:style>
+      <dsp:txBody>
+        <a:bodyPr spcFirstLastPara="0" vert="horz" wrap="square" lIns="49530" tIns="49530" rIns="49530" bIns="49530" numCol="1" spcCol="1270" anchor="ctr" anchorCtr="0">
+          <a:noAutofit/>
+        </a:bodyPr>
+        <a:lstStyle/>
+        <a:p>
+          <a:pPr lvl="0" algn="ctr" defTabSz="577850">
+            <a:lnSpc>
+              <a:spcPct val="90000"/>
+            </a:lnSpc>
+            <a:spcBef>
+              <a:spcPct val="0"/>
+            </a:spcBef>
+            <a:spcAft>
+              <a:spcPct val="35000"/>
+            </a:spcAft>
+          </a:pPr>
+          <a:r>
+            <a:rPr lang="fr-FR" sz="1300" kern="1200" dirty="0" smtClean="0"/>
+            <a:t>Trajet retour ?</a:t>
+          </a:r>
+          <a:endParaRPr lang="fr-FR" sz="1300" kern="1200" dirty="0"/>
+        </a:p>
+      </dsp:txBody>
+      <dsp:txXfrm>
+        <a:off x="4428305" y="2824761"/>
+        <a:ext cx="1350256" cy="790479"/>
+      </dsp:txXfrm>
+    </dsp:sp>
+    <dsp:sp modelId="{ADC7F966-B884-4BAD-88CD-FD7834EBADBD}">
+      <dsp:nvSpPr>
+        <dsp:cNvPr id="0" name=""/>
+        <dsp:cNvSpPr/>
+      </dsp:nvSpPr>
+      <dsp:spPr>
+        <a:xfrm>
+          <a:off x="5926305" y="3046470"/>
+          <a:ext cx="296681" cy="347061"/>
+        </a:xfrm>
+        <a:prstGeom prst="rightArrow">
+          <a:avLst>
+            <a:gd name="adj1" fmla="val 60000"/>
+            <a:gd name="adj2" fmla="val 50000"/>
+          </a:avLst>
+        </a:prstGeom>
+        <a:solidFill>
+          <a:schemeClr val="accent1">
+            <a:tint val="60000"/>
+            <a:hueOff val="0"/>
+            <a:satOff val="0"/>
+            <a:lumOff val="0"/>
+            <a:alphaOff val="0"/>
+          </a:schemeClr>
+        </a:solidFill>
+        <a:ln>
+          <a:noFill/>
+        </a:ln>
+        <a:effectLst/>
+      </dsp:spPr>
+      <dsp:style>
+        <a:lnRef idx="0">
+          <a:scrgbClr r="0" g="0" b="0"/>
+        </a:lnRef>
+        <a:fillRef idx="1">
+          <a:scrgbClr r="0" g="0" b="0"/>
+        </a:fillRef>
+        <a:effectRef idx="0">
+          <a:scrgbClr r="0" g="0" b="0"/>
+        </a:effectRef>
+        <a:fontRef idx="minor">
+          <a:schemeClr val="lt1"/>
+        </a:fontRef>
+      </dsp:style>
+      <dsp:txBody>
+        <a:bodyPr spcFirstLastPara="0" vert="horz" wrap="square" lIns="0" tIns="0" rIns="0" bIns="0" numCol="1" spcCol="1270" anchor="ctr" anchorCtr="0">
+          <a:noAutofit/>
+        </a:bodyPr>
+        <a:lstStyle/>
+        <a:p>
+          <a:pPr lvl="0" algn="ctr" defTabSz="488950">
+            <a:lnSpc>
+              <a:spcPct val="90000"/>
+            </a:lnSpc>
+            <a:spcBef>
+              <a:spcPct val="0"/>
+            </a:spcBef>
+            <a:spcAft>
+              <a:spcPct val="35000"/>
+            </a:spcAft>
+          </a:pPr>
+          <a:endParaRPr lang="fr-FR" sz="1100" kern="1200"/>
+        </a:p>
+      </dsp:txBody>
+      <dsp:txXfrm>
+        <a:off x="5926305" y="3115882"/>
+        <a:ext cx="207677" cy="208237"/>
+      </dsp:txXfrm>
+    </dsp:sp>
+    <dsp:sp modelId="{03BF4627-490D-43F0-8758-F239292C9CF9}">
+      <dsp:nvSpPr>
+        <dsp:cNvPr id="0" name=""/>
+        <dsp:cNvSpPr/>
+      </dsp:nvSpPr>
+      <dsp:spPr>
+        <a:xfrm>
+          <a:off x="6362931" y="2800168"/>
+          <a:ext cx="1399442" cy="839665"/>
+        </a:xfrm>
+        <a:prstGeom prst="roundRect">
+          <a:avLst>
+            <a:gd name="adj" fmla="val 10000"/>
+          </a:avLst>
+        </a:prstGeom>
+        <a:solidFill>
+          <a:schemeClr val="accent1">
+            <a:hueOff val="0"/>
+            <a:satOff val="0"/>
+            <a:lumOff val="0"/>
+            <a:alphaOff val="0"/>
+          </a:schemeClr>
+        </a:solidFill>
+        <a:ln w="25400" cap="flat" cmpd="sng" algn="ctr">
+          <a:solidFill>
+            <a:schemeClr val="lt1">
+              <a:hueOff val="0"/>
+              <a:satOff val="0"/>
+              <a:lumOff val="0"/>
+              <a:alphaOff val="0"/>
+            </a:schemeClr>
+          </a:solidFill>
+          <a:prstDash val="solid"/>
+        </a:ln>
+        <a:effectLst/>
+      </dsp:spPr>
+      <dsp:style>
+        <a:lnRef idx="2">
+          <a:scrgbClr r="0" g="0" b="0"/>
+        </a:lnRef>
+        <a:fillRef idx="1">
+          <a:scrgbClr r="0" g="0" b="0"/>
+        </a:fillRef>
+        <a:effectRef idx="0">
+          <a:scrgbClr r="0" g="0" b="0"/>
+        </a:effectRef>
+        <a:fontRef idx="minor">
+          <a:schemeClr val="lt1"/>
+        </a:fontRef>
+      </dsp:style>
+      <dsp:txBody>
+        <a:bodyPr spcFirstLastPara="0" vert="horz" wrap="square" lIns="49530" tIns="49530" rIns="49530" bIns="49530" numCol="1" spcCol="1270" anchor="ctr" anchorCtr="0">
+          <a:noAutofit/>
+        </a:bodyPr>
+        <a:lstStyle/>
+        <a:p>
+          <a:pPr lvl="0" algn="ctr" defTabSz="577850">
+            <a:lnSpc>
+              <a:spcPct val="90000"/>
+            </a:lnSpc>
+            <a:spcBef>
+              <a:spcPct val="0"/>
+            </a:spcBef>
+            <a:spcAft>
+              <a:spcPct val="35000"/>
+            </a:spcAft>
+          </a:pPr>
+          <a:r>
+            <a:rPr lang="fr-FR" sz="1300" kern="1200" dirty="0" smtClean="0"/>
+            <a:t>Proposition assurance</a:t>
+          </a:r>
+          <a:endParaRPr lang="fr-FR" sz="1300" kern="1200" dirty="0"/>
+        </a:p>
+      </dsp:txBody>
+      <dsp:txXfrm>
+        <a:off x="6387524" y="2824761"/>
+        <a:ext cx="1350256" cy="790479"/>
+      </dsp:txXfrm>
+    </dsp:sp>
+    <dsp:sp modelId="{6FDC4853-6F8A-4AE4-9C89-AE1A8B8EB19F}">
+      <dsp:nvSpPr>
+        <dsp:cNvPr id="0" name=""/>
+        <dsp:cNvSpPr/>
+      </dsp:nvSpPr>
+      <dsp:spPr>
+        <a:xfrm rot="5400000">
+          <a:off x="6914311" y="3737794"/>
+          <a:ext cx="296681" cy="347061"/>
+        </a:xfrm>
+        <a:prstGeom prst="rightArrow">
+          <a:avLst>
+            <a:gd name="adj1" fmla="val 60000"/>
+            <a:gd name="adj2" fmla="val 50000"/>
+          </a:avLst>
+        </a:prstGeom>
+        <a:solidFill>
+          <a:schemeClr val="accent1">
+            <a:tint val="60000"/>
+            <a:hueOff val="0"/>
+            <a:satOff val="0"/>
+            <a:lumOff val="0"/>
+            <a:alphaOff val="0"/>
+          </a:schemeClr>
+        </a:solidFill>
+        <a:ln>
+          <a:noFill/>
+        </a:ln>
+        <a:effectLst/>
+      </dsp:spPr>
+      <dsp:style>
+        <a:lnRef idx="0">
+          <a:scrgbClr r="0" g="0" b="0"/>
+        </a:lnRef>
+        <a:fillRef idx="1">
+          <a:scrgbClr r="0" g="0" b="0"/>
+        </a:fillRef>
+        <a:effectRef idx="0">
+          <a:scrgbClr r="0" g="0" b="0"/>
+        </a:effectRef>
+        <a:fontRef idx="minor">
+          <a:schemeClr val="lt1"/>
+        </a:fontRef>
+      </dsp:style>
+      <dsp:txBody>
+        <a:bodyPr spcFirstLastPara="0" vert="horz" wrap="square" lIns="0" tIns="0" rIns="0" bIns="0" numCol="1" spcCol="1270" anchor="ctr" anchorCtr="0">
+          <a:noAutofit/>
+        </a:bodyPr>
+        <a:lstStyle/>
+        <a:p>
+          <a:pPr lvl="0" algn="ctr" defTabSz="488950">
+            <a:lnSpc>
+              <a:spcPct val="90000"/>
+            </a:lnSpc>
+            <a:spcBef>
+              <a:spcPct val="0"/>
+            </a:spcBef>
+            <a:spcAft>
+              <a:spcPct val="35000"/>
+            </a:spcAft>
+          </a:pPr>
+          <a:endParaRPr lang="fr-FR" sz="1100" kern="1200"/>
+        </a:p>
+      </dsp:txBody>
+      <dsp:txXfrm rot="-5400000">
+        <a:off x="6958533" y="3762984"/>
+        <a:ext cx="208237" cy="207677"/>
+      </dsp:txXfrm>
+    </dsp:sp>
+    <dsp:sp modelId="{2A1CCF0C-5003-42FC-9BCD-4ECD722E8E2A}">
+      <dsp:nvSpPr>
+        <dsp:cNvPr id="0" name=""/>
+        <dsp:cNvSpPr/>
+      </dsp:nvSpPr>
+      <dsp:spPr>
+        <a:xfrm>
+          <a:off x="6362931" y="4199610"/>
+          <a:ext cx="1399442" cy="839665"/>
+        </a:xfrm>
+        <a:prstGeom prst="roundRect">
+          <a:avLst>
+            <a:gd name="adj" fmla="val 10000"/>
+          </a:avLst>
+        </a:prstGeom>
+        <a:solidFill>
+          <a:schemeClr val="accent1">
+            <a:hueOff val="0"/>
+            <a:satOff val="0"/>
+            <a:lumOff val="0"/>
+            <a:alphaOff val="0"/>
+          </a:schemeClr>
+        </a:solidFill>
+        <a:ln w="25400" cap="flat" cmpd="sng" algn="ctr">
+          <a:solidFill>
+            <a:schemeClr val="lt1">
+              <a:hueOff val="0"/>
+              <a:satOff val="0"/>
+              <a:lumOff val="0"/>
+              <a:alphaOff val="0"/>
+            </a:schemeClr>
+          </a:solidFill>
+          <a:prstDash val="solid"/>
+        </a:ln>
+        <a:effectLst/>
+      </dsp:spPr>
+      <dsp:style>
+        <a:lnRef idx="2">
+          <a:scrgbClr r="0" g="0" b="0"/>
+        </a:lnRef>
+        <a:fillRef idx="1">
+          <a:scrgbClr r="0" g="0" b="0"/>
+        </a:fillRef>
+        <a:effectRef idx="0">
+          <a:scrgbClr r="0" g="0" b="0"/>
+        </a:effectRef>
+        <a:fontRef idx="minor">
+          <a:schemeClr val="lt1"/>
+        </a:fontRef>
+      </dsp:style>
+      <dsp:txBody>
+        <a:bodyPr spcFirstLastPara="0" vert="horz" wrap="square" lIns="49530" tIns="49530" rIns="49530" bIns="49530" numCol="1" spcCol="1270" anchor="ctr" anchorCtr="0">
+          <a:noAutofit/>
+        </a:bodyPr>
+        <a:lstStyle/>
+        <a:p>
+          <a:pPr lvl="0" algn="ctr" defTabSz="577850">
+            <a:lnSpc>
+              <a:spcPct val="90000"/>
+            </a:lnSpc>
+            <a:spcBef>
+              <a:spcPct val="0"/>
+            </a:spcBef>
+            <a:spcAft>
+              <a:spcPct val="35000"/>
+            </a:spcAft>
+          </a:pPr>
+          <a:r>
+            <a:rPr lang="fr-FR" sz="1300" kern="1200" dirty="0" smtClean="0"/>
+            <a:t>Message conducteur</a:t>
+          </a:r>
+          <a:endParaRPr lang="fr-FR" sz="1300" kern="1200" dirty="0"/>
+        </a:p>
+      </dsp:txBody>
+      <dsp:txXfrm>
+        <a:off x="6387524" y="4224203"/>
+        <a:ext cx="1350256" cy="790479"/>
+      </dsp:txXfrm>
+    </dsp:sp>
+  </dsp:spTree>
+</dsp:drawing>
+</file>
+
+<file path=ppt/diagrams/layout1.xml><?xml version="1.0" encoding="utf-8"?>
+<dgm:layoutDef xmlns:dgm="http://schemas.openxmlformats.org/drawingml/2006/diagram" xmlns:a="http://schemas.openxmlformats.org/drawingml/2006/main" uniqueId="urn:microsoft.com/office/officeart/2005/8/layout/process5">
+  <dgm:title val=""/>
+  <dgm:desc val=""/>
+  <dgm:catLst>
+    <dgm:cat type="process" pri="17000"/>
+  </dgm:catLst>
+  <dgm:sampData>
+    <dgm:dataModel>
+      <dgm:ptLst>
+        <dgm:pt modelId="0" type="doc"/>
+        <dgm:pt modelId="1">
+          <dgm:prSet phldr="1"/>
+        </dgm:pt>
+        <dgm:pt modelId="2">
+          <dgm:prSet phldr="1"/>
+        </dgm:pt>
+        <dgm:pt modelId="3">
+          <dgm:prSet phldr="1"/>
+        </dgm:pt>
+        <dgm:pt modelId="4">
+          <dgm:prSet phldr="1"/>
+        </dgm:pt>
+        <dgm:pt modelId="5">
+          <dgm:prSet phldr="1"/>
+        </dgm:pt>
+      </dgm:ptLst>
+      <dgm:cxnLst>
+        <dgm:cxn modelId="7" srcId="0" destId="1" srcOrd="0" destOrd="0"/>
+        <dgm:cxn modelId="8" srcId="0" destId="2" srcOrd="1" destOrd="0"/>
+        <dgm:cxn modelId="9" srcId="0" destId="3" srcOrd="2" destOrd="0"/>
+        <dgm:cxn modelId="10" srcId="0" destId="4" srcOrd="3" destOrd="0"/>
+        <dgm:cxn modelId="11" srcId="0" destId="5" srcOrd="4" destOrd="0"/>
+      </dgm:cxnLst>
+      <dgm:bg/>
+      <dgm:whole/>
+    </dgm:dataModel>
+  </dgm:sampData>
+  <dgm:styleData>
+    <dgm:dataModel>
+      <dgm:ptLst>
+        <dgm:pt modelId="0" type="doc"/>
+        <dgm:pt modelId="1"/>
+        <dgm:pt modelId="2"/>
+      </dgm:ptLst>
+      <dgm:cxnLst>
+        <dgm:cxn modelId="3" srcId="0" destId="1" srcOrd="0" destOrd="0"/>
+        <dgm:cxn modelId="4" srcId="0" destId="2" srcOrd="1" destOrd="0"/>
+      </dgm:cxnLst>
+      <dgm:bg/>
+      <dgm:whole/>
+    </dgm:dataModel>
+  </dgm:styleData>
+  <dgm:clrData>
+    <dgm:dataModel>
+      <dgm:ptLst>
+        <dgm:pt modelId="0" type="doc"/>
+        <dgm:pt modelId="1"/>
+        <dgm:pt modelId="2"/>
+        <dgm:pt modelId="3"/>
+        <dgm:pt modelId="4"/>
+      </dgm:ptLst>
+      <dgm:cxnLst>
+        <dgm:cxn modelId="5" srcId="0" destId="1" srcOrd="0" destOrd="0"/>
+        <dgm:cxn modelId="6" srcId="0" destId="2" srcOrd="1" destOrd="0"/>
+        <dgm:cxn modelId="7" srcId="0" destId="3" srcOrd="2" destOrd="0"/>
+        <dgm:cxn modelId="8" srcId="0" destId="4" srcOrd="3" destOrd="0"/>
+      </dgm:cxnLst>
+      <dgm:bg/>
+      <dgm:whole/>
+    </dgm:dataModel>
+  </dgm:clrData>
+  <dgm:layoutNode name="diagram">
+    <dgm:varLst>
+      <dgm:dir/>
+      <dgm:resizeHandles val="exact"/>
+    </dgm:varLst>
+    <dgm:choose name="Name0">
+      <dgm:if name="Name1" axis="self" func="var" arg="dir" op="equ" val="norm">
+        <dgm:alg type="snake">
+          <dgm:param type="grDir" val="tL"/>
+          <dgm:param type="flowDir" val="row"/>
+          <dgm:param type="contDir" val="revDir"/>
+          <dgm:param type="bkpt" val="endCnv"/>
+        </dgm:alg>
+      </dgm:if>
+      <dgm:else name="Name2">
+        <dgm:alg type="snake">
+          <dgm:param type="grDir" val="tR"/>
+          <dgm:param type="flowDir" val="row"/>
+          <dgm:param type="contDir" val="revDir"/>
+          <dgm:param type="bkpt" val="endCnv"/>
+        </dgm:alg>
+      </dgm:else>
+    </dgm:choose>
+    <dgm:shape xmlns:r="http://schemas.openxmlformats.org/officeDocument/2006/relationships" r:blip="">
+      <dgm:adjLst/>
+    </dgm:shape>
+    <dgm:presOf/>
+    <dgm:constrLst>
+      <dgm:constr type="w" for="ch" ptType="node" refType="w"/>
+      <dgm:constr type="w" for="ch" forName="sibTrans" refType="w" refFor="ch" refPtType="node" op="equ" fact="0.4"/>
+      <dgm:constr type="sp" refType="w" refFor="ch" refForName="sibTrans" op="equ"/>
+      <dgm:constr type="primFontSz" for="ch" ptType="node" op="equ" val="65"/>
+      <dgm:constr type="primFontSz" for="des" forName="connectorText" op="equ" val="55"/>
+      <dgm:constr type="primFontSz" for="des" forName="connectorText" refType="primFontSz" refFor="ch" refPtType="node" op="lte" fact="0.8"/>
+    </dgm:constrLst>
+    <dgm:ruleLst/>
+    <dgm:forEach name="nodesForEach" axis="ch" ptType="node">
+      <dgm:layoutNode name="node">
+        <dgm:varLst>
+          <dgm:bulletEnabled val="1"/>
+        </dgm:varLst>
+        <dgm:alg type="tx"/>
+        <dgm:shape xmlns:r="http://schemas.openxmlformats.org/officeDocument/2006/relationships" type="roundRect" r:blip="">
+          <dgm:adjLst>
+            <dgm:adj idx="1" val="0.1"/>
+          </dgm:adjLst>
+        </dgm:shape>
+        <dgm:presOf axis="desOrSelf" ptType="node"/>
+        <dgm:constrLst>
+          <dgm:constr type="h" refType="w" fact="0.6"/>
+          <dgm:constr type="tMarg" refType="primFontSz" fact="0.3"/>
+          <dgm:constr type="bMarg" refType="primFontSz" fact="0.3"/>
+          <dgm:constr type="lMarg" refType="primFontSz" fact="0.3"/>
+          <dgm:constr type="rMarg" refType="primFontSz" fact="0.3"/>
+        </dgm:constrLst>
+        <dgm:ruleLst>
+          <dgm:rule type="primFontSz" val="5" fact="NaN" max="NaN"/>
+        </dgm:ruleLst>
+      </dgm:layoutNode>
+      <dgm:forEach name="sibTransForEach" axis="followSib" ptType="sibTrans" cnt="1">
+        <dgm:layoutNode name="sibTrans">
+          <dgm:alg type="conn">
+            <dgm:param type="begPts" val="auto"/>
+            <dgm:param type="endPts" val="auto"/>
+          </dgm:alg>
+          <dgm:shape xmlns:r="http://schemas.openxmlformats.org/officeDocument/2006/relationships" type="conn" r:blip="">
+            <dgm:adjLst/>
+          </dgm:shape>
+          <dgm:presOf axis="self"/>
+          <dgm:constrLst>
+            <dgm:constr type="h" refType="w" fact="0.62"/>
+            <dgm:constr type="connDist"/>
+          </dgm:constrLst>
+          <dgm:ruleLst/>
+          <dgm:layoutNode name="connectorText">
+            <dgm:alg type="tx">
+              <dgm:param type="autoTxRot" val="upr"/>
+            </dgm:alg>
+            <dgm:shape xmlns:r="http://schemas.openxmlformats.org/officeDocument/2006/relationships" type="conn" r:blip="" hideGeom="1">
+              <dgm:adjLst/>
+            </dgm:shape>
+            <dgm:presOf axis="self"/>
+            <dgm:constrLst>
+              <dgm:constr type="lMarg"/>
+              <dgm:constr type="rMarg"/>
+              <dgm:constr type="tMarg"/>
+              <dgm:constr type="bMarg"/>
+            </dgm:constrLst>
+            <dgm:ruleLst>
+              <dgm:rule type="primFontSz" val="5" fact="NaN" max="NaN"/>
+            </dgm:ruleLst>
+          </dgm:layoutNode>
+        </dgm:layoutNode>
+      </dgm:forEach>
+    </dgm:forEach>
+  </dgm:layoutNode>
+</dgm:layoutDef>
+</file>
+
+<file path=ppt/diagrams/quickStyle1.xml><?xml version="1.0" encoding="utf-8"?>
+<dgm:styleDef xmlns:dgm="http://schemas.openxmlformats.org/drawingml/2006/diagram" xmlns:a="http://schemas.openxmlformats.org/drawingml/2006/main" uniqueId="urn:microsoft.com/office/officeart/2005/8/quickstyle/simple1">
+  <dgm:title val=""/>
+  <dgm:desc val=""/>
+  <dgm:catLst>
+    <dgm:cat type="simple" pri="10100"/>
+  </dgm:catLst>
+  <dgm:scene3d>
+    <a:camera prst="orthographicFront"/>
+    <a:lightRig rig="threePt" dir="t"/>
+  </dgm:scene3d>
+  <dgm:styleLbl name="node0">
+    <dgm:scene3d>
+      <a:camera prst="orthographicFront"/>
+      <a:lightRig rig="threePt" dir="t"/>
+    </dgm:scene3d>
+    <dgm:sp3d/>
+    <dgm:txPr/>
+    <dgm:style>
+      <a:lnRef idx="2">
+        <a:scrgbClr r="0" g="0" b="0"/>
+      </a:lnRef>
+      <a:fillRef idx="1">
+        <a:scrgbClr r="0" g="0" b="0"/>
+      </a:fillRef>
+      <a:effectRef idx="0">
+        <a:scrgbClr r="0" g="0" b="0"/>
+      </a:effectRef>
+      <a:fontRef idx="minor">
+        <a:schemeClr val="lt1"/>
+      </a:fontRef>
+    </dgm:style>
+  </dgm:styleLbl>
+  <dgm:styleLbl name="lnNode1">
+    <dgm:scene3d>
+      <a:camera prst="orthographicFront"/>
+      <a:lightRig rig="threePt" dir="t"/>
+    </dgm:scene3d>
+    <dgm:sp3d/>
+    <dgm:txPr/>
+    <dgm:style>
+      <a:lnRef idx="2">
+        <a:scrgbClr r="0" g="0" b="0"/>
+      </a:lnRef>
+      <a:fillRef idx="1">
+        <a:scrgbClr r="0" g="0" b="0"/>
+      </a:fillRef>
+      <a:effectRef idx="0">
+        <a:scrgbClr r="0" g="0" b="0"/>
+      </a:effectRef>
+      <a:fontRef idx="minor">
+        <a:schemeClr val="lt1"/>
+      </a:fontRef>
+    </dgm:style>
+  </dgm:styleLbl>
+  <dgm:styleLbl name="vennNode1">
+    <dgm:scene3d>
+      <a:camera prst="orthographicFront"/>
+      <a:lightRig rig="threePt" dir="t"/>
+    </dgm:scene3d>
+    <dgm:sp3d/>
+    <dgm:txPr/>
+    <dgm:style>
+      <a:lnRef idx="2">
+        <a:scrgbClr r="0" g="0" b="0"/>
+      </a:lnRef>
+      <a:fillRef idx="1">
+        <a:scrgbClr r="0" g="0" b="0"/>
+      </a:fillRef>
+      <a:effectRef idx="0">
+        <a:scrgbClr r="0" g="0" b="0"/>
+      </a:effectRef>
+      <a:fontRef idx="minor">
+        <a:schemeClr val="tx1"/>
+      </a:fontRef>
+    </dgm:style>
+  </dgm:styleLbl>
+  <dgm:styleLbl name="alignNode1">
+    <dgm:scene3d>
+      <a:camera prst="orthographicFront"/>
+      <a:lightRig rig="threePt" dir="t"/>
+    </dgm:scene3d>
+    <dgm:sp3d/>
+    <dgm:txPr/>
+    <dgm:style>
+      <a:lnRef idx="2">
+        <a:scrgbClr r="0" g="0" b="0"/>
+      </a:lnRef>
+      <a:fillRef idx="1">
+        <a:scrgbClr r="0" g="0" b="0"/>
+      </a:fillRef>
+      <a:effectRef idx="0">
+        <a:scrgbClr r="0" g="0" b="0"/>
+      </a:effectRef>
+      <a:fontRef idx="minor">
+        <a:schemeClr val="lt1"/>
+      </a:fontRef>
+    </dgm:style>
+  </dgm:styleLbl>
+  <dgm:styleLbl name="node1">
+    <dgm:scene3d>
+      <a:camera prst="orthographicFront"/>
+      <a:lightRig rig="threePt" dir="t"/>
+    </dgm:scene3d>
+    <dgm:sp3d/>
+    <dgm:txPr/>
+    <dgm:style>
+      <a:lnRef idx="2">
+        <a:scrgbClr r="0" g="0" b="0"/>
+      </a:lnRef>
+      <a:fillRef idx="1">
+        <a:scrgbClr r="0" g="0" b="0"/>
+      </a:fillRef>
+      <a:effectRef idx="0">
+        <a:scrgbClr r="0" g="0" b="0"/>
+      </a:effectRef>
+      <a:fontRef idx="minor">
+        <a:schemeClr val="lt1"/>
+      </a:fontRef>
+    </dgm:style>
+  </dgm:styleLbl>
+  <dgm:styleLbl name="node2">
+    <dgm:scene3d>
+      <a:camera prst="orthographicFront"/>
+      <a:lightRig rig="threePt" dir="t"/>
+    </dgm:scene3d>
+    <dgm:sp3d/>
+    <dgm:txPr/>
+    <dgm:style>
+      <a:lnRef idx="2">
+        <a:scrgbClr r="0" g="0" b="0"/>
+      </a:lnRef>
+      <a:fillRef idx="1">
+        <a:scrgbClr r="0" g="0" b="0"/>
+      </a:fillRef>
+      <a:effectRef idx="0">
+        <a:scrgbClr r="0" g="0" b="0"/>
+      </a:effectRef>
+      <a:fontRef idx="minor">
+        <a:schemeClr val="lt1"/>
+      </a:fontRef>
+    </dgm:style>
+  </dgm:styleLbl>
+  <dgm:styleLbl name="node3">
+    <dgm:scene3d>
+      <a:camera prst="orthographicFront"/>
+      <a:lightRig rig="threePt" dir="t"/>
+    </dgm:scene3d>
+    <dgm:sp3d/>
+    <dgm:txPr/>
+    <dgm:style>
+      <a:lnRef idx="2">
+        <a:scrgbClr r="0" g="0" b="0"/>
+      </a:lnRef>
+      <a:fillRef idx="1">
+        <a:scrgbClr r="0" g="0" b="0"/>
+      </a:fillRef>
+      <a:effectRef idx="0">
+        <a:scrgbClr r="0" g="0" b="0"/>
+      </a:effectRef>
+      <a:fontRef idx="minor">
+        <a:schemeClr val="lt1"/>
+      </a:fontRef>
+    </dgm:style>
+  </dgm:styleLbl>
+  <dgm:styleLbl name="node4">
+    <dgm:scene3d>
+      <a:camera prst="orthographicFront"/>
+      <a:lightRig rig="threePt" dir="t"/>
+    </dgm:scene3d>
+    <dgm:sp3d/>
+    <dgm:txPr/>
+    <dgm:style>
+      <a:lnRef idx="2">
+        <a:scrgbClr r="0" g="0" b="0"/>
+      </a:lnRef>
+      <a:fillRef idx="1">
+        <a:scrgbClr r="0" g="0" b="0"/>
+      </a:fillRef>
+      <a:effectRef idx="0">
+        <a:scrgbClr r="0" g="0" b="0"/>
+      </a:effectRef>
+      <a:fontRef idx="minor">
+        <a:schemeClr val="lt1"/>
+      </a:fontRef>
+    </dgm:style>
+  </dgm:styleLbl>
+  <dgm:styleLbl name="fgImgPlace1">
+    <dgm:scene3d>
+      <a:camera prst="orthographicFront"/>
+      <a:lightRig rig="threePt" dir="t"/>
+    </dgm:scene3d>
+    <dgm:sp3d/>
+    <dgm:txPr/>
+    <dgm:style>
+      <a:lnRef idx="2">
+        <a:scrgbClr r="0" g="0" b="0"/>
+      </a:lnRef>
+      <a:fillRef idx="1">
+        <a:scrgbClr r="0" g="0" b="0"/>
+      </a:fillRef>
+      <a:effectRef idx="0">
+        <a:scrgbClr r="0" g="0" b="0"/>
+      </a:effectRef>
+      <a:fontRef idx="minor"/>
+    </dgm:style>
+  </dgm:styleLbl>
+  <dgm:styleLbl name="alignImgPlace1">
+    <dgm:scene3d>
+      <a:camera prst="orthographicFront"/>
+      <a:lightRig rig="threePt" dir="t"/>
+    </dgm:scene3d>
+    <dgm:sp3d/>
+    <dgm:txPr/>
+    <dgm:style>
+      <a:lnRef idx="2">
+        <a:scrgbClr r="0" g="0" b="0"/>
+      </a:lnRef>
+      <a:fillRef idx="1">
+        <a:scrgbClr r="0" g="0" b="0"/>
+      </a:fillRef>
+      <a:effectRef idx="0">
+        <a:scrgbClr r="0" g="0" b="0"/>
+      </a:effectRef>
+      <a:fontRef idx="minor"/>
+    </dgm:style>
+  </dgm:styleLbl>
+  <dgm:styleLbl name="bgImgPlace1">
+    <dgm:scene3d>
+      <a:camera prst="orthographicFront"/>
+      <a:lightRig rig="threePt" dir="t"/>
+    </dgm:scene3d>
+    <dgm:sp3d/>
+    <dgm:txPr/>
+    <dgm:style>
+      <a:lnRef idx="2">
+        <a:scrgbClr r="0" g="0" b="0"/>
+      </a:lnRef>
+      <a:fillRef idx="1">
+        <a:scrgbClr r="0" g="0" b="0"/>
+      </a:fillRef>
+      <a:effectRef idx="0">
+        <a:scrgbClr r="0" g="0" b="0"/>
+      </a:effectRef>
+      <a:fontRef idx="minor"/>
+    </dgm:style>
+  </dgm:styleLbl>
+  <dgm:styleLbl name="sibTrans2D1">
+    <dgm:scene3d>
+      <a:camera prst="orthographicFront"/>
+      <a:lightRig rig="threePt" dir="t"/>
+    </dgm:scene3d>
+    <dgm:sp3d/>
+    <dgm:txPr/>
+    <dgm:style>
+      <a:lnRef idx="0">
+        <a:scrgbClr r="0" g="0" b="0"/>
+      </a:lnRef>
+      <a:fillRef idx="1">
+        <a:scrgbClr r="0" g="0" b="0"/>
+      </a:fillRef>
+      <a:effectRef idx="0">
+        <a:scrgbClr r="0" g="0" b="0"/>
+      </a:effectRef>
+      <a:fontRef idx="minor">
+        <a:schemeClr val="lt1"/>
+      </a:fontRef>
+    </dgm:style>
+  </dgm:styleLbl>
+  <dgm:styleLbl name="fgSibTrans2D1">
+    <dgm:scene3d>
+      <a:camera prst="orthographicFront"/>
+      <a:lightRig rig="threePt" dir="t"/>
+    </dgm:scene3d>
+    <dgm:sp3d/>
+    <dgm:txPr/>
+    <dgm:style>
+      <a:lnRef idx="0">
+        <a:scrgbClr r="0" g="0" b="0"/>
+      </a:lnRef>
+      <a:fillRef idx="1">
+        <a:scrgbClr r="0" g="0" b="0"/>
+      </a:fillRef>
+      <a:effectRef idx="0">
+        <a:scrgbClr r="0" g="0" b="0"/>
+      </a:effectRef>
+      <a:fontRef idx="minor">
+        <a:schemeClr val="lt1"/>
+      </a:fontRef>
+    </dgm:style>
+  </dgm:styleLbl>
+  <dgm:styleLbl name="bgSibTrans2D1">
+    <dgm:scene3d>
+      <a:camera prst="orthographicFront"/>
+      <a:lightRig rig="threePt" dir="t"/>
+    </dgm:scene3d>
+    <dgm:sp3d/>
+    <dgm:txPr/>
+    <dgm:style>
+      <a:lnRef idx="0">
+        <a:scrgbClr r="0" g="0" b="0"/>
+      </a:lnRef>
+      <a:fillRef idx="1">
+        <a:scrgbClr r="0" g="0" b="0"/>
+      </a:fillRef>
+      <a:effectRef idx="0">
+        <a:scrgbClr r="0" g="0" b="0"/>
+      </a:effectRef>
+      <a:fontRef idx="minor">
+        <a:schemeClr val="lt1"/>
+      </a:fontRef>
+    </dgm:style>
+  </dgm:styleLbl>
+  <dgm:styleLbl name="sibTrans1D1">
+    <dgm:scene3d>
+      <a:camera prst="orthographicFront"/>
+      <a:lightRig rig="threePt" dir="t"/>
+    </dgm:scene3d>
+    <dgm:sp3d/>
+    <dgm:txPr/>
+    <dgm:style>
+      <a:lnRef idx="1">
+        <a:scrgbClr r="0" g="0" b="0"/>
+      </a:lnRef>
+      <a:fillRef idx="0">
+        <a:scrgbClr r="0" g="0" b="0"/>
+      </a:fillRef>
+      <a:effectRef idx="0">
+        <a:scrgbClr r="0" g="0" b="0"/>
+      </a:effectRef>
+      <a:fontRef idx="minor"/>
+    </dgm:style>
+  </dgm:styleLbl>
+  <dgm:styleLbl name="callout">
+    <dgm:scene3d>
+      <a:camera prst="orthographicFront"/>
+      <a:lightRig rig="threePt" dir="t"/>
+    </dgm:scene3d>
+    <dgm:sp3d/>
+    <dgm:txPr/>
+    <dgm:style>
+      <a:lnRef idx="2">
+        <a:scrgbClr r="0" g="0" b="0"/>
+      </a:lnRef>
+      <a:fillRef idx="1">
+        <a:scrgbClr r="0" g="0" b="0"/>
+      </a:fillRef>
+      <a:effectRef idx="0">
+        <a:scrgbClr r="0" g="0" b="0"/>
+      </a:effectRef>
+      <a:fontRef idx="minor"/>
+    </dgm:style>
+  </dgm:styleLbl>
+  <dgm:styleLbl name="asst0">
+    <dgm:scene3d>
+      <a:camera prst="orthographicFront"/>
+      <a:lightRig rig="threePt" dir="t"/>
+    </dgm:scene3d>
+    <dgm:sp3d/>
+    <dgm:txPr/>
+    <dgm:style>
+      <a:lnRef idx="2">
+        <a:scrgbClr r="0" g="0" b="0"/>
+      </a:lnRef>
+      <a:fillRef idx="1">
+        <a:scrgbClr r="0" g="0" b="0"/>
+      </a:fillRef>
+      <a:effectRef idx="0">
+        <a:scrgbClr r="0" g="0" b="0"/>
+      </a:effectRef>
+      <a:fontRef idx="minor">
+        <a:schemeClr val="lt1"/>
+      </a:fontRef>
+    </dgm:style>
+  </dgm:styleLbl>
+  <dgm:styleLbl name="asst1">
+    <dgm:scene3d>
+      <a:camera prst="orthographicFront"/>
+      <a:lightRig rig="threePt" dir="t"/>
+    </dgm:scene3d>
+    <dgm:sp3d/>
+    <dgm:txPr/>
+    <dgm:style>
+      <a:lnRef idx="2">
+        <a:scrgbClr r="0" g="0" b="0"/>
+      </a:lnRef>
+      <a:fillRef idx="1">
+        <a:scrgbClr r="0" g="0" b="0"/>
+      </a:fillRef>
+      <a:effectRef idx="0">
+        <a:scrgbClr r="0" g="0" b="0"/>
+      </a:effectRef>
+      <a:fontRef idx="minor">
+        <a:schemeClr val="lt1"/>
+      </a:fontRef>
+    </dgm:style>
+  </dgm:styleLbl>
+  <dgm:styleLbl name="asst2">
+    <dgm:scene3d>
+      <a:camera prst="orthographicFront"/>
+      <a:lightRig rig="threePt" dir="t"/>
+    </dgm:scene3d>
+    <dgm:sp3d/>
+    <dgm:txPr/>
+    <dgm:style>
+      <a:lnRef idx="2">
+        <a:scrgbClr r="0" g="0" b="0"/>
+      </a:lnRef>
+      <a:fillRef idx="1">
+        <a:scrgbClr r="0" g="0" b="0"/>
+      </a:fillRef>
+      <a:effectRef idx="0">
+        <a:scrgbClr r="0" g="0" b="0"/>
+      </a:effectRef>
+      <a:fontRef idx="minor">
+        <a:schemeClr val="lt1"/>
+      </a:fontRef>
+    </dgm:style>
+  </dgm:styleLbl>
+  <dgm:styleLbl name="asst3">
+    <dgm:scene3d>
+      <a:camera prst="orthographicFront"/>
+      <a:lightRig rig="threePt" dir="t"/>
+    </dgm:scene3d>
+    <dgm:sp3d/>
+    <dgm:txPr/>
+    <dgm:style>
+      <a:lnRef idx="2">
+        <a:scrgbClr r="0" g="0" b="0"/>
+      </a:lnRef>
+      <a:fillRef idx="1">
+        <a:scrgbClr r="0" g="0" b="0"/>
+      </a:fillRef>
+      <a:effectRef idx="0">
+        <a:scrgbClr r="0" g="0" b="0"/>
+      </a:effectRef>
+      <a:fontRef idx="minor">
+        <a:schemeClr val="lt1"/>
+      </a:fontRef>
+    </dgm:style>
+  </dgm:styleLbl>
+  <dgm:styleLbl name="asst4">
+    <dgm:scene3d>
+      <a:camera prst="orthographicFront"/>
+      <a:lightRig rig="threePt" dir="t"/>
+    </dgm:scene3d>
+    <dgm:sp3d/>
+    <dgm:txPr/>
+    <dgm:style>
+      <a:lnRef idx="2">
+        <a:scrgbClr r="0" g="0" b="0"/>
+      </a:lnRef>
+      <a:fillRef idx="1">
+        <a:scrgbClr r="0" g="0" b="0"/>
+      </a:fillRef>
+      <a:effectRef idx="0">
+        <a:scrgbClr r="0" g="0" b="0"/>
+      </a:effectRef>
+      <a:fontRef idx="minor">
+        <a:schemeClr val="lt1"/>
+      </a:fontRef>
+    </dgm:style>
+  </dgm:styleLbl>
+  <dgm:styleLbl name="parChTrans2D1">
+    <dgm:scene3d>
+      <a:camera prst="orthographicFront"/>
+      <a:lightRig rig="threePt" dir="t"/>
+    </dgm:scene3d>
+    <dgm:sp3d/>
+    <dgm:txPr/>
+    <dgm:style>
+      <a:lnRef idx="2">
+        <a:scrgbClr r="0" g="0" b="0"/>
+      </a:lnRef>
+      <a:fillRef idx="1">
+        <a:scrgbClr r="0" g="0" b="0"/>
+      </a:fillRef>
+      <a:effectRef idx="0">
+        <a:scrgbClr r="0" g="0" b="0"/>
+      </a:effectRef>
+      <a:fontRef idx="minor">
+        <a:schemeClr val="lt1"/>
+      </a:fontRef>
+    </dgm:style>
+  </dgm:styleLbl>
+  <dgm:styleLbl name="parChTrans2D2">
+    <dgm:scene3d>
+      <a:camera prst="orthographicFront"/>
+      <a:lightRig rig="threePt" dir="t"/>
+    </dgm:scene3d>
+    <dgm:sp3d/>
+    <dgm:txPr/>
+    <dgm:style>
+      <a:lnRef idx="2">
+        <a:scrgbClr r="0" g="0" b="0"/>
+      </a:lnRef>
+      <a:fillRef idx="1">
+        <a:scrgbClr r="0" g="0" b="0"/>
+      </a:fillRef>
+      <a:effectRef idx="0">
+        <a:scrgbClr r="0" g="0" b="0"/>
+      </a:effectRef>
+      <a:fontRef idx="minor">
+        <a:schemeClr val="lt1"/>
+      </a:fontRef>
+    </dgm:style>
+  </dgm:styleLbl>
+  <dgm:styleLbl name="parChTrans2D3">
+    <dgm:scene3d>
+      <a:camera prst="orthographicFront"/>
+      <a:lightRig rig="threePt" dir="t"/>
+    </dgm:scene3d>
+    <dgm:sp3d/>
+    <dgm:txPr/>
+    <dgm:style>
+      <a:lnRef idx="2">
+        <a:scrgbClr r="0" g="0" b="0"/>
+      </a:lnRef>
+      <a:fillRef idx="1">
+        <a:scrgbClr r="0" g="0" b="0"/>
+      </a:fillRef>
+      <a:effectRef idx="0">
+        <a:scrgbClr r="0" g="0" b="0"/>
+      </a:effectRef>
+      <a:fontRef idx="minor">
+        <a:schemeClr val="lt1"/>
+      </a:fontRef>
+    </dgm:style>
+  </dgm:styleLbl>
+  <dgm:styleLbl name="parChTrans2D4">
+    <dgm:scene3d>
+      <a:camera prst="orthographicFront"/>
+      <a:lightRig rig="threePt" dir="t"/>
+    </dgm:scene3d>
+    <dgm:sp3d/>
+    <dgm:txPr/>
+    <dgm:style>
+      <a:lnRef idx="2">
+        <a:scrgbClr r="0" g="0" b="0"/>
+      </a:lnRef>
+      <a:fillRef idx="1">
+        <a:scrgbClr r="0" g="0" b="0"/>
+      </a:fillRef>
+      <a:effectRef idx="0">
+        <a:scrgbClr r="0" g="0" b="0"/>
+      </a:effectRef>
+      <a:fontRef idx="minor">
+        <a:schemeClr val="lt1"/>
+      </a:fontRef>
+    </dgm:style>
+  </dgm:styleLbl>
+  <dgm:styleLbl name="parChTrans1D1">
+    <dgm:scene3d>
+      <a:camera prst="orthographicFront"/>
+      <a:lightRig rig="threePt" dir="t"/>
+    </dgm:scene3d>
+    <dgm:sp3d/>
+    <dgm:txPr/>
+    <dgm:style>
+      <a:lnRef idx="2">
+        <a:scrgbClr r="0" g="0" b="0"/>
+      </a:lnRef>
+      <a:fillRef idx="0">
+        <a:scrgbClr r="0" g="0" b="0"/>
+      </a:fillRef>
+      <a:effectRef idx="0">
+        <a:scrgbClr r="0" g="0" b="0"/>
+      </a:effectRef>
+      <a:fontRef idx="minor"/>
+    </dgm:style>
+  </dgm:styleLbl>
+  <dgm:styleLbl name="parChTrans1D2">
+    <dgm:scene3d>
+      <a:camera prst="orthographicFront"/>
+      <a:lightRig rig="threePt" dir="t"/>
+    </dgm:scene3d>
+    <dgm:sp3d/>
+    <dgm:txPr/>
+    <dgm:style>
+      <a:lnRef idx="2">
+        <a:scrgbClr r="0" g="0" b="0"/>
+      </a:lnRef>
+      <a:fillRef idx="0">
+        <a:scrgbClr r="0" g="0" b="0"/>
+      </a:fillRef>
+      <a:effectRef idx="0">
+        <a:scrgbClr r="0" g="0" b="0"/>
+      </a:effectRef>
+      <a:fontRef idx="minor"/>
+    </dgm:style>
+  </dgm:styleLbl>
+  <dgm:styleLbl name="parChTrans1D3">
+    <dgm:scene3d>
+      <a:camera prst="orthographicFront"/>
+      <a:lightRig rig="threePt" dir="t"/>
+    </dgm:scene3d>
+    <dgm:sp3d/>
+    <dgm:txPr/>
+    <dgm:style>
+      <a:lnRef idx="2">
+        <a:scrgbClr r="0" g="0" b="0"/>
+      </a:lnRef>
+      <a:fillRef idx="0">
+        <a:scrgbClr r="0" g="0" b="0"/>
+      </a:fillRef>
+      <a:effectRef idx="0">
+        <a:scrgbClr r="0" g="0" b="0"/>
+      </a:effectRef>
+      <a:fontRef idx="minor"/>
+    </dgm:style>
+  </dgm:styleLbl>
+  <dgm:styleLbl name="parChTrans1D4">
+    <dgm:scene3d>
+      <a:camera prst="orthographicFront"/>
+      <a:lightRig rig="threePt" dir="t"/>
+    </dgm:scene3d>
+    <dgm:sp3d/>
+    <dgm:txPr/>
+    <dgm:style>
+      <a:lnRef idx="2">
+        <a:scrgbClr r="0" g="0" b="0"/>
+      </a:lnRef>
+      <a:fillRef idx="0">
+        <a:scrgbClr r="0" g="0" b="0"/>
+      </a:fillRef>
+      <a:effectRef idx="0">
+        <a:scrgbClr r="0" g="0" b="0"/>
+      </a:effectRef>
+      <a:fontRef idx="minor"/>
+    </dgm:style>
+  </dgm:styleLbl>
+  <dgm:styleLbl name="fgAcc1">
+    <dgm:scene3d>
+      <a:camera prst="orthographicFront"/>
+      <a:lightRig rig="threePt" dir="t"/>
+    </dgm:scene3d>
+    <dgm:sp3d/>
+    <dgm:txPr/>
+    <dgm:style>
+      <a:lnRef idx="2">
+        <a:scrgbClr r="0" g="0" b="0"/>
+      </a:lnRef>
+      <a:fillRef idx="1">
+        <a:scrgbClr r="0" g="0" b="0"/>
+      </a:fillRef>
+      <a:effectRef idx="0">
+        <a:scrgbClr r="0" g="0" b="0"/>
+      </a:effectRef>
+      <a:fontRef idx="minor"/>
+    </dgm:style>
+  </dgm:styleLbl>
+  <dgm:styleLbl name="conFgAcc1">
+    <dgm:scene3d>
+      <a:camera prst="orthographicFront"/>
+      <a:lightRig rig="threePt" dir="t"/>
+    </dgm:scene3d>
+    <dgm:sp3d/>
+    <dgm:txPr/>
+    <dgm:style>
+      <a:lnRef idx="2">
+        <a:scrgbClr r="0" g="0" b="0"/>
+      </a:lnRef>
+      <a:fillRef idx="1">
+        <a:scrgbClr r="0" g="0" b="0"/>
+      </a:fillRef>
+      <a:effectRef idx="0">
+        <a:scrgbClr r="0" g="0" b="0"/>
+      </a:effectRef>
+      <a:fontRef idx="minor"/>
+    </dgm:style>
+  </dgm:styleLbl>
+  <dgm:styleLbl name="alignAcc1">
+    <dgm:scene3d>
+      <a:camera prst="orthographicFront"/>
+      <a:lightRig rig="threePt" dir="t"/>
+    </dgm:scene3d>
+    <dgm:sp3d/>
+    <dgm:txPr/>
+    <dgm:style>
+      <a:lnRef idx="2">
+        <a:scrgbClr r="0" g="0" b="0"/>
+      </a:lnRef>
+      <a:fillRef idx="1">
+        <a:scrgbClr r="0" g="0" b="0"/>
+      </a:fillRef>
+      <a:effectRef idx="0">
+        <a:scrgbClr r="0" g="0" b="0"/>
+      </a:effectRef>
+      <a:fontRef idx="minor"/>
+    </dgm:style>
+  </dgm:styleLbl>
+  <dgm:styleLbl name="trAlignAcc1">
+    <dgm:scene3d>
+      <a:camera prst="orthographicFront"/>
+      <a:lightRig rig="threePt" dir="t"/>
+    </dgm:scene3d>
+    <dgm:sp3d/>
+    <dgm:txPr/>
+    <dgm:style>
+      <a:lnRef idx="1">
+        <a:scrgbClr r="0" g="0" b="0"/>
+      </a:lnRef>
+      <a:fillRef idx="1">
+        <a:scrgbClr r="0" g="0" b="0"/>
+      </a:fillRef>
+      <a:effectRef idx="0">
+        <a:scrgbClr r="0" g="0" b="0"/>
+      </a:effectRef>
+      <a:fontRef idx="minor"/>
+    </dgm:style>
+  </dgm:styleLbl>
+  <dgm:styleLbl name="bgAcc1">
+    <dgm:scene3d>
+      <a:camera prst="orthographicFront"/>
+      <a:lightRig rig="threePt" dir="t"/>
+    </dgm:scene3d>
+    <dgm:sp3d/>
+    <dgm:txPr/>
+    <dgm:style>
+      <a:lnRef idx="2">
+        <a:scrgbClr r="0" g="0" b="0"/>
+      </a:lnRef>
+      <a:fillRef idx="1">
+        <a:scrgbClr r="0" g="0" b="0"/>
+      </a:fillRef>
+      <a:effectRef idx="0">
+        <a:scrgbClr r="0" g="0" b="0"/>
+      </a:effectRef>
+      <a:fontRef idx="minor"/>
+    </dgm:style>
+  </dgm:styleLbl>
+  <dgm:styleLbl name="solidFgAcc1">
+    <dgm:scene3d>
+      <a:camera prst="orthographicFront"/>
+      <a:lightRig rig="threePt" dir="t"/>
+    </dgm:scene3d>
+    <dgm:sp3d/>
+    <dgm:txPr/>
+    <dgm:style>
+      <a:lnRef idx="2">
+        <a:scrgbClr r="0" g="0" b="0"/>
+      </a:lnRef>
+      <a:fillRef idx="1">
+        <a:scrgbClr r="0" g="0" b="0"/>
+      </a:fillRef>
+      <a:effectRef idx="0">
+        <a:scrgbClr r="0" g="0" b="0"/>
+      </a:effectRef>
+      <a:fontRef idx="minor"/>
+    </dgm:style>
+  </dgm:styleLbl>
+  <dgm:styleLbl name="solidAlignAcc1">
+    <dgm:scene3d>
+      <a:camera prst="orthographicFront"/>
+      <a:lightRig rig="threePt" dir="t"/>
+    </dgm:scene3d>
+    <dgm:sp3d/>
+    <dgm:txPr/>
+    <dgm:style>
+      <a:lnRef idx="2">
+        <a:scrgbClr r="0" g="0" b="0"/>
+      </a:lnRef>
+      <a:fillRef idx="1">
+        <a:scrgbClr r="0" g="0" b="0"/>
+      </a:fillRef>
+      <a:effectRef idx="0">
+        <a:scrgbClr r="0" g="0" b="0"/>
+      </a:effectRef>
+      <a:fontRef idx="minor"/>
+    </dgm:style>
+  </dgm:styleLbl>
+  <dgm:styleLbl name="solidBgAcc1">
+    <dgm:scene3d>
+      <a:camera prst="orthographicFront"/>
+      <a:lightRig rig="threePt" dir="t"/>
+    </dgm:scene3d>
+    <dgm:sp3d/>
+    <dgm:txPr/>
+    <dgm:style>
+      <a:lnRef idx="2">
+        <a:scrgbClr r="0" g="0" b="0"/>
+      </a:lnRef>
+      <a:fillRef idx="1">
+        <a:scrgbClr r="0" g="0" b="0"/>
+      </a:fillRef>
+      <a:effectRef idx="0">
+        <a:scrgbClr r="0" g="0" b="0"/>
+      </a:effectRef>
+      <a:fontRef idx="minor"/>
+    </dgm:style>
+  </dgm:styleLbl>
+  <dgm:styleLbl name="fgAccFollowNode1">
+    <dgm:scene3d>
+      <a:camera prst="orthographicFront"/>
+      <a:lightRig rig="threePt" dir="t"/>
+    </dgm:scene3d>
+    <dgm:sp3d/>
+    <dgm:txPr/>
+    <dgm:style>
+      <a:lnRef idx="2">
+        <a:scrgbClr r="0" g="0" b="0"/>
+      </a:lnRef>
+      <a:fillRef idx="1">
+        <a:scrgbClr r="0" g="0" b="0"/>
+      </a:fillRef>
+      <a:effectRef idx="0">
+        <a:scrgbClr r="0" g="0" b="0"/>
+      </a:effectRef>
+      <a:fontRef idx="minor"/>
+    </dgm:style>
+  </dgm:styleLbl>
+  <dgm:styleLbl name="alignAccFollowNode1">
+    <dgm:scene3d>
+      <a:camera prst="orthographicFront"/>
+      <a:lightRig rig="threePt" dir="t"/>
+    </dgm:scene3d>
+    <dgm:sp3d/>
+    <dgm:txPr/>
+    <dgm:style>
+      <a:lnRef idx="2">
+        <a:scrgbClr r="0" g="0" b="0"/>
+      </a:lnRef>
+      <a:fillRef idx="1">
+        <a:scrgbClr r="0" g="0" b="0"/>
+      </a:fillRef>
+      <a:effectRef idx="0">
+        <a:scrgbClr r="0" g="0" b="0"/>
+      </a:effectRef>
+      <a:fontRef idx="minor"/>
+    </dgm:style>
+  </dgm:styleLbl>
+  <dgm:styleLbl name="bgAccFollowNode1">
+    <dgm:scene3d>
+      <a:camera prst="orthographicFront"/>
+      <a:lightRig rig="threePt" dir="t"/>
+    </dgm:scene3d>
+    <dgm:sp3d/>
+    <dgm:txPr/>
+    <dgm:style>
+      <a:lnRef idx="2">
+        <a:scrgbClr r="0" g="0" b="0"/>
+      </a:lnRef>
+      <a:fillRef idx="1">
+        <a:scrgbClr r="0" g="0" b="0"/>
+      </a:fillRef>
+      <a:effectRef idx="0">
+        <a:scrgbClr r="0" g="0" b="0"/>
+      </a:effectRef>
+      <a:fontRef idx="minor"/>
+    </dgm:style>
+  </dgm:styleLbl>
+  <dgm:styleLbl name="fgAcc0">
+    <dgm:scene3d>
+      <a:camera prst="orthographicFront"/>
+      <a:lightRig rig="threePt" dir="t"/>
+    </dgm:scene3d>
+    <dgm:sp3d/>
+    <dgm:txPr/>
+    <dgm:style>
+      <a:lnRef idx="2">
+        <a:scrgbClr r="0" g="0" b="0"/>
+      </a:lnRef>
+      <a:fillRef idx="1">
+        <a:scrgbClr r="0" g="0" b="0"/>
+      </a:fillRef>
+      <a:effectRef idx="0">
+        <a:scrgbClr r="0" g="0" b="0"/>
+      </a:effectRef>
+      <a:fontRef idx="minor"/>
+    </dgm:style>
+  </dgm:styleLbl>
+  <dgm:styleLbl name="fgAcc2">
+    <dgm:scene3d>
+      <a:camera prst="orthographicFront"/>
+      <a:lightRig rig="threePt" dir="t"/>
+    </dgm:scene3d>
+    <dgm:sp3d/>
+    <dgm:txPr/>
+    <dgm:style>
+      <a:lnRef idx="2">
+        <a:scrgbClr r="0" g="0" b="0"/>
+      </a:lnRef>
+      <a:fillRef idx="1">
+        <a:scrgbClr r="0" g="0" b="0"/>
+      </a:fillRef>
+      <a:effectRef idx="0">
+        <a:scrgbClr r="0" g="0" b="0"/>
+      </a:effectRef>
+      <a:fontRef idx="minor"/>
+    </dgm:style>
+  </dgm:styleLbl>
+  <dgm:styleLbl name="fgAcc3">
+    <dgm:scene3d>
+      <a:camera prst="orthographicFront"/>
+      <a:lightRig rig="threePt" dir="t"/>
+    </dgm:scene3d>
+    <dgm:sp3d/>
+    <dgm:txPr/>
+    <dgm:style>
+      <a:lnRef idx="2">
+        <a:scrgbClr r="0" g="0" b="0"/>
+      </a:lnRef>
+      <a:fillRef idx="1">
+        <a:scrgbClr r="0" g="0" b="0"/>
+      </a:fillRef>
+      <a:effectRef idx="0">
+        <a:scrgbClr r="0" g="0" b="0"/>
+      </a:effectRef>
+      <a:fontRef idx="minor"/>
+    </dgm:style>
+  </dgm:styleLbl>
+  <dgm:styleLbl name="fgAcc4">
+    <dgm:scene3d>
+      <a:camera prst="orthographicFront"/>
+      <a:lightRig rig="threePt" dir="t"/>
+    </dgm:scene3d>
+    <dgm:sp3d/>
+    <dgm:txPr/>
+    <dgm:style>
+      <a:lnRef idx="2">
+        <a:scrgbClr r="0" g="0" b="0"/>
+      </a:lnRef>
+      <a:fillRef idx="1">
+        <a:scrgbClr r="0" g="0" b="0"/>
+      </a:fillRef>
+      <a:effectRef idx="0">
+        <a:scrgbClr r="0" g="0" b="0"/>
+      </a:effectRef>
+      <a:fontRef idx="minor"/>
+    </dgm:style>
+  </dgm:styleLbl>
+  <dgm:styleLbl name="bgShp">
+    <dgm:scene3d>
+      <a:camera prst="orthographicFront"/>
+      <a:lightRig rig="threePt" dir="t"/>
+    </dgm:scene3d>
+    <dgm:sp3d/>
+    <dgm:txPr/>
+    <dgm:style>
+      <a:lnRef idx="0">
+        <a:scrgbClr r="0" g="0" b="0"/>
+      </a:lnRef>
+      <a:fillRef idx="1">
+        <a:scrgbClr r="0" g="0" b="0"/>
+      </a:fillRef>
+      <a:effectRef idx="0">
+        <a:scrgbClr r="0" g="0" b="0"/>
+      </a:effectRef>
+      <a:fontRef idx="minor"/>
+    </dgm:style>
+  </dgm:styleLbl>
+  <dgm:styleLbl name="dkBgShp">
+    <dgm:scene3d>
+      <a:camera prst="orthographicFront"/>
+      <a:lightRig rig="threePt" dir="t"/>
+    </dgm:scene3d>
+    <dgm:sp3d/>
+    <dgm:txPr/>
+    <dgm:style>
+      <a:lnRef idx="0">
+        <a:scrgbClr r="0" g="0" b="0"/>
+      </a:lnRef>
+      <a:fillRef idx="1">
+        <a:scrgbClr r="0" g="0" b="0"/>
+      </a:fillRef>
+      <a:effectRef idx="0">
+        <a:scrgbClr r="0" g="0" b="0"/>
+      </a:effectRef>
+      <a:fontRef idx="minor"/>
+    </dgm:style>
+  </dgm:styleLbl>
+  <dgm:styleLbl name="trBgShp">
+    <dgm:scene3d>
+      <a:camera prst="orthographicFront"/>
+      <a:lightRig rig="threePt" dir="t"/>
+    </dgm:scene3d>
+    <dgm:sp3d/>
+    <dgm:txPr/>
+    <dgm:style>
+      <a:lnRef idx="0">
+        <a:scrgbClr r="0" g="0" b="0"/>
+      </a:lnRef>
+      <a:fillRef idx="1">
+        <a:scrgbClr r="0" g="0" b="0"/>
+      </a:fillRef>
+      <a:effectRef idx="0">
+        <a:scrgbClr r="0" g="0" b="0"/>
+      </a:effectRef>
+      <a:fontRef idx="minor"/>
+    </dgm:style>
+  </dgm:styleLbl>
+  <dgm:styleLbl name="fgShp">
+    <dgm:scene3d>
+      <a:camera prst="orthographicFront"/>
+      <a:lightRig rig="threePt" dir="t"/>
+    </dgm:scene3d>
+    <dgm:sp3d/>
+    <dgm:txPr/>
+    <dgm:style>
+      <a:lnRef idx="2">
+        <a:scrgbClr r="0" g="0" b="0"/>
+      </a:lnRef>
+      <a:fillRef idx="1">
+        <a:scrgbClr r="0" g="0" b="0"/>
+      </a:fillRef>
+      <a:effectRef idx="0">
+        <a:scrgbClr r="0" g="0" b="0"/>
+      </a:effectRef>
+      <a:fontRef idx="minor"/>
+    </dgm:style>
+  </dgm:styleLbl>
+  <dgm:styleLbl name="revTx">
+    <dgm:scene3d>
+      <a:camera prst="orthographicFront"/>
+      <a:lightRig rig="threePt" dir="t"/>
+    </dgm:scene3d>
+    <dgm:sp3d/>
+    <dgm:txPr/>
+    <dgm:style>
+      <a:lnRef idx="0">
+        <a:scrgbClr r="0" g="0" b="0"/>
+      </a:lnRef>
+      <a:fillRef idx="0">
+        <a:scrgbClr r="0" g="0" b="0"/>
+      </a:fillRef>
+      <a:effectRef idx="0">
+        <a:scrgbClr r="0" g="0" b="0"/>
+      </a:effectRef>
+      <a:fontRef idx="minor"/>
+    </dgm:style>
+  </dgm:styleLbl>
+</dgm:styleDef>
+</file>
+
 <file path=ppt/notesMasters/notesMaster1.xml><?xml version="1.0" encoding="utf-8"?>
 <p:notesMaster xmlns:a="http://schemas.openxmlformats.org/drawingml/2006/main" xmlns:r="http://schemas.openxmlformats.org/officeDocument/2006/relationships" xmlns:p="http://schemas.openxmlformats.org/presentationml/2006/main">
   <p:cSld>
@@ -196,7 +4858,7 @@
           <a:p>
             <a:fld id="{FD8F9F06-4387-484D-B851-E54559E41764}" type="datetimeFigureOut">
               <a:rPr lang="fr-FR" smtClean="0"/>
-              <a:t>12/09/2020</a:t>
+              <a:t>16/09/2020</a:t>
             </a:fld>
             <a:endParaRPr lang="fr-FR"/>
           </a:p>
@@ -462,6 +5124,116 @@
     </a:lvl9pPr>
   </p:notesStyle>
 </p:notesMaster>
+</file>
+
+<file path=ppt/notesSlides/notesSlide1.xml><?xml version="1.0" encoding="utf-8"?>
+<p:notes xmlns:a="http://schemas.openxmlformats.org/drawingml/2006/main" xmlns:r="http://schemas.openxmlformats.org/officeDocument/2006/relationships" xmlns:p="http://schemas.openxmlformats.org/presentationml/2006/main">
+  <p:cSld>
+    <p:spTree>
+      <p:nvGrpSpPr>
+        <p:cNvPr id="1" name=""/>
+        <p:cNvGrpSpPr/>
+        <p:nvPr/>
+      </p:nvGrpSpPr>
+      <p:grpSpPr>
+        <a:xfrm>
+          <a:off x="0" y="0"/>
+          <a:ext cx="0" cy="0"/>
+          <a:chOff x="0" y="0"/>
+          <a:chExt cx="0" cy="0"/>
+        </a:xfrm>
+      </p:grpSpPr>
+      <p:sp>
+        <p:nvSpPr>
+          <p:cNvPr id="2" name="Espace réservé de l'image des diapositives 1"/>
+          <p:cNvSpPr>
+            <a:spLocks noGrp="1" noRot="1" noChangeAspect="1"/>
+          </p:cNvSpPr>
+          <p:nvPr>
+            <p:ph type="sldImg"/>
+          </p:nvPr>
+        </p:nvSpPr>
+        <p:spPr/>
+      </p:sp>
+      <p:sp>
+        <p:nvSpPr>
+          <p:cNvPr id="3" name="Espace réservé des commentaires 2"/>
+          <p:cNvSpPr>
+            <a:spLocks noGrp="1"/>
+          </p:cNvSpPr>
+          <p:nvPr>
+            <p:ph type="body" idx="1"/>
+          </p:nvPr>
+        </p:nvSpPr>
+        <p:spPr/>
+        <p:txBody>
+          <a:bodyPr/>
+          <a:lstStyle/>
+          <a:p>
+            <a:r>
+              <a:rPr lang="fr-FR" dirty="0" smtClean="0"/>
+              <a:t>Pour les villes</a:t>
+            </a:r>
+            <a:r>
+              <a:rPr lang="fr-FR" baseline="0" dirty="0" smtClean="0"/>
+              <a:t> et les adresses : proposition des adresses et villes auto complète</a:t>
+            </a:r>
+          </a:p>
+          <a:p>
+            <a:r>
+              <a:rPr lang="fr-FR" baseline="0" dirty="0" smtClean="0"/>
+              <a:t>Meilleur endroit pour se garer et prendre les passagers</a:t>
+            </a:r>
+          </a:p>
+          <a:p>
+            <a:r>
+              <a:rPr lang="fr-FR" dirty="0" smtClean="0"/>
+              <a:t>Prix moyen, possibilité d’augmenter ou baisser avec un plafond</a:t>
+            </a:r>
+            <a:r>
+              <a:rPr lang="fr-FR" baseline="0" dirty="0" smtClean="0"/>
+              <a:t> basé sur km</a:t>
+            </a:r>
+          </a:p>
+          <a:p>
+            <a:endParaRPr lang="fr-FR" dirty="0" smtClean="0"/>
+          </a:p>
+        </p:txBody>
+      </p:sp>
+      <p:sp>
+        <p:nvSpPr>
+          <p:cNvPr id="4" name="Espace réservé du numéro de diapositive 3"/>
+          <p:cNvSpPr>
+            <a:spLocks noGrp="1"/>
+          </p:cNvSpPr>
+          <p:nvPr>
+            <p:ph type="sldNum" sz="quarter" idx="10"/>
+          </p:nvPr>
+        </p:nvSpPr>
+        <p:spPr/>
+        <p:txBody>
+          <a:bodyPr/>
+          <a:lstStyle/>
+          <a:p>
+            <a:fld id="{7D50F923-EF74-4F2C-AEBC-ABB7F81BECA2}" type="slidenum">
+              <a:rPr lang="fr-FR" smtClean="0"/>
+              <a:t>5</a:t>
+            </a:fld>
+            <a:endParaRPr lang="fr-FR"/>
+          </a:p>
+        </p:txBody>
+      </p:sp>
+    </p:spTree>
+    <p:extLst>
+      <p:ext uri="{BB962C8B-B14F-4D97-AF65-F5344CB8AC3E}">
+        <p14:creationId xmlns:p14="http://schemas.microsoft.com/office/powerpoint/2010/main" val="761537128"/>
+      </p:ext>
+    </p:extLst>
+  </p:cSld>
+  <p:clrMapOvr>
+    <a:masterClrMapping/>
+  </p:clrMapOvr>
+</p:notes>
 </file>
 
 <file path=ppt/slideLayouts/slideLayout1.xml><?xml version="1.0" encoding="utf-8"?>
@@ -645,7 +5417,7 @@
           <a:p>
             <a:fld id="{64F1BE6C-0D6A-4647-AE28-9C9518D5E7E6}" type="datetimeFigureOut">
               <a:rPr lang="fr-FR" smtClean="0"/>
-              <a:t>12/09/2020</a:t>
+              <a:t>16/09/2020</a:t>
             </a:fld>
             <a:endParaRPr lang="fr-FR"/>
           </a:p>
@@ -815,7 +5587,7 @@
           <a:p>
             <a:fld id="{64F1BE6C-0D6A-4647-AE28-9C9518D5E7E6}" type="datetimeFigureOut">
               <a:rPr lang="fr-FR" smtClean="0"/>
-              <a:t>12/09/2020</a:t>
+              <a:t>16/09/2020</a:t>
             </a:fld>
             <a:endParaRPr lang="fr-FR"/>
           </a:p>
@@ -995,7 +5767,7 @@
           <a:p>
             <a:fld id="{64F1BE6C-0D6A-4647-AE28-9C9518D5E7E6}" type="datetimeFigureOut">
               <a:rPr lang="fr-FR" smtClean="0"/>
-              <a:t>12/09/2020</a:t>
+              <a:t>16/09/2020</a:t>
             </a:fld>
             <a:endParaRPr lang="fr-FR"/>
           </a:p>
@@ -1165,7 +5937,7 @@
           <a:p>
             <a:fld id="{64F1BE6C-0D6A-4647-AE28-9C9518D5E7E6}" type="datetimeFigureOut">
               <a:rPr lang="fr-FR" smtClean="0"/>
-              <a:t>12/09/2020</a:t>
+              <a:t>16/09/2020</a:t>
             </a:fld>
             <a:endParaRPr lang="fr-FR"/>
           </a:p>
@@ -1411,7 +6183,7 @@
           <a:p>
             <a:fld id="{64F1BE6C-0D6A-4647-AE28-9C9518D5E7E6}" type="datetimeFigureOut">
               <a:rPr lang="fr-FR" smtClean="0"/>
-              <a:t>12/09/2020</a:t>
+              <a:t>16/09/2020</a:t>
             </a:fld>
             <a:endParaRPr lang="fr-FR"/>
           </a:p>
@@ -1699,7 +6471,7 @@
           <a:p>
             <a:fld id="{64F1BE6C-0D6A-4647-AE28-9C9518D5E7E6}" type="datetimeFigureOut">
               <a:rPr lang="fr-FR" smtClean="0"/>
-              <a:t>12/09/2020</a:t>
+              <a:t>16/09/2020</a:t>
             </a:fld>
             <a:endParaRPr lang="fr-FR"/>
           </a:p>
@@ -2121,7 +6893,7 @@
           <a:p>
             <a:fld id="{64F1BE6C-0D6A-4647-AE28-9C9518D5E7E6}" type="datetimeFigureOut">
               <a:rPr lang="fr-FR" smtClean="0"/>
-              <a:t>12/09/2020</a:t>
+              <a:t>16/09/2020</a:t>
             </a:fld>
             <a:endParaRPr lang="fr-FR"/>
           </a:p>
@@ -2239,7 +7011,7 @@
           <a:p>
             <a:fld id="{64F1BE6C-0D6A-4647-AE28-9C9518D5E7E6}" type="datetimeFigureOut">
               <a:rPr lang="fr-FR" smtClean="0"/>
-              <a:t>12/09/2020</a:t>
+              <a:t>16/09/2020</a:t>
             </a:fld>
             <a:endParaRPr lang="fr-FR"/>
           </a:p>
@@ -2334,7 +7106,7 @@
           <a:p>
             <a:fld id="{64F1BE6C-0D6A-4647-AE28-9C9518D5E7E6}" type="datetimeFigureOut">
               <a:rPr lang="fr-FR" smtClean="0"/>
-              <a:t>12/09/2020</a:t>
+              <a:t>16/09/2020</a:t>
             </a:fld>
             <a:endParaRPr lang="fr-FR"/>
           </a:p>
@@ -2611,7 +7383,7 @@
           <a:p>
             <a:fld id="{64F1BE6C-0D6A-4647-AE28-9C9518D5E7E6}" type="datetimeFigureOut">
               <a:rPr lang="fr-FR" smtClean="0"/>
-              <a:t>12/09/2020</a:t>
+              <a:t>16/09/2020</a:t>
             </a:fld>
             <a:endParaRPr lang="fr-FR"/>
           </a:p>
@@ -2864,7 +7636,7 @@
           <a:p>
             <a:fld id="{64F1BE6C-0D6A-4647-AE28-9C9518D5E7E6}" type="datetimeFigureOut">
               <a:rPr lang="fr-FR" smtClean="0"/>
-              <a:t>12/09/2020</a:t>
+              <a:t>16/09/2020</a:t>
             </a:fld>
             <a:endParaRPr lang="fr-FR"/>
           </a:p>
@@ -3077,7 +7849,7 @@
           <a:p>
             <a:fld id="{64F1BE6C-0D6A-4647-AE28-9C9518D5E7E6}" type="datetimeFigureOut">
               <a:rPr lang="fr-FR" smtClean="0"/>
-              <a:t>12/09/2020</a:t>
+              <a:t>16/09/2020</a:t>
             </a:fld>
             <a:endParaRPr lang="fr-FR"/>
           </a:p>
@@ -4727,6 +9499,590 @@
 </file>
 
 <file path=ppt/slides/slide5.xml><?xml version="1.0" encoding="utf-8"?>
+<p:sld xmlns:a="http://schemas.openxmlformats.org/drawingml/2006/main" xmlns:r="http://schemas.openxmlformats.org/officeDocument/2006/relationships" xmlns:p="http://schemas.openxmlformats.org/presentationml/2006/main">
+  <p:cSld>
+    <p:spTree>
+      <p:nvGrpSpPr>
+        <p:cNvPr id="1" name=""/>
+        <p:cNvGrpSpPr/>
+        <p:nvPr/>
+      </p:nvGrpSpPr>
+      <p:grpSpPr>
+        <a:xfrm>
+          <a:off x="0" y="0"/>
+          <a:ext cx="0" cy="0"/>
+          <a:chOff x="0" y="0"/>
+          <a:chExt cx="0" cy="0"/>
+        </a:xfrm>
+      </p:grpSpPr>
+      <p:sp>
+        <p:nvSpPr>
+          <p:cNvPr id="2" name="Titre 1"/>
+          <p:cNvSpPr>
+            <a:spLocks noGrp="1"/>
+          </p:cNvSpPr>
+          <p:nvPr>
+            <p:ph type="title"/>
+          </p:nvPr>
+        </p:nvSpPr>
+        <p:spPr>
+          <a:xfrm>
+            <a:off x="457200" y="-243408"/>
+            <a:ext cx="8229600" cy="1143000"/>
+          </a:xfrm>
+        </p:spPr>
+        <p:txBody>
+          <a:bodyPr/>
+          <a:lstStyle/>
+          <a:p>
+            <a:r>
+              <a:rPr lang="fr-FR" dirty="0" smtClean="0"/>
+              <a:t>Trajet - Proposition</a:t>
+            </a:r>
+            <a:endParaRPr lang="fr-FR" dirty="0"/>
+          </a:p>
+        </p:txBody>
+      </p:sp>
+      <p:sp>
+        <p:nvSpPr>
+          <p:cNvPr id="3" name="Espace réservé du contenu 2"/>
+          <p:cNvSpPr>
+            <a:spLocks noGrp="1"/>
+          </p:cNvSpPr>
+          <p:nvPr>
+            <p:ph idx="1"/>
+          </p:nvPr>
+        </p:nvSpPr>
+        <p:spPr>
+          <a:xfrm>
+            <a:off x="457200" y="836713"/>
+            <a:ext cx="8219256" cy="576064"/>
+          </a:xfrm>
+        </p:spPr>
+        <p:txBody>
+          <a:bodyPr>
+            <a:normAutofit lnSpcReduction="10000"/>
+          </a:bodyPr>
+          <a:lstStyle/>
+          <a:p>
+            <a:r>
+              <a:rPr lang="fr-FR" dirty="0" smtClean="0"/>
+              <a:t>Authentification obligatoire (Facebook, Email).</a:t>
+            </a:r>
+          </a:p>
+          <a:p>
+            <a:endParaRPr lang="fr-FR" dirty="0"/>
+          </a:p>
+        </p:txBody>
+      </p:sp>
+      <p:pic>
+        <p:nvPicPr>
+          <p:cNvPr id="1026" name="Picture 2" descr="C:\Users\ABDELCHAG\AppData\Local\Microsoft\Windows\INetCache\IE\6TPLKSEI\1169px-Attention_Sign.svg[1].png"/>
+          <p:cNvPicPr>
+            <a:picLocks noChangeAspect="1" noChangeArrowheads="1"/>
+          </p:cNvPicPr>
+          <p:nvPr/>
+        </p:nvPicPr>
+        <p:blipFill>
+          <a:blip r:embed="rId3" cstate="print">
+            <a:extLst>
+              <a:ext uri="{28A0092B-C50C-407E-A947-70E740481C1C}">
+                <a14:useLocalDpi xmlns:a14="http://schemas.microsoft.com/office/drawing/2010/main" val="0"/>
+              </a:ext>
+            </a:extLst>
+          </a:blip>
+          <a:srcRect/>
+          <a:stretch>
+            <a:fillRect/>
+          </a:stretch>
+        </p:blipFill>
+        <p:spPr bwMode="auto">
+          <a:xfrm>
+            <a:off x="341836" y="847468"/>
+            <a:ext cx="468665" cy="410533"/>
+          </a:xfrm>
+          <a:prstGeom prst="rect">
+            <a:avLst/>
+          </a:prstGeom>
+          <a:noFill/>
+          <a:extLst>
+            <a:ext uri="{909E8E84-426E-40DD-AFC4-6F175D3DCCD1}">
+              <a14:hiddenFill xmlns:a14="http://schemas.microsoft.com/office/drawing/2010/main">
+                <a:solidFill>
+                  <a:srgbClr val="FFFFFF"/>
+                </a:solidFill>
+              </a14:hiddenFill>
+            </a:ext>
+          </a:extLst>
+        </p:spPr>
+      </p:pic>
+      <p:graphicFrame>
+        <p:nvGraphicFramePr>
+          <p:cNvPr id="13" name="Diagramme 12"/>
+          <p:cNvGraphicFramePr/>
+          <p:nvPr>
+            <p:extLst>
+              <p:ext uri="{D42A27DB-BD31-4B8C-83A1-F6EECF244321}">
+                <p14:modId xmlns:p14="http://schemas.microsoft.com/office/powerpoint/2010/main" val="2531468226"/>
+              </p:ext>
+            </p:extLst>
+          </p:nvPr>
+        </p:nvGraphicFramePr>
+        <p:xfrm>
+          <a:off x="572824" y="1556792"/>
+          <a:ext cx="8247648" cy="5040560"/>
+        </p:xfrm>
+        <a:graphic>
+          <a:graphicData uri="http://schemas.openxmlformats.org/drawingml/2006/diagram">
+            <dgm:relIds xmlns:dgm="http://schemas.openxmlformats.org/drawingml/2006/diagram" xmlns:r="http://schemas.openxmlformats.org/officeDocument/2006/relationships" r:dm="rId4" r:lo="rId5" r:qs="rId6" r:cs="rId7"/>
+          </a:graphicData>
+        </a:graphic>
+      </p:graphicFrame>
+    </p:spTree>
+    <p:extLst>
+      <p:ext uri="{BB962C8B-B14F-4D97-AF65-F5344CB8AC3E}">
+        <p14:creationId xmlns:p14="http://schemas.microsoft.com/office/powerpoint/2010/main" val="1387539277"/>
+      </p:ext>
+    </p:extLst>
+  </p:cSld>
+  <p:clrMapOvr>
+    <a:masterClrMapping/>
+  </p:clrMapOvr>
+  <p:timing>
+    <p:tnLst>
+      <p:par>
+        <p:cTn id="1" dur="indefinite" restart="never" nodeType="tmRoot"/>
+      </p:par>
+    </p:tnLst>
+  </p:timing>
+</p:sld>
+</file>
+
+<file path=ppt/slides/slide6.xml><?xml version="1.0" encoding="utf-8"?>
+<p:sld xmlns:a="http://schemas.openxmlformats.org/drawingml/2006/main" xmlns:r="http://schemas.openxmlformats.org/officeDocument/2006/relationships" xmlns:p="http://schemas.openxmlformats.org/presentationml/2006/main">
+  <p:cSld>
+    <p:spTree>
+      <p:nvGrpSpPr>
+        <p:cNvPr id="1" name=""/>
+        <p:cNvGrpSpPr/>
+        <p:nvPr/>
+      </p:nvGrpSpPr>
+      <p:grpSpPr>
+        <a:xfrm>
+          <a:off x="0" y="0"/>
+          <a:ext cx="0" cy="0"/>
+          <a:chOff x="0" y="0"/>
+          <a:chExt cx="0" cy="0"/>
+        </a:xfrm>
+      </p:grpSpPr>
+      <p:sp>
+        <p:nvSpPr>
+          <p:cNvPr id="2" name="Titre 1"/>
+          <p:cNvSpPr>
+            <a:spLocks noGrp="1"/>
+          </p:cNvSpPr>
+          <p:nvPr>
+            <p:ph type="title"/>
+          </p:nvPr>
+        </p:nvSpPr>
+        <p:spPr>
+          <a:xfrm>
+            <a:off x="457200" y="-243408"/>
+            <a:ext cx="8229600" cy="1143000"/>
+          </a:xfrm>
+        </p:spPr>
+        <p:txBody>
+          <a:bodyPr/>
+          <a:lstStyle/>
+          <a:p>
+            <a:r>
+              <a:rPr lang="fr-FR" dirty="0" smtClean="0"/>
+              <a:t>Trajet - Consultation</a:t>
+            </a:r>
+            <a:endParaRPr lang="fr-FR" dirty="0"/>
+          </a:p>
+        </p:txBody>
+      </p:sp>
+      <p:sp>
+        <p:nvSpPr>
+          <p:cNvPr id="4" name="Espace réservé du contenu 2"/>
+          <p:cNvSpPr>
+            <a:spLocks noGrp="1"/>
+          </p:cNvSpPr>
+          <p:nvPr>
+            <p:ph idx="1"/>
+          </p:nvPr>
+        </p:nvSpPr>
+        <p:spPr>
+          <a:xfrm>
+            <a:off x="457200" y="836713"/>
+            <a:ext cx="8219256" cy="576064"/>
+          </a:xfrm>
+        </p:spPr>
+        <p:txBody>
+          <a:bodyPr>
+            <a:normAutofit lnSpcReduction="10000"/>
+          </a:bodyPr>
+          <a:lstStyle/>
+          <a:p>
+            <a:r>
+              <a:rPr lang="fr-FR" dirty="0" smtClean="0"/>
+              <a:t>Authentification obligatoire (Facebook, Email).</a:t>
+            </a:r>
+          </a:p>
+          <a:p>
+            <a:endParaRPr lang="fr-FR" dirty="0"/>
+          </a:p>
+        </p:txBody>
+      </p:sp>
+      <p:pic>
+        <p:nvPicPr>
+          <p:cNvPr id="5" name="Picture 2" descr="C:\Users\ABDELCHAG\AppData\Local\Microsoft\Windows\INetCache\IE\6TPLKSEI\1169px-Attention_Sign.svg[1].png"/>
+          <p:cNvPicPr>
+            <a:picLocks noChangeAspect="1" noChangeArrowheads="1"/>
+          </p:cNvPicPr>
+          <p:nvPr/>
+        </p:nvPicPr>
+        <p:blipFill>
+          <a:blip r:embed="rId2" cstate="print">
+            <a:extLst>
+              <a:ext uri="{28A0092B-C50C-407E-A947-70E740481C1C}">
+                <a14:useLocalDpi xmlns:a14="http://schemas.microsoft.com/office/drawing/2010/main" val="0"/>
+              </a:ext>
+            </a:extLst>
+          </a:blip>
+          <a:srcRect/>
+          <a:stretch>
+            <a:fillRect/>
+          </a:stretch>
+        </p:blipFill>
+        <p:spPr bwMode="auto">
+          <a:xfrm>
+            <a:off x="341836" y="847468"/>
+            <a:ext cx="468665" cy="410533"/>
+          </a:xfrm>
+          <a:prstGeom prst="rect">
+            <a:avLst/>
+          </a:prstGeom>
+          <a:noFill/>
+          <a:extLst>
+            <a:ext uri="{909E8E84-426E-40DD-AFC4-6F175D3DCCD1}">
+              <a14:hiddenFill xmlns:a14="http://schemas.microsoft.com/office/drawing/2010/main">
+                <a:solidFill>
+                  <a:srgbClr val="FFFFFF"/>
+                </a:solidFill>
+              </a14:hiddenFill>
+            </a:ext>
+          </a:extLst>
+        </p:spPr>
+      </p:pic>
+      <p:sp>
+        <p:nvSpPr>
+          <p:cNvPr id="6" name="ZoneTexte 5"/>
+          <p:cNvSpPr txBox="1"/>
+          <p:nvPr/>
+        </p:nvSpPr>
+        <p:spPr>
+          <a:xfrm>
+            <a:off x="341836" y="1458064"/>
+            <a:ext cx="8262612" cy="6278642"/>
+          </a:xfrm>
+          <a:prstGeom prst="rect">
+            <a:avLst/>
+          </a:prstGeom>
+          <a:noFill/>
+        </p:spPr>
+        <p:txBody>
+          <a:bodyPr wrap="square" rtlCol="0">
+            <a:spAutoFit/>
+          </a:bodyPr>
+          <a:lstStyle/>
+          <a:p>
+            <a:r>
+              <a:rPr lang="fr-FR" sz="3000" dirty="0" smtClean="0"/>
+              <a:t>Affichage du plan de route (</a:t>
+            </a:r>
+            <a:r>
+              <a:rPr lang="fr-FR" sz="3000" dirty="0" err="1" smtClean="0"/>
+              <a:t>Map</a:t>
+            </a:r>
+            <a:r>
+              <a:rPr lang="fr-FR" sz="3000" dirty="0" smtClean="0"/>
+              <a:t>)</a:t>
+            </a:r>
+          </a:p>
+          <a:p>
+            <a:endParaRPr lang="fr-FR" sz="3000" b="1" dirty="0"/>
+          </a:p>
+          <a:p>
+            <a:r>
+              <a:rPr lang="fr-FR" sz="3000" b="1" dirty="0" smtClean="0"/>
+              <a:t>Accueil : </a:t>
+            </a:r>
+          </a:p>
+          <a:p>
+            <a:pPr marL="457200" indent="-457200">
+              <a:buFont typeface="Arial" panose="020B0604020202020204" pitchFamily="34" charset="0"/>
+              <a:buChar char="•"/>
+            </a:pPr>
+            <a:r>
+              <a:rPr lang="fr-FR" sz="3000" dirty="0" smtClean="0"/>
+              <a:t>Affichage de la liste des trajets en cours avec les passagers réservant.</a:t>
+            </a:r>
+          </a:p>
+          <a:p>
+            <a:endParaRPr lang="fr-FR" sz="3000" dirty="0"/>
+          </a:p>
+          <a:p>
+            <a:r>
+              <a:rPr lang="fr-FR" sz="3000" b="1" dirty="0" smtClean="0"/>
+              <a:t>Possibilités : </a:t>
+            </a:r>
+          </a:p>
+          <a:p>
+            <a:pPr marL="457200" indent="-457200">
+              <a:buFont typeface="Arial" panose="020B0604020202020204" pitchFamily="34" charset="0"/>
+              <a:buChar char="•"/>
+            </a:pPr>
+            <a:r>
+              <a:rPr lang="fr-FR" sz="3000" dirty="0" smtClean="0"/>
+              <a:t>Modifier date, heures, prix, nombre de places</a:t>
+            </a:r>
+          </a:p>
+          <a:p>
+            <a:pPr marL="457200" indent="-457200">
+              <a:buFont typeface="Arial" panose="020B0604020202020204" pitchFamily="34" charset="0"/>
+              <a:buChar char="•"/>
+            </a:pPr>
+            <a:r>
+              <a:rPr lang="fr-FR" sz="3000" dirty="0" smtClean="0"/>
+              <a:t>Dupliquer trajet</a:t>
+            </a:r>
+          </a:p>
+          <a:p>
+            <a:pPr marL="457200" indent="-457200">
+              <a:buFont typeface="Arial" panose="020B0604020202020204" pitchFamily="34" charset="0"/>
+              <a:buChar char="•"/>
+            </a:pPr>
+            <a:r>
+              <a:rPr lang="fr-FR" sz="3000" dirty="0" smtClean="0"/>
+              <a:t>Annuler trajet</a:t>
+            </a:r>
+          </a:p>
+          <a:p>
+            <a:pPr marL="457200" indent="-457200">
+              <a:buFont typeface="Arial" panose="020B0604020202020204" pitchFamily="34" charset="0"/>
+              <a:buChar char="•"/>
+            </a:pPr>
+            <a:r>
+              <a:rPr lang="fr-FR" sz="3000" dirty="0" smtClean="0"/>
+              <a:t>Consulter l’historique (trajets passés)</a:t>
+            </a:r>
+            <a:endParaRPr lang="fr-FR" sz="3000" dirty="0"/>
+          </a:p>
+          <a:p>
+            <a:endParaRPr lang="fr-FR" dirty="0" smtClean="0"/>
+          </a:p>
+          <a:p>
+            <a:endParaRPr lang="fr-FR" dirty="0"/>
+          </a:p>
+          <a:p>
+            <a:endParaRPr lang="fr-FR" dirty="0" smtClean="0"/>
+          </a:p>
+          <a:p>
+            <a:endParaRPr lang="fr-FR" dirty="0"/>
+          </a:p>
+        </p:txBody>
+      </p:sp>
+      <p:pic>
+        <p:nvPicPr>
+          <p:cNvPr id="2050" name="Picture 2" descr="C:\Users\ABDELCHAG\AppData\Local\Microsoft\Windows\INetCache\IE\Q5UGBWQS\1200px-Malte_carte_réseau_de_bus[1].jpg"/>
+          <p:cNvPicPr>
+            <a:picLocks noChangeAspect="1" noChangeArrowheads="1"/>
+          </p:cNvPicPr>
+          <p:nvPr/>
+        </p:nvPicPr>
+        <p:blipFill>
+          <a:blip r:embed="rId3" cstate="print">
+            <a:extLst>
+              <a:ext uri="{28A0092B-C50C-407E-A947-70E740481C1C}">
+                <a14:useLocalDpi xmlns:a14="http://schemas.microsoft.com/office/drawing/2010/main" val="0"/>
+              </a:ext>
+            </a:extLst>
+          </a:blip>
+          <a:srcRect/>
+          <a:stretch>
+            <a:fillRect/>
+          </a:stretch>
+        </p:blipFill>
+        <p:spPr bwMode="auto">
+          <a:xfrm>
+            <a:off x="5724128" y="1497584"/>
+            <a:ext cx="1584176" cy="1283182"/>
+          </a:xfrm>
+          <a:prstGeom prst="rect">
+            <a:avLst/>
+          </a:prstGeom>
+          <a:noFill/>
+          <a:extLst>
+            <a:ext uri="{909E8E84-426E-40DD-AFC4-6F175D3DCCD1}">
+              <a14:hiddenFill xmlns:a14="http://schemas.microsoft.com/office/drawing/2010/main">
+                <a:solidFill>
+                  <a:srgbClr val="FFFFFF"/>
+                </a:solidFill>
+              </a14:hiddenFill>
+            </a:ext>
+          </a:extLst>
+        </p:spPr>
+      </p:pic>
+    </p:spTree>
+    <p:extLst>
+      <p:ext uri="{BB962C8B-B14F-4D97-AF65-F5344CB8AC3E}">
+        <p14:creationId xmlns:p14="http://schemas.microsoft.com/office/powerpoint/2010/main" val="1384355598"/>
+      </p:ext>
+    </p:extLst>
+  </p:cSld>
+  <p:clrMapOvr>
+    <a:masterClrMapping/>
+  </p:clrMapOvr>
+  <p:timing>
+    <p:tnLst>
+      <p:par>
+        <p:cTn id="1" dur="indefinite" restart="never" nodeType="tmRoot"/>
+      </p:par>
+    </p:tnLst>
+  </p:timing>
+</p:sld>
+</file>
+
+<file path=ppt/slides/slide7.xml><?xml version="1.0" encoding="utf-8"?>
+<p:sld xmlns:a="http://schemas.openxmlformats.org/drawingml/2006/main" xmlns:r="http://schemas.openxmlformats.org/officeDocument/2006/relationships" xmlns:p="http://schemas.openxmlformats.org/presentationml/2006/main">
+  <p:cSld>
+    <p:spTree>
+      <p:nvGrpSpPr>
+        <p:cNvPr id="1" name=""/>
+        <p:cNvGrpSpPr/>
+        <p:nvPr/>
+      </p:nvGrpSpPr>
+      <p:grpSpPr>
+        <a:xfrm>
+          <a:off x="0" y="0"/>
+          <a:ext cx="0" cy="0"/>
+          <a:chOff x="0" y="0"/>
+          <a:chExt cx="0" cy="0"/>
+        </a:xfrm>
+      </p:grpSpPr>
+      <p:sp>
+        <p:nvSpPr>
+          <p:cNvPr id="2" name="Titre 1"/>
+          <p:cNvSpPr>
+            <a:spLocks noGrp="1"/>
+          </p:cNvSpPr>
+          <p:nvPr>
+            <p:ph type="title"/>
+          </p:nvPr>
+        </p:nvSpPr>
+        <p:spPr>
+          <a:xfrm>
+            <a:off x="457200" y="-243408"/>
+            <a:ext cx="8229600" cy="1143000"/>
+          </a:xfrm>
+        </p:spPr>
+        <p:txBody>
+          <a:bodyPr/>
+          <a:lstStyle/>
+          <a:p>
+            <a:r>
+              <a:rPr lang="fr-FR" dirty="0" smtClean="0"/>
+              <a:t>Messagerie</a:t>
+            </a:r>
+            <a:endParaRPr lang="fr-FR" dirty="0"/>
+          </a:p>
+        </p:txBody>
+      </p:sp>
+      <p:sp>
+        <p:nvSpPr>
+          <p:cNvPr id="3" name="Espace réservé du contenu 2"/>
+          <p:cNvSpPr>
+            <a:spLocks noGrp="1"/>
+          </p:cNvSpPr>
+          <p:nvPr>
+            <p:ph idx="1"/>
+          </p:nvPr>
+        </p:nvSpPr>
+        <p:spPr>
+          <a:xfrm>
+            <a:off x="323528" y="1196753"/>
+            <a:ext cx="8363272" cy="1728192"/>
+          </a:xfrm>
+        </p:spPr>
+        <p:txBody>
+          <a:bodyPr/>
+          <a:lstStyle/>
+          <a:p>
+            <a:r>
+              <a:rPr lang="fr-FR" dirty="0" smtClean="0"/>
+              <a:t>Une messagerie électronique (sécurisée) dans la plateforme pour faire communiquer les conducteurs avec les passagers.</a:t>
+            </a:r>
+            <a:endParaRPr lang="fr-FR" dirty="0"/>
+          </a:p>
+        </p:txBody>
+      </p:sp>
+      <p:pic>
+        <p:nvPicPr>
+          <p:cNvPr id="3074" name="Picture 2" descr="C:\Users\ABDELCHAG\AppData\Local\Microsoft\Windows\INetCache\IE\6TPLKSEI\la-messagerie1[1].png"/>
+          <p:cNvPicPr>
+            <a:picLocks noChangeAspect="1" noChangeArrowheads="1"/>
+          </p:cNvPicPr>
+          <p:nvPr/>
+        </p:nvPicPr>
+        <p:blipFill>
+          <a:blip r:embed="rId2">
+            <a:extLst>
+              <a:ext uri="{28A0092B-C50C-407E-A947-70E740481C1C}">
+                <a14:useLocalDpi xmlns:a14="http://schemas.microsoft.com/office/drawing/2010/main" val="0"/>
+              </a:ext>
+            </a:extLst>
+          </a:blip>
+          <a:srcRect/>
+          <a:stretch>
+            <a:fillRect/>
+          </a:stretch>
+        </p:blipFill>
+        <p:spPr bwMode="auto">
+          <a:xfrm>
+            <a:off x="2843808" y="2564904"/>
+            <a:ext cx="4783704" cy="3936662"/>
+          </a:xfrm>
+          <a:prstGeom prst="rect">
+            <a:avLst/>
+          </a:prstGeom>
+          <a:noFill/>
+          <a:extLst>
+            <a:ext uri="{909E8E84-426E-40DD-AFC4-6F175D3DCCD1}">
+              <a14:hiddenFill xmlns:a14="http://schemas.microsoft.com/office/drawing/2010/main">
+                <a:solidFill>
+                  <a:srgbClr val="FFFFFF"/>
+                </a:solidFill>
+              </a14:hiddenFill>
+            </a:ext>
+          </a:extLst>
+        </p:spPr>
+      </p:pic>
+    </p:spTree>
+    <p:extLst>
+      <p:ext uri="{BB962C8B-B14F-4D97-AF65-F5344CB8AC3E}">
+        <p14:creationId xmlns:p14="http://schemas.microsoft.com/office/powerpoint/2010/main" val="1264745281"/>
+      </p:ext>
+    </p:extLst>
+  </p:cSld>
+  <p:clrMapOvr>
+    <a:masterClrMapping/>
+  </p:clrMapOvr>
+</p:sld>
+</file>
+
+<file path=ppt/slides/slide8.xml><?xml version="1.0" encoding="utf-8"?>
 <p:sld xmlns:a="http://schemas.openxmlformats.org/drawingml/2006/main" xmlns:r="http://schemas.openxmlformats.org/officeDocument/2006/relationships" xmlns:p="http://schemas.openxmlformats.org/presentationml/2006/main">
   <p:cSld>
     <p:spTree>
